--- a/Android.pptx
+++ b/Android.pptx
@@ -5,10 +5,10 @@
     <p:sldMasterId id="2147483648" r:id="rId1"/>
   </p:sldMasterIdLst>
   <p:notesMasterIdLst>
-    <p:notesMasterId r:id="rId26"/>
+    <p:notesMasterId r:id="rId31"/>
   </p:notesMasterIdLst>
   <p:handoutMasterIdLst>
-    <p:handoutMasterId r:id="rId27"/>
+    <p:handoutMasterId r:id="rId32"/>
   </p:handoutMasterIdLst>
   <p:sldIdLst>
     <p:sldId id="256" r:id="rId2"/>
@@ -18,53 +18,58 @@
     <p:sldId id="270" r:id="rId6"/>
     <p:sldId id="272" r:id="rId7"/>
     <p:sldId id="273" r:id="rId8"/>
-    <p:sldId id="274" r:id="rId9"/>
-    <p:sldId id="277" r:id="rId10"/>
-    <p:sldId id="276" r:id="rId11"/>
-    <p:sldId id="278" r:id="rId12"/>
-    <p:sldId id="279" r:id="rId13"/>
-    <p:sldId id="280" r:id="rId14"/>
-    <p:sldId id="281" r:id="rId15"/>
-    <p:sldId id="290" r:id="rId16"/>
-    <p:sldId id="282" r:id="rId17"/>
-    <p:sldId id="283" r:id="rId18"/>
-    <p:sldId id="284" r:id="rId19"/>
-    <p:sldId id="285" r:id="rId20"/>
-    <p:sldId id="289" r:id="rId21"/>
-    <p:sldId id="286" r:id="rId22"/>
-    <p:sldId id="287" r:id="rId23"/>
-    <p:sldId id="288" r:id="rId24"/>
-    <p:sldId id="269" r:id="rId25"/>
+    <p:sldId id="292" r:id="rId9"/>
+    <p:sldId id="291" r:id="rId10"/>
+    <p:sldId id="293" r:id="rId11"/>
+    <p:sldId id="294" r:id="rId12"/>
+    <p:sldId id="295" r:id="rId13"/>
+    <p:sldId id="274" r:id="rId14"/>
+    <p:sldId id="277" r:id="rId15"/>
+    <p:sldId id="276" r:id="rId16"/>
+    <p:sldId id="278" r:id="rId17"/>
+    <p:sldId id="279" r:id="rId18"/>
+    <p:sldId id="280" r:id="rId19"/>
+    <p:sldId id="281" r:id="rId20"/>
+    <p:sldId id="290" r:id="rId21"/>
+    <p:sldId id="282" r:id="rId22"/>
+    <p:sldId id="283" r:id="rId23"/>
+    <p:sldId id="284" r:id="rId24"/>
+    <p:sldId id="285" r:id="rId25"/>
+    <p:sldId id="289" r:id="rId26"/>
+    <p:sldId id="286" r:id="rId27"/>
+    <p:sldId id="287" r:id="rId28"/>
+    <p:sldId id="288" r:id="rId29"/>
+    <p:sldId id="269" r:id="rId30"/>
   </p:sldIdLst>
   <p:sldSz cx="9144000" cy="5715000" type="screen16x10"/>
   <p:notesSz cx="6858000" cy="9144000"/>
   <p:embeddedFontLst>
     <p:embeddedFont>
       <p:font typeface="DIN 1451 Engschrift"/>
-      <p:regular r:id="rId28"/>
+      <p:regular r:id="rId33"/>
     </p:embeddedFont>
     <p:embeddedFont>
       <p:font typeface="Calibri" pitchFamily="34" charset="0"/>
-      <p:regular r:id="rId29"/>
-      <p:bold r:id="rId30"/>
-      <p:italic r:id="rId31"/>
-      <p:boldItalic r:id="rId32"/>
+      <p:regular r:id="rId34"/>
+      <p:bold r:id="rId35"/>
+      <p:italic r:id="rId36"/>
+      <p:boldItalic r:id="rId37"/>
     </p:embeddedFont>
     <p:embeddedFont>
       <p:font typeface="DIN 1451 Mittelschrift"/>
-      <p:regular r:id="rId33"/>
+      <p:regular r:id="rId38"/>
     </p:embeddedFont>
     <p:embeddedFont>
       <p:font typeface="Batang" pitchFamily="18" charset="-127"/>
-      <p:regular r:id="rId34"/>
+      <p:regular r:id="rId39"/>
     </p:embeddedFont>
     <p:embeddedFont>
       <p:font typeface="Aharoni" pitchFamily="2" charset="-79"/>
-      <p:bold r:id="rId35"/>
+      <p:bold r:id="rId40"/>
     </p:embeddedFont>
     <p:embeddedFont>
       <p:font typeface="tartarsauce_erc" charset="0"/>
-      <p:regular r:id="rId36"/>
+      <p:regular r:id="rId41"/>
     </p:embeddedFont>
   </p:embeddedFontLst>
   <p:defaultTextStyle>
@@ -285,7 +290,7 @@
             <a:fld id="{D23F9746-6BD9-4D08-B269-C01B7DB0BB5C}" type="datetimeFigureOut">
               <a:rPr lang="en-US" smtClean="0"/>
               <a:pPr/>
-              <a:t>11/12/2014</a:t>
+              <a:t>12/11/2014</a:t>
             </a:fld>
             <a:endParaRPr lang="en-US"/>
           </a:p>
@@ -463,7 +468,7 @@
               <a:pPr>
                 <a:defRPr/>
               </a:pPr>
-              <a:t>2014/11/12</a:t>
+              <a:t>2014/12/11</a:t>
             </a:fld>
             <a:endParaRPr lang="zh-CN" altLang="en-US"/>
           </a:p>
@@ -1380,7 +1385,7 @@
               <a:pPr>
                 <a:defRPr/>
               </a:pPr>
-              <a:t>8</a:t>
+              <a:t>13</a:t>
             </a:fld>
             <a:endParaRPr lang="zh-CN" altLang="en-US"/>
           </a:p>
@@ -1467,7 +1472,7 @@
               <a:pPr>
                 <a:defRPr/>
               </a:pPr>
-              <a:t>24</a:t>
+              <a:t>29</a:t>
             </a:fld>
             <a:endParaRPr lang="zh-CN" altLang="en-US"/>
           </a:p>
@@ -4329,6 +4334,1400 @@
       </p:sp>
       <p:pic>
         <p:nvPicPr>
+          <p:cNvPr id="3075" name="Picture 3"/>
+          <p:cNvPicPr>
+            <a:picLocks noChangeAspect="1" noChangeArrowheads="1"/>
+          </p:cNvPicPr>
+          <p:nvPr/>
+        </p:nvPicPr>
+        <p:blipFill>
+          <a:blip r:embed="rId2" cstate="print"/>
+          <a:srcRect/>
+          <a:stretch>
+            <a:fillRect/>
+          </a:stretch>
+        </p:blipFill>
+        <p:spPr bwMode="auto">
+          <a:xfrm>
+            <a:off x="3076575" y="769268"/>
+            <a:ext cx="6067425" cy="4505325"/>
+          </a:xfrm>
+          <a:prstGeom prst="rect">
+            <a:avLst/>
+          </a:prstGeom>
+          <a:noFill/>
+          <a:ln w="9525">
+            <a:noFill/>
+            <a:miter lim="800000"/>
+            <a:headEnd/>
+            <a:tailEnd/>
+          </a:ln>
+        </p:spPr>
+      </p:pic>
+    </p:spTree>
+  </p:cSld>
+  <p:clrMapOvr>
+    <a:masterClrMapping/>
+  </p:clrMapOvr>
+  <p:transition/>
+  <p:timing>
+    <p:tnLst>
+      <p:par>
+        <p:cTn id="1" dur="indefinite" restart="never" nodeType="tmRoot">
+          <p:childTnLst>
+            <p:seq concurrent="1" nextAc="seek">
+              <p:cTn id="2" dur="indefinite" nodeType="mainSeq">
+                <p:childTnLst>
+                  <p:par>
+                    <p:cTn id="3" fill="hold">
+                      <p:stCondLst>
+                        <p:cond delay="indefinite"/>
+                      </p:stCondLst>
+                      <p:childTnLst>
+                        <p:par>
+                          <p:cTn id="4" fill="hold">
+                            <p:stCondLst>
+                              <p:cond delay="0"/>
+                            </p:stCondLst>
+                            <p:childTnLst>
+                              <p:par>
+                                <p:cTn id="5" presetID="10" presetClass="entr" presetSubtype="0" fill="hold" nodeType="clickEffect">
+                                  <p:stCondLst>
+                                    <p:cond delay="0"/>
+                                  </p:stCondLst>
+                                  <p:childTnLst>
+                                    <p:set>
+                                      <p:cBhvr>
+                                        <p:cTn id="6" dur="1" fill="hold">
+                                          <p:stCondLst>
+                                            <p:cond delay="0"/>
+                                          </p:stCondLst>
+                                        </p:cTn>
+                                        <p:tgtEl>
+                                          <p:spTgt spid="3075"/>
+                                        </p:tgtEl>
+                                        <p:attrNameLst>
+                                          <p:attrName>style.visibility</p:attrName>
+                                        </p:attrNameLst>
+                                      </p:cBhvr>
+                                      <p:to>
+                                        <p:strVal val="visible"/>
+                                      </p:to>
+                                    </p:set>
+                                    <p:animEffect transition="in" filter="fade">
+                                      <p:cBhvr>
+                                        <p:cTn id="7" dur="2000"/>
+                                        <p:tgtEl>
+                                          <p:spTgt spid="3075"/>
+                                        </p:tgtEl>
+                                      </p:cBhvr>
+                                    </p:animEffect>
+                                  </p:childTnLst>
+                                </p:cTn>
+                              </p:par>
+                            </p:childTnLst>
+                          </p:cTn>
+                        </p:par>
+                      </p:childTnLst>
+                    </p:cTn>
+                  </p:par>
+                </p:childTnLst>
+              </p:cTn>
+              <p:prevCondLst>
+                <p:cond evt="onPrev" delay="0">
+                  <p:tgtEl>
+                    <p:sldTgt/>
+                  </p:tgtEl>
+                </p:cond>
+              </p:prevCondLst>
+              <p:nextCondLst>
+                <p:cond evt="onNext" delay="0">
+                  <p:tgtEl>
+                    <p:sldTgt/>
+                  </p:tgtEl>
+                </p:cond>
+              </p:nextCondLst>
+            </p:seq>
+          </p:childTnLst>
+        </p:cTn>
+      </p:par>
+    </p:tnLst>
+  </p:timing>
+</p:sld>
+</file>
+
+<file path=ppt/slides/slide11.xml><?xml version="1.0" encoding="utf-8"?>
+<p:sld xmlns:a="http://schemas.openxmlformats.org/drawingml/2006/main" xmlns:r="http://schemas.openxmlformats.org/officeDocument/2006/relationships" xmlns:p="http://schemas.openxmlformats.org/presentationml/2006/main">
+  <p:cSld>
+    <p:spTree>
+      <p:nvGrpSpPr>
+        <p:cNvPr id="1" name=""/>
+        <p:cNvGrpSpPr/>
+        <p:nvPr/>
+      </p:nvGrpSpPr>
+      <p:grpSpPr>
+        <a:xfrm>
+          <a:off x="0" y="0"/>
+          <a:ext cx="0" cy="0"/>
+          <a:chOff x="0" y="0"/>
+          <a:chExt cx="0" cy="0"/>
+        </a:xfrm>
+      </p:grpSpPr>
+      <p:sp>
+        <p:nvSpPr>
+          <p:cNvPr id="2" name="Title 1"/>
+          <p:cNvSpPr>
+            <a:spLocks noGrp="1"/>
+          </p:cNvSpPr>
+          <p:nvPr>
+            <p:ph type="title"/>
+          </p:nvPr>
+        </p:nvSpPr>
+        <p:spPr/>
+        <p:txBody>
+          <a:bodyPr/>
+          <a:lstStyle/>
+          <a:p>
+            <a:endParaRPr lang="zh-CN" altLang="en-US"/>
+          </a:p>
+        </p:txBody>
+      </p:sp>
+      <p:pic>
+        <p:nvPicPr>
+          <p:cNvPr id="4098" name="Picture 2"/>
+          <p:cNvPicPr>
+            <a:picLocks noChangeAspect="1" noChangeArrowheads="1"/>
+          </p:cNvPicPr>
+          <p:nvPr/>
+        </p:nvPicPr>
+        <p:blipFill>
+          <a:blip r:embed="rId2" cstate="print"/>
+          <a:srcRect/>
+          <a:stretch>
+            <a:fillRect/>
+          </a:stretch>
+        </p:blipFill>
+        <p:spPr bwMode="auto">
+          <a:xfrm>
+            <a:off x="827584" y="1345332"/>
+            <a:ext cx="8048625" cy="3371850"/>
+          </a:xfrm>
+          <a:prstGeom prst="rect">
+            <a:avLst/>
+          </a:prstGeom>
+          <a:noFill/>
+          <a:ln w="9525">
+            <a:noFill/>
+            <a:miter lim="800000"/>
+            <a:headEnd/>
+            <a:tailEnd/>
+          </a:ln>
+        </p:spPr>
+      </p:pic>
+    </p:spTree>
+  </p:cSld>
+  <p:clrMapOvr>
+    <a:masterClrMapping/>
+  </p:clrMapOvr>
+  <p:transition/>
+  <p:timing>
+    <p:tnLst>
+      <p:par>
+        <p:cTn id="1" dur="indefinite" restart="never" nodeType="tmRoot">
+          <p:childTnLst>
+            <p:seq concurrent="1" nextAc="seek">
+              <p:cTn id="2" dur="indefinite" nodeType="mainSeq">
+                <p:childTnLst>
+                  <p:par>
+                    <p:cTn id="3" fill="hold">
+                      <p:stCondLst>
+                        <p:cond delay="indefinite"/>
+                      </p:stCondLst>
+                      <p:childTnLst>
+                        <p:par>
+                          <p:cTn id="4" fill="hold">
+                            <p:stCondLst>
+                              <p:cond delay="0"/>
+                            </p:stCondLst>
+                            <p:childTnLst>
+                              <p:par>
+                                <p:cTn id="5" presetID="10" presetClass="entr" presetSubtype="0" fill="hold" nodeType="clickEffect">
+                                  <p:stCondLst>
+                                    <p:cond delay="0"/>
+                                  </p:stCondLst>
+                                  <p:childTnLst>
+                                    <p:set>
+                                      <p:cBhvr>
+                                        <p:cTn id="6" dur="1" fill="hold">
+                                          <p:stCondLst>
+                                            <p:cond delay="0"/>
+                                          </p:stCondLst>
+                                        </p:cTn>
+                                        <p:tgtEl>
+                                          <p:spTgt spid="4098"/>
+                                        </p:tgtEl>
+                                        <p:attrNameLst>
+                                          <p:attrName>style.visibility</p:attrName>
+                                        </p:attrNameLst>
+                                      </p:cBhvr>
+                                      <p:to>
+                                        <p:strVal val="visible"/>
+                                      </p:to>
+                                    </p:set>
+                                    <p:animEffect transition="in" filter="fade">
+                                      <p:cBhvr>
+                                        <p:cTn id="7" dur="2000"/>
+                                        <p:tgtEl>
+                                          <p:spTgt spid="4098"/>
+                                        </p:tgtEl>
+                                      </p:cBhvr>
+                                    </p:animEffect>
+                                  </p:childTnLst>
+                                </p:cTn>
+                              </p:par>
+                            </p:childTnLst>
+                          </p:cTn>
+                        </p:par>
+                      </p:childTnLst>
+                    </p:cTn>
+                  </p:par>
+                </p:childTnLst>
+              </p:cTn>
+              <p:prevCondLst>
+                <p:cond evt="onPrev" delay="0">
+                  <p:tgtEl>
+                    <p:sldTgt/>
+                  </p:tgtEl>
+                </p:cond>
+              </p:prevCondLst>
+              <p:nextCondLst>
+                <p:cond evt="onNext" delay="0">
+                  <p:tgtEl>
+                    <p:sldTgt/>
+                  </p:tgtEl>
+                </p:cond>
+              </p:nextCondLst>
+            </p:seq>
+          </p:childTnLst>
+        </p:cTn>
+      </p:par>
+    </p:tnLst>
+  </p:timing>
+</p:sld>
+</file>
+
+<file path=ppt/slides/slide12.xml><?xml version="1.0" encoding="utf-8"?>
+<p:sld xmlns:a="http://schemas.openxmlformats.org/drawingml/2006/main" xmlns:r="http://schemas.openxmlformats.org/officeDocument/2006/relationships" xmlns:p="http://schemas.openxmlformats.org/presentationml/2006/main">
+  <p:cSld>
+    <p:spTree>
+      <p:nvGrpSpPr>
+        <p:cNvPr id="1" name=""/>
+        <p:cNvGrpSpPr/>
+        <p:nvPr/>
+      </p:nvGrpSpPr>
+      <p:grpSpPr>
+        <a:xfrm>
+          <a:off x="0" y="0"/>
+          <a:ext cx="0" cy="0"/>
+          <a:chOff x="0" y="0"/>
+          <a:chExt cx="0" cy="0"/>
+        </a:xfrm>
+      </p:grpSpPr>
+      <p:sp>
+        <p:nvSpPr>
+          <p:cNvPr id="2" name="Title 1"/>
+          <p:cNvSpPr>
+            <a:spLocks noGrp="1"/>
+          </p:cNvSpPr>
+          <p:nvPr>
+            <p:ph type="title"/>
+          </p:nvPr>
+        </p:nvSpPr>
+        <p:spPr/>
+        <p:txBody>
+          <a:bodyPr/>
+          <a:lstStyle/>
+          <a:p>
+            <a:endParaRPr lang="zh-CN" altLang="en-US"/>
+          </a:p>
+        </p:txBody>
+      </p:sp>
+      <p:sp>
+        <p:nvSpPr>
+          <p:cNvPr id="3" name="TextBox 2"/>
+          <p:cNvSpPr txBox="1"/>
+          <p:nvPr/>
+        </p:nvSpPr>
+        <p:spPr>
+          <a:xfrm>
+            <a:off x="827584" y="985292"/>
+            <a:ext cx="7920880" cy="523220"/>
+          </a:xfrm>
+          <a:prstGeom prst="rect">
+            <a:avLst/>
+          </a:prstGeom>
+          <a:noFill/>
+        </p:spPr>
+        <p:txBody>
+          <a:bodyPr wrap="square" rtlCol="0">
+            <a:spAutoFit/>
+          </a:bodyPr>
+          <a:lstStyle/>
+          <a:p>
+            <a:r>
+              <a:rPr lang="en-US" altLang="zh-CN" sz="2800" dirty="0" smtClean="0"/>
+              <a:t>Export the </a:t>
+            </a:r>
+            <a:r>
+              <a:rPr lang="en-US" altLang="zh-CN" sz="2800" dirty="0" smtClean="0"/>
+              <a:t>NDK,SDK,ANT to local address</a:t>
+            </a:r>
+            <a:endParaRPr lang="zh-CN" altLang="en-US" sz="2800" dirty="0"/>
+          </a:p>
+        </p:txBody>
+      </p:sp>
+      <p:pic>
+        <p:nvPicPr>
+          <p:cNvPr id="5122" name="Picture 2"/>
+          <p:cNvPicPr>
+            <a:picLocks noChangeAspect="1" noChangeArrowheads="1"/>
+          </p:cNvPicPr>
+          <p:nvPr/>
+        </p:nvPicPr>
+        <p:blipFill>
+          <a:blip r:embed="rId2" cstate="print"/>
+          <a:srcRect/>
+          <a:stretch>
+            <a:fillRect/>
+          </a:stretch>
+        </p:blipFill>
+        <p:spPr bwMode="auto">
+          <a:xfrm>
+            <a:off x="1776413" y="2462213"/>
+            <a:ext cx="5591175" cy="790575"/>
+          </a:xfrm>
+          <a:prstGeom prst="rect">
+            <a:avLst/>
+          </a:prstGeom>
+          <a:noFill/>
+          <a:ln w="9525">
+            <a:noFill/>
+            <a:miter lim="800000"/>
+            <a:headEnd/>
+            <a:tailEnd/>
+          </a:ln>
+        </p:spPr>
+      </p:pic>
+    </p:spTree>
+  </p:cSld>
+  <p:clrMapOvr>
+    <a:masterClrMapping/>
+  </p:clrMapOvr>
+  <p:transition/>
+  <p:timing>
+    <p:tnLst>
+      <p:par>
+        <p:cTn id="1" dur="indefinite" restart="never" nodeType="tmRoot">
+          <p:childTnLst>
+            <p:seq concurrent="1" nextAc="seek">
+              <p:cTn id="2" dur="indefinite" nodeType="mainSeq">
+                <p:childTnLst>
+                  <p:par>
+                    <p:cTn id="3" fill="hold">
+                      <p:stCondLst>
+                        <p:cond delay="indefinite"/>
+                      </p:stCondLst>
+                      <p:childTnLst>
+                        <p:par>
+                          <p:cTn id="4" fill="hold">
+                            <p:stCondLst>
+                              <p:cond delay="0"/>
+                            </p:stCondLst>
+                            <p:childTnLst>
+                              <p:par>
+                                <p:cTn id="5" presetID="2" presetClass="entr" presetSubtype="4" fill="hold" grpId="0" nodeType="clickEffect">
+                                  <p:stCondLst>
+                                    <p:cond delay="0"/>
+                                  </p:stCondLst>
+                                  <p:childTnLst>
+                                    <p:set>
+                                      <p:cBhvr>
+                                        <p:cTn id="6" dur="1" fill="hold">
+                                          <p:stCondLst>
+                                            <p:cond delay="0"/>
+                                          </p:stCondLst>
+                                        </p:cTn>
+                                        <p:tgtEl>
+                                          <p:spTgt spid="3">
+                                            <p:txEl>
+                                              <p:pRg st="0" end="0"/>
+                                            </p:txEl>
+                                          </p:spTgt>
+                                        </p:tgtEl>
+                                        <p:attrNameLst>
+                                          <p:attrName>style.visibility</p:attrName>
+                                        </p:attrNameLst>
+                                      </p:cBhvr>
+                                      <p:to>
+                                        <p:strVal val="visible"/>
+                                      </p:to>
+                                    </p:set>
+                                    <p:anim calcmode="lin" valueType="num">
+                                      <p:cBhvr additive="base">
+                                        <p:cTn id="7" dur="500" fill="hold"/>
+                                        <p:tgtEl>
+                                          <p:spTgt spid="3">
+                                            <p:txEl>
+                                              <p:pRg st="0" end="0"/>
+                                            </p:txEl>
+                                          </p:spTgt>
+                                        </p:tgtEl>
+                                        <p:attrNameLst>
+                                          <p:attrName>ppt_x</p:attrName>
+                                        </p:attrNameLst>
+                                      </p:cBhvr>
+                                      <p:tavLst>
+                                        <p:tav tm="0">
+                                          <p:val>
+                                            <p:strVal val="#ppt_x"/>
+                                          </p:val>
+                                        </p:tav>
+                                        <p:tav tm="100000">
+                                          <p:val>
+                                            <p:strVal val="#ppt_x"/>
+                                          </p:val>
+                                        </p:tav>
+                                      </p:tavLst>
+                                    </p:anim>
+                                    <p:anim calcmode="lin" valueType="num">
+                                      <p:cBhvr additive="base">
+                                        <p:cTn id="8" dur="500" fill="hold"/>
+                                        <p:tgtEl>
+                                          <p:spTgt spid="3">
+                                            <p:txEl>
+                                              <p:pRg st="0" end="0"/>
+                                            </p:txEl>
+                                          </p:spTgt>
+                                        </p:tgtEl>
+                                        <p:attrNameLst>
+                                          <p:attrName>ppt_y</p:attrName>
+                                        </p:attrNameLst>
+                                      </p:cBhvr>
+                                      <p:tavLst>
+                                        <p:tav tm="0">
+                                          <p:val>
+                                            <p:strVal val="1+#ppt_h/2"/>
+                                          </p:val>
+                                        </p:tav>
+                                        <p:tav tm="100000">
+                                          <p:val>
+                                            <p:strVal val="#ppt_y"/>
+                                          </p:val>
+                                        </p:tav>
+                                      </p:tavLst>
+                                    </p:anim>
+                                  </p:childTnLst>
+                                </p:cTn>
+                              </p:par>
+                            </p:childTnLst>
+                          </p:cTn>
+                        </p:par>
+                      </p:childTnLst>
+                    </p:cTn>
+                  </p:par>
+                  <p:par>
+                    <p:cTn id="9" fill="hold">
+                      <p:stCondLst>
+                        <p:cond delay="indefinite"/>
+                      </p:stCondLst>
+                      <p:childTnLst>
+                        <p:par>
+                          <p:cTn id="10" fill="hold">
+                            <p:stCondLst>
+                              <p:cond delay="0"/>
+                            </p:stCondLst>
+                            <p:childTnLst>
+                              <p:par>
+                                <p:cTn id="11" presetID="10" presetClass="entr" presetSubtype="0" fill="hold" nodeType="clickEffect">
+                                  <p:stCondLst>
+                                    <p:cond delay="0"/>
+                                  </p:stCondLst>
+                                  <p:childTnLst>
+                                    <p:set>
+                                      <p:cBhvr>
+                                        <p:cTn id="12" dur="1" fill="hold">
+                                          <p:stCondLst>
+                                            <p:cond delay="0"/>
+                                          </p:stCondLst>
+                                        </p:cTn>
+                                        <p:tgtEl>
+                                          <p:spTgt spid="5122"/>
+                                        </p:tgtEl>
+                                        <p:attrNameLst>
+                                          <p:attrName>style.visibility</p:attrName>
+                                        </p:attrNameLst>
+                                      </p:cBhvr>
+                                      <p:to>
+                                        <p:strVal val="visible"/>
+                                      </p:to>
+                                    </p:set>
+                                    <p:animEffect transition="in" filter="fade">
+                                      <p:cBhvr>
+                                        <p:cTn id="13" dur="2000"/>
+                                        <p:tgtEl>
+                                          <p:spTgt spid="5122"/>
+                                        </p:tgtEl>
+                                      </p:cBhvr>
+                                    </p:animEffect>
+                                  </p:childTnLst>
+                                </p:cTn>
+                              </p:par>
+                            </p:childTnLst>
+                          </p:cTn>
+                        </p:par>
+                      </p:childTnLst>
+                    </p:cTn>
+                  </p:par>
+                </p:childTnLst>
+              </p:cTn>
+              <p:prevCondLst>
+                <p:cond evt="onPrev" delay="0">
+                  <p:tgtEl>
+                    <p:sldTgt/>
+                  </p:tgtEl>
+                </p:cond>
+              </p:prevCondLst>
+              <p:nextCondLst>
+                <p:cond evt="onNext" delay="0">
+                  <p:tgtEl>
+                    <p:sldTgt/>
+                  </p:tgtEl>
+                </p:cond>
+              </p:nextCondLst>
+            </p:seq>
+          </p:childTnLst>
+        </p:cTn>
+      </p:par>
+    </p:tnLst>
+    <p:bldLst>
+      <p:bldP spid="3" grpId="0" build="p"/>
+    </p:bldLst>
+  </p:timing>
+</p:sld>
+</file>
+
+<file path=ppt/slides/slide13.xml><?xml version="1.0" encoding="utf-8"?>
+<p:sld xmlns:a="http://schemas.openxmlformats.org/drawingml/2006/main" xmlns:r="http://schemas.openxmlformats.org/officeDocument/2006/relationships" xmlns:p="http://schemas.openxmlformats.org/presentationml/2006/main">
+  <p:cSld>
+    <p:spTree>
+      <p:nvGrpSpPr>
+        <p:cNvPr id="1" name=""/>
+        <p:cNvGrpSpPr/>
+        <p:nvPr/>
+      </p:nvGrpSpPr>
+      <p:grpSpPr>
+        <a:xfrm>
+          <a:off x="0" y="0"/>
+          <a:ext cx="0" cy="0"/>
+          <a:chOff x="0" y="0"/>
+          <a:chExt cx="0" cy="0"/>
+        </a:xfrm>
+      </p:grpSpPr>
+      <p:sp>
+        <p:nvSpPr>
+          <p:cNvPr id="4" name="TextBox 3"/>
+          <p:cNvSpPr txBox="1"/>
+          <p:nvPr/>
+        </p:nvSpPr>
+        <p:spPr>
+          <a:xfrm>
+            <a:off x="899593" y="1345332"/>
+            <a:ext cx="7920880" cy="1815882"/>
+          </a:xfrm>
+          <a:prstGeom prst="rect">
+            <a:avLst/>
+          </a:prstGeom>
+          <a:noFill/>
+        </p:spPr>
+        <p:txBody>
+          <a:bodyPr wrap="square" rtlCol="0">
+            <a:spAutoFit/>
+          </a:bodyPr>
+          <a:lstStyle/>
+          <a:p>
+            <a:r>
+              <a:rPr lang="en-US" altLang="zh-CN" sz="2800" dirty="0" smtClean="0"/>
+              <a:t>2</a:t>
+            </a:r>
+            <a:r>
+              <a:rPr lang="zh-CN" altLang="en-US" sz="2800" dirty="0" smtClean="0"/>
+              <a:t>、</a:t>
+            </a:r>
+            <a:r>
+              <a:rPr lang="en-US" altLang="zh-CN" sz="2800" dirty="0" smtClean="0"/>
+              <a:t>Configure the environment Path</a:t>
+            </a:r>
+          </a:p>
+          <a:p>
+            <a:endParaRPr lang="en-US" altLang="zh-CN" sz="2800" dirty="0" smtClean="0"/>
+          </a:p>
+          <a:p>
+            <a:r>
+              <a:rPr lang="en-US" altLang="zh-CN" sz="2800" dirty="0" smtClean="0"/>
+              <a:t>You can set up NDK,SDK,ANT </a:t>
+            </a:r>
+            <a:r>
+              <a:rPr lang="en-US" altLang="zh-CN" sz="2800" dirty="0" smtClean="0"/>
+              <a:t>configuration </a:t>
+            </a:r>
+            <a:r>
+              <a:rPr lang="en-US" altLang="zh-CN" sz="2800" dirty="0" smtClean="0"/>
+              <a:t>by </a:t>
+            </a:r>
+            <a:r>
+              <a:rPr lang="en-US" altLang="zh-CN" sz="2800" dirty="0" smtClean="0"/>
+              <a:t>running </a:t>
+            </a:r>
+            <a:r>
+              <a:rPr lang="en-US" altLang="zh-CN" sz="2800" dirty="0" smtClean="0"/>
+              <a:t>the setup.py in cocos2d-x root.</a:t>
+            </a:r>
+            <a:endParaRPr lang="zh-CN" altLang="en-US" sz="2800" dirty="0"/>
+          </a:p>
+        </p:txBody>
+      </p:sp>
+      <p:pic>
+        <p:nvPicPr>
+          <p:cNvPr id="2050" name="Picture 2"/>
+          <p:cNvPicPr>
+            <a:picLocks noChangeAspect="1" noChangeArrowheads="1"/>
+          </p:cNvPicPr>
+          <p:nvPr/>
+        </p:nvPicPr>
+        <p:blipFill>
+          <a:blip r:embed="rId3" cstate="print"/>
+          <a:srcRect/>
+          <a:stretch>
+            <a:fillRect/>
+          </a:stretch>
+        </p:blipFill>
+        <p:spPr bwMode="auto">
+          <a:xfrm>
+            <a:off x="4067944" y="3145532"/>
+            <a:ext cx="4459784" cy="2392335"/>
+          </a:xfrm>
+          <a:prstGeom prst="rect">
+            <a:avLst/>
+          </a:prstGeom>
+          <a:noFill/>
+          <a:ln w="9525">
+            <a:noFill/>
+            <a:miter lim="800000"/>
+            <a:headEnd/>
+            <a:tailEnd/>
+          </a:ln>
+        </p:spPr>
+      </p:pic>
+    </p:spTree>
+  </p:cSld>
+  <p:clrMapOvr>
+    <a:masterClrMapping/>
+  </p:clrMapOvr>
+  <p:transition/>
+  <p:timing>
+    <p:tnLst>
+      <p:par>
+        <p:cTn id="1" dur="indefinite" restart="never" nodeType="tmRoot">
+          <p:childTnLst>
+            <p:seq concurrent="1" nextAc="seek">
+              <p:cTn id="2" dur="indefinite" nodeType="mainSeq">
+                <p:childTnLst>
+                  <p:par>
+                    <p:cTn id="3" fill="hold">
+                      <p:stCondLst>
+                        <p:cond delay="indefinite"/>
+                      </p:stCondLst>
+                      <p:childTnLst>
+                        <p:par>
+                          <p:cTn id="4" fill="hold">
+                            <p:stCondLst>
+                              <p:cond delay="0"/>
+                            </p:stCondLst>
+                            <p:childTnLst>
+                              <p:par>
+                                <p:cTn id="5" presetID="2" presetClass="entr" presetSubtype="4" fill="hold" grpId="0" nodeType="clickEffect">
+                                  <p:stCondLst>
+                                    <p:cond delay="0"/>
+                                  </p:stCondLst>
+                                  <p:childTnLst>
+                                    <p:set>
+                                      <p:cBhvr>
+                                        <p:cTn id="6" dur="1" fill="hold">
+                                          <p:stCondLst>
+                                            <p:cond delay="0"/>
+                                          </p:stCondLst>
+                                        </p:cTn>
+                                        <p:tgtEl>
+                                          <p:spTgt spid="4">
+                                            <p:txEl>
+                                              <p:pRg st="0" end="0"/>
+                                            </p:txEl>
+                                          </p:spTgt>
+                                        </p:tgtEl>
+                                        <p:attrNameLst>
+                                          <p:attrName>style.visibility</p:attrName>
+                                        </p:attrNameLst>
+                                      </p:cBhvr>
+                                      <p:to>
+                                        <p:strVal val="visible"/>
+                                      </p:to>
+                                    </p:set>
+                                    <p:anim calcmode="lin" valueType="num">
+                                      <p:cBhvr additive="base">
+                                        <p:cTn id="7" dur="500" fill="hold"/>
+                                        <p:tgtEl>
+                                          <p:spTgt spid="4">
+                                            <p:txEl>
+                                              <p:pRg st="0" end="0"/>
+                                            </p:txEl>
+                                          </p:spTgt>
+                                        </p:tgtEl>
+                                        <p:attrNameLst>
+                                          <p:attrName>ppt_x</p:attrName>
+                                        </p:attrNameLst>
+                                      </p:cBhvr>
+                                      <p:tavLst>
+                                        <p:tav tm="0">
+                                          <p:val>
+                                            <p:strVal val="#ppt_x"/>
+                                          </p:val>
+                                        </p:tav>
+                                        <p:tav tm="100000">
+                                          <p:val>
+                                            <p:strVal val="#ppt_x"/>
+                                          </p:val>
+                                        </p:tav>
+                                      </p:tavLst>
+                                    </p:anim>
+                                    <p:anim calcmode="lin" valueType="num">
+                                      <p:cBhvr additive="base">
+                                        <p:cTn id="8" dur="500" fill="hold"/>
+                                        <p:tgtEl>
+                                          <p:spTgt spid="4">
+                                            <p:txEl>
+                                              <p:pRg st="0" end="0"/>
+                                            </p:txEl>
+                                          </p:spTgt>
+                                        </p:tgtEl>
+                                        <p:attrNameLst>
+                                          <p:attrName>ppt_y</p:attrName>
+                                        </p:attrNameLst>
+                                      </p:cBhvr>
+                                      <p:tavLst>
+                                        <p:tav tm="0">
+                                          <p:val>
+                                            <p:strVal val="1+#ppt_h/2"/>
+                                          </p:val>
+                                        </p:tav>
+                                        <p:tav tm="100000">
+                                          <p:val>
+                                            <p:strVal val="#ppt_y"/>
+                                          </p:val>
+                                        </p:tav>
+                                      </p:tavLst>
+                                    </p:anim>
+                                  </p:childTnLst>
+                                </p:cTn>
+                              </p:par>
+                            </p:childTnLst>
+                          </p:cTn>
+                        </p:par>
+                      </p:childTnLst>
+                    </p:cTn>
+                  </p:par>
+                  <p:par>
+                    <p:cTn id="9" fill="hold">
+                      <p:stCondLst>
+                        <p:cond delay="indefinite"/>
+                      </p:stCondLst>
+                      <p:childTnLst>
+                        <p:par>
+                          <p:cTn id="10" fill="hold">
+                            <p:stCondLst>
+                              <p:cond delay="0"/>
+                            </p:stCondLst>
+                            <p:childTnLst>
+                              <p:par>
+                                <p:cTn id="11" presetID="2" presetClass="entr" presetSubtype="4" fill="hold" grpId="0" nodeType="clickEffect">
+                                  <p:stCondLst>
+                                    <p:cond delay="0"/>
+                                  </p:stCondLst>
+                                  <p:childTnLst>
+                                    <p:set>
+                                      <p:cBhvr>
+                                        <p:cTn id="12" dur="1" fill="hold">
+                                          <p:stCondLst>
+                                            <p:cond delay="0"/>
+                                          </p:stCondLst>
+                                        </p:cTn>
+                                        <p:tgtEl>
+                                          <p:spTgt spid="4">
+                                            <p:txEl>
+                                              <p:pRg st="2" end="2"/>
+                                            </p:txEl>
+                                          </p:spTgt>
+                                        </p:tgtEl>
+                                        <p:attrNameLst>
+                                          <p:attrName>style.visibility</p:attrName>
+                                        </p:attrNameLst>
+                                      </p:cBhvr>
+                                      <p:to>
+                                        <p:strVal val="visible"/>
+                                      </p:to>
+                                    </p:set>
+                                    <p:anim calcmode="lin" valueType="num">
+                                      <p:cBhvr additive="base">
+                                        <p:cTn id="13" dur="500" fill="hold"/>
+                                        <p:tgtEl>
+                                          <p:spTgt spid="4">
+                                            <p:txEl>
+                                              <p:pRg st="2" end="2"/>
+                                            </p:txEl>
+                                          </p:spTgt>
+                                        </p:tgtEl>
+                                        <p:attrNameLst>
+                                          <p:attrName>ppt_x</p:attrName>
+                                        </p:attrNameLst>
+                                      </p:cBhvr>
+                                      <p:tavLst>
+                                        <p:tav tm="0">
+                                          <p:val>
+                                            <p:strVal val="#ppt_x"/>
+                                          </p:val>
+                                        </p:tav>
+                                        <p:tav tm="100000">
+                                          <p:val>
+                                            <p:strVal val="#ppt_x"/>
+                                          </p:val>
+                                        </p:tav>
+                                      </p:tavLst>
+                                    </p:anim>
+                                    <p:anim calcmode="lin" valueType="num">
+                                      <p:cBhvr additive="base">
+                                        <p:cTn id="14" dur="500" fill="hold"/>
+                                        <p:tgtEl>
+                                          <p:spTgt spid="4">
+                                            <p:txEl>
+                                              <p:pRg st="2" end="2"/>
+                                            </p:txEl>
+                                          </p:spTgt>
+                                        </p:tgtEl>
+                                        <p:attrNameLst>
+                                          <p:attrName>ppt_y</p:attrName>
+                                        </p:attrNameLst>
+                                      </p:cBhvr>
+                                      <p:tavLst>
+                                        <p:tav tm="0">
+                                          <p:val>
+                                            <p:strVal val="1+#ppt_h/2"/>
+                                          </p:val>
+                                        </p:tav>
+                                        <p:tav tm="100000">
+                                          <p:val>
+                                            <p:strVal val="#ppt_y"/>
+                                          </p:val>
+                                        </p:tav>
+                                      </p:tavLst>
+                                    </p:anim>
+                                  </p:childTnLst>
+                                </p:cTn>
+                              </p:par>
+                            </p:childTnLst>
+                          </p:cTn>
+                        </p:par>
+                      </p:childTnLst>
+                    </p:cTn>
+                  </p:par>
+                  <p:par>
+                    <p:cTn id="15" fill="hold">
+                      <p:stCondLst>
+                        <p:cond delay="indefinite"/>
+                      </p:stCondLst>
+                      <p:childTnLst>
+                        <p:par>
+                          <p:cTn id="16" fill="hold">
+                            <p:stCondLst>
+                              <p:cond delay="0"/>
+                            </p:stCondLst>
+                            <p:childTnLst>
+                              <p:par>
+                                <p:cTn id="17" presetID="2" presetClass="entr" presetSubtype="4" fill="hold" nodeType="clickEffect">
+                                  <p:stCondLst>
+                                    <p:cond delay="0"/>
+                                  </p:stCondLst>
+                                  <p:childTnLst>
+                                    <p:set>
+                                      <p:cBhvr>
+                                        <p:cTn id="18" dur="1" fill="hold">
+                                          <p:stCondLst>
+                                            <p:cond delay="0"/>
+                                          </p:stCondLst>
+                                        </p:cTn>
+                                        <p:tgtEl>
+                                          <p:spTgt spid="2050"/>
+                                        </p:tgtEl>
+                                        <p:attrNameLst>
+                                          <p:attrName>style.visibility</p:attrName>
+                                        </p:attrNameLst>
+                                      </p:cBhvr>
+                                      <p:to>
+                                        <p:strVal val="visible"/>
+                                      </p:to>
+                                    </p:set>
+                                    <p:anim calcmode="lin" valueType="num">
+                                      <p:cBhvr additive="base">
+                                        <p:cTn id="19" dur="500" fill="hold"/>
+                                        <p:tgtEl>
+                                          <p:spTgt spid="2050"/>
+                                        </p:tgtEl>
+                                        <p:attrNameLst>
+                                          <p:attrName>ppt_x</p:attrName>
+                                        </p:attrNameLst>
+                                      </p:cBhvr>
+                                      <p:tavLst>
+                                        <p:tav tm="0">
+                                          <p:val>
+                                            <p:strVal val="#ppt_x"/>
+                                          </p:val>
+                                        </p:tav>
+                                        <p:tav tm="100000">
+                                          <p:val>
+                                            <p:strVal val="#ppt_x"/>
+                                          </p:val>
+                                        </p:tav>
+                                      </p:tavLst>
+                                    </p:anim>
+                                    <p:anim calcmode="lin" valueType="num">
+                                      <p:cBhvr additive="base">
+                                        <p:cTn id="20" dur="500" fill="hold"/>
+                                        <p:tgtEl>
+                                          <p:spTgt spid="2050"/>
+                                        </p:tgtEl>
+                                        <p:attrNameLst>
+                                          <p:attrName>ppt_y</p:attrName>
+                                        </p:attrNameLst>
+                                      </p:cBhvr>
+                                      <p:tavLst>
+                                        <p:tav tm="0">
+                                          <p:val>
+                                            <p:strVal val="1+#ppt_h/2"/>
+                                          </p:val>
+                                        </p:tav>
+                                        <p:tav tm="100000">
+                                          <p:val>
+                                            <p:strVal val="#ppt_y"/>
+                                          </p:val>
+                                        </p:tav>
+                                      </p:tavLst>
+                                    </p:anim>
+                                  </p:childTnLst>
+                                </p:cTn>
+                              </p:par>
+                            </p:childTnLst>
+                          </p:cTn>
+                        </p:par>
+                      </p:childTnLst>
+                    </p:cTn>
+                  </p:par>
+                </p:childTnLst>
+              </p:cTn>
+              <p:prevCondLst>
+                <p:cond evt="onPrev" delay="0">
+                  <p:tgtEl>
+                    <p:sldTgt/>
+                  </p:tgtEl>
+                </p:cond>
+              </p:prevCondLst>
+              <p:nextCondLst>
+                <p:cond evt="onNext" delay="0">
+                  <p:tgtEl>
+                    <p:sldTgt/>
+                  </p:tgtEl>
+                </p:cond>
+              </p:nextCondLst>
+            </p:seq>
+          </p:childTnLst>
+        </p:cTn>
+      </p:par>
+    </p:tnLst>
+    <p:bldLst>
+      <p:bldP spid="4" grpId="0" build="p"/>
+    </p:bldLst>
+  </p:timing>
+</p:sld>
+</file>
+
+<file path=ppt/slides/slide14.xml><?xml version="1.0" encoding="utf-8"?>
+<p:sld xmlns:a="http://schemas.openxmlformats.org/drawingml/2006/main" xmlns:r="http://schemas.openxmlformats.org/officeDocument/2006/relationships" xmlns:p="http://schemas.openxmlformats.org/presentationml/2006/main">
+  <p:cSld>
+    <p:spTree>
+      <p:nvGrpSpPr>
+        <p:cNvPr id="1" name=""/>
+        <p:cNvGrpSpPr/>
+        <p:nvPr/>
+      </p:nvGrpSpPr>
+      <p:grpSpPr>
+        <a:xfrm>
+          <a:off x="0" y="0"/>
+          <a:ext cx="0" cy="0"/>
+          <a:chOff x="0" y="0"/>
+          <a:chExt cx="0" cy="0"/>
+        </a:xfrm>
+      </p:grpSpPr>
+      <p:sp>
+        <p:nvSpPr>
+          <p:cNvPr id="2" name="Title 1"/>
+          <p:cNvSpPr>
+            <a:spLocks noGrp="1"/>
+          </p:cNvSpPr>
+          <p:nvPr>
+            <p:ph type="title"/>
+          </p:nvPr>
+        </p:nvSpPr>
+        <p:spPr/>
+        <p:txBody>
+          <a:bodyPr/>
+          <a:lstStyle/>
+          <a:p>
+            <a:endParaRPr lang="zh-CN" altLang="en-US"/>
+          </a:p>
+        </p:txBody>
+      </p:sp>
+      <p:sp>
+        <p:nvSpPr>
+          <p:cNvPr id="3" name="TextBox 2"/>
+          <p:cNvSpPr txBox="1"/>
+          <p:nvPr/>
+        </p:nvSpPr>
+        <p:spPr>
+          <a:xfrm>
+            <a:off x="899593" y="1345332"/>
+            <a:ext cx="7920880" cy="2246769"/>
+          </a:xfrm>
+          <a:prstGeom prst="rect">
+            <a:avLst/>
+          </a:prstGeom>
+          <a:noFill/>
+        </p:spPr>
+        <p:txBody>
+          <a:bodyPr wrap="square" rtlCol="0">
+            <a:spAutoFit/>
+          </a:bodyPr>
+          <a:lstStyle/>
+          <a:p>
+            <a:r>
+              <a:rPr lang="en-US" altLang="zh-CN" sz="2800" dirty="0" smtClean="0"/>
+              <a:t>If it is your first time to configure the environment, you should type the root path of the NDK,SDK,ANT, COCOS_CONSOLE_ROOT.</a:t>
+            </a:r>
+          </a:p>
+          <a:p>
+            <a:endParaRPr lang="en-US" altLang="zh-CN" sz="2800" dirty="0" smtClean="0"/>
+          </a:p>
+          <a:p>
+            <a:r>
+              <a:rPr lang="en-US" altLang="zh-CN" sz="2800" dirty="0" smtClean="0"/>
+              <a:t>Otherwise you can skip this step.</a:t>
+            </a:r>
+            <a:endParaRPr lang="zh-CN" altLang="en-US" sz="2800" dirty="0"/>
+          </a:p>
+        </p:txBody>
+      </p:sp>
+    </p:spTree>
+  </p:cSld>
+  <p:clrMapOvr>
+    <a:masterClrMapping/>
+  </p:clrMapOvr>
+  <p:transition/>
+  <p:timing>
+    <p:tnLst>
+      <p:par>
+        <p:cTn id="1" dur="indefinite" restart="never" nodeType="tmRoot">
+          <p:childTnLst>
+            <p:seq concurrent="1" nextAc="seek">
+              <p:cTn id="2" dur="indefinite" nodeType="mainSeq">
+                <p:childTnLst>
+                  <p:par>
+                    <p:cTn id="3" fill="hold">
+                      <p:stCondLst>
+                        <p:cond delay="indefinite"/>
+                      </p:stCondLst>
+                      <p:childTnLst>
+                        <p:par>
+                          <p:cTn id="4" fill="hold">
+                            <p:stCondLst>
+                              <p:cond delay="0"/>
+                            </p:stCondLst>
+                            <p:childTnLst>
+                              <p:par>
+                                <p:cTn id="5" presetID="2" presetClass="entr" presetSubtype="4" fill="hold" grpId="0" nodeType="clickEffect">
+                                  <p:stCondLst>
+                                    <p:cond delay="0"/>
+                                  </p:stCondLst>
+                                  <p:childTnLst>
+                                    <p:set>
+                                      <p:cBhvr>
+                                        <p:cTn id="6" dur="1" fill="hold">
+                                          <p:stCondLst>
+                                            <p:cond delay="0"/>
+                                          </p:stCondLst>
+                                        </p:cTn>
+                                        <p:tgtEl>
+                                          <p:spTgt spid="3">
+                                            <p:txEl>
+                                              <p:pRg st="0" end="0"/>
+                                            </p:txEl>
+                                          </p:spTgt>
+                                        </p:tgtEl>
+                                        <p:attrNameLst>
+                                          <p:attrName>style.visibility</p:attrName>
+                                        </p:attrNameLst>
+                                      </p:cBhvr>
+                                      <p:to>
+                                        <p:strVal val="visible"/>
+                                      </p:to>
+                                    </p:set>
+                                    <p:anim calcmode="lin" valueType="num">
+                                      <p:cBhvr additive="base">
+                                        <p:cTn id="7" dur="500" fill="hold"/>
+                                        <p:tgtEl>
+                                          <p:spTgt spid="3">
+                                            <p:txEl>
+                                              <p:pRg st="0" end="0"/>
+                                            </p:txEl>
+                                          </p:spTgt>
+                                        </p:tgtEl>
+                                        <p:attrNameLst>
+                                          <p:attrName>ppt_x</p:attrName>
+                                        </p:attrNameLst>
+                                      </p:cBhvr>
+                                      <p:tavLst>
+                                        <p:tav tm="0">
+                                          <p:val>
+                                            <p:strVal val="#ppt_x"/>
+                                          </p:val>
+                                        </p:tav>
+                                        <p:tav tm="100000">
+                                          <p:val>
+                                            <p:strVal val="#ppt_x"/>
+                                          </p:val>
+                                        </p:tav>
+                                      </p:tavLst>
+                                    </p:anim>
+                                    <p:anim calcmode="lin" valueType="num">
+                                      <p:cBhvr additive="base">
+                                        <p:cTn id="8" dur="500" fill="hold"/>
+                                        <p:tgtEl>
+                                          <p:spTgt spid="3">
+                                            <p:txEl>
+                                              <p:pRg st="0" end="0"/>
+                                            </p:txEl>
+                                          </p:spTgt>
+                                        </p:tgtEl>
+                                        <p:attrNameLst>
+                                          <p:attrName>ppt_y</p:attrName>
+                                        </p:attrNameLst>
+                                      </p:cBhvr>
+                                      <p:tavLst>
+                                        <p:tav tm="0">
+                                          <p:val>
+                                            <p:strVal val="1+#ppt_h/2"/>
+                                          </p:val>
+                                        </p:tav>
+                                        <p:tav tm="100000">
+                                          <p:val>
+                                            <p:strVal val="#ppt_y"/>
+                                          </p:val>
+                                        </p:tav>
+                                      </p:tavLst>
+                                    </p:anim>
+                                  </p:childTnLst>
+                                </p:cTn>
+                              </p:par>
+                            </p:childTnLst>
+                          </p:cTn>
+                        </p:par>
+                      </p:childTnLst>
+                    </p:cTn>
+                  </p:par>
+                  <p:par>
+                    <p:cTn id="9" fill="hold">
+                      <p:stCondLst>
+                        <p:cond delay="indefinite"/>
+                      </p:stCondLst>
+                      <p:childTnLst>
+                        <p:par>
+                          <p:cTn id="10" fill="hold">
+                            <p:stCondLst>
+                              <p:cond delay="0"/>
+                            </p:stCondLst>
+                            <p:childTnLst>
+                              <p:par>
+                                <p:cTn id="11" presetID="2" presetClass="entr" presetSubtype="4" fill="hold" grpId="0" nodeType="clickEffect">
+                                  <p:stCondLst>
+                                    <p:cond delay="0"/>
+                                  </p:stCondLst>
+                                  <p:childTnLst>
+                                    <p:set>
+                                      <p:cBhvr>
+                                        <p:cTn id="12" dur="1" fill="hold">
+                                          <p:stCondLst>
+                                            <p:cond delay="0"/>
+                                          </p:stCondLst>
+                                        </p:cTn>
+                                        <p:tgtEl>
+                                          <p:spTgt spid="3">
+                                            <p:txEl>
+                                              <p:pRg st="2" end="2"/>
+                                            </p:txEl>
+                                          </p:spTgt>
+                                        </p:tgtEl>
+                                        <p:attrNameLst>
+                                          <p:attrName>style.visibility</p:attrName>
+                                        </p:attrNameLst>
+                                      </p:cBhvr>
+                                      <p:to>
+                                        <p:strVal val="visible"/>
+                                      </p:to>
+                                    </p:set>
+                                    <p:anim calcmode="lin" valueType="num">
+                                      <p:cBhvr additive="base">
+                                        <p:cTn id="13" dur="500" fill="hold"/>
+                                        <p:tgtEl>
+                                          <p:spTgt spid="3">
+                                            <p:txEl>
+                                              <p:pRg st="2" end="2"/>
+                                            </p:txEl>
+                                          </p:spTgt>
+                                        </p:tgtEl>
+                                        <p:attrNameLst>
+                                          <p:attrName>ppt_x</p:attrName>
+                                        </p:attrNameLst>
+                                      </p:cBhvr>
+                                      <p:tavLst>
+                                        <p:tav tm="0">
+                                          <p:val>
+                                            <p:strVal val="#ppt_x"/>
+                                          </p:val>
+                                        </p:tav>
+                                        <p:tav tm="100000">
+                                          <p:val>
+                                            <p:strVal val="#ppt_x"/>
+                                          </p:val>
+                                        </p:tav>
+                                      </p:tavLst>
+                                    </p:anim>
+                                    <p:anim calcmode="lin" valueType="num">
+                                      <p:cBhvr additive="base">
+                                        <p:cTn id="14" dur="500" fill="hold"/>
+                                        <p:tgtEl>
+                                          <p:spTgt spid="3">
+                                            <p:txEl>
+                                              <p:pRg st="2" end="2"/>
+                                            </p:txEl>
+                                          </p:spTgt>
+                                        </p:tgtEl>
+                                        <p:attrNameLst>
+                                          <p:attrName>ppt_y</p:attrName>
+                                        </p:attrNameLst>
+                                      </p:cBhvr>
+                                      <p:tavLst>
+                                        <p:tav tm="0">
+                                          <p:val>
+                                            <p:strVal val="1+#ppt_h/2"/>
+                                          </p:val>
+                                        </p:tav>
+                                        <p:tav tm="100000">
+                                          <p:val>
+                                            <p:strVal val="#ppt_y"/>
+                                          </p:val>
+                                        </p:tav>
+                                      </p:tavLst>
+                                    </p:anim>
+                                  </p:childTnLst>
+                                </p:cTn>
+                              </p:par>
+                            </p:childTnLst>
+                          </p:cTn>
+                        </p:par>
+                      </p:childTnLst>
+                    </p:cTn>
+                  </p:par>
+                </p:childTnLst>
+              </p:cTn>
+              <p:prevCondLst>
+                <p:cond evt="onPrev" delay="0">
+                  <p:tgtEl>
+                    <p:sldTgt/>
+                  </p:tgtEl>
+                </p:cond>
+              </p:prevCondLst>
+              <p:nextCondLst>
+                <p:cond evt="onNext" delay="0">
+                  <p:tgtEl>
+                    <p:sldTgt/>
+                  </p:tgtEl>
+                </p:cond>
+              </p:nextCondLst>
+            </p:seq>
+          </p:childTnLst>
+        </p:cTn>
+      </p:par>
+    </p:tnLst>
+    <p:bldLst>
+      <p:bldP spid="3" grpId="0" build="p"/>
+    </p:bldLst>
+  </p:timing>
+</p:sld>
+</file>
+
+<file path=ppt/slides/slide15.xml><?xml version="1.0" encoding="utf-8"?>
+<p:sld xmlns:a="http://schemas.openxmlformats.org/drawingml/2006/main" xmlns:r="http://schemas.openxmlformats.org/officeDocument/2006/relationships" xmlns:p="http://schemas.openxmlformats.org/presentationml/2006/main">
+  <p:cSld>
+    <p:spTree>
+      <p:nvGrpSpPr>
+        <p:cNvPr id="1" name=""/>
+        <p:cNvGrpSpPr/>
+        <p:nvPr/>
+      </p:nvGrpSpPr>
+      <p:grpSpPr>
+        <a:xfrm>
+          <a:off x="0" y="0"/>
+          <a:ext cx="0" cy="0"/>
+          <a:chOff x="0" y="0"/>
+          <a:chExt cx="0" cy="0"/>
+        </a:xfrm>
+      </p:grpSpPr>
+      <p:sp>
+        <p:nvSpPr>
+          <p:cNvPr id="2" name="Title 1"/>
+          <p:cNvSpPr>
+            <a:spLocks noGrp="1"/>
+          </p:cNvSpPr>
+          <p:nvPr>
+            <p:ph type="title"/>
+          </p:nvPr>
+        </p:nvSpPr>
+        <p:spPr/>
+        <p:txBody>
+          <a:bodyPr/>
+          <a:lstStyle/>
+          <a:p>
+            <a:endParaRPr lang="zh-CN" altLang="en-US"/>
+          </a:p>
+        </p:txBody>
+      </p:sp>
+      <p:pic>
+        <p:nvPicPr>
           <p:cNvPr id="3074" name="Picture 2"/>
           <p:cNvPicPr>
             <a:picLocks noChangeAspect="1" noChangeArrowheads="1"/>
@@ -4574,7 +5973,7 @@
 </p:sld>
 </file>
 
-<file path=ppt/slides/slide11.xml><?xml version="1.0" encoding="utf-8"?>
+<file path=ppt/slides/slide16.xml><?xml version="1.0" encoding="utf-8"?>
 <p:sld xmlns:a="http://schemas.openxmlformats.org/drawingml/2006/main" xmlns:r="http://schemas.openxmlformats.org/officeDocument/2006/relationships" xmlns:p="http://schemas.openxmlformats.org/presentationml/2006/main">
   <p:cSld>
     <p:spTree>
@@ -4818,7 +6217,7 @@
 </p:sld>
 </file>
 
-<file path=ppt/slides/slide12.xml><?xml version="1.0" encoding="utf-8"?>
+<file path=ppt/slides/slide17.xml><?xml version="1.0" encoding="utf-8"?>
 <p:sld xmlns:a="http://schemas.openxmlformats.org/drawingml/2006/main" xmlns:r="http://schemas.openxmlformats.org/officeDocument/2006/relationships" xmlns:p="http://schemas.openxmlformats.org/presentationml/2006/main">
   <p:cSld>
     <p:spTree>
@@ -5139,7 +6538,7 @@
 </p:sld>
 </file>
 
-<file path=ppt/slides/slide13.xml><?xml version="1.0" encoding="utf-8"?>
+<file path=ppt/slides/slide18.xml><?xml version="1.0" encoding="utf-8"?>
 <p:sld xmlns:a="http://schemas.openxmlformats.org/drawingml/2006/main" xmlns:r="http://schemas.openxmlformats.org/officeDocument/2006/relationships" xmlns:p="http://schemas.openxmlformats.org/presentationml/2006/main">
   <p:cSld>
     <p:spTree>
@@ -5573,7 +6972,7 @@
 </p:sld>
 </file>
 
-<file path=ppt/slides/slide14.xml><?xml version="1.0" encoding="utf-8"?>
+<file path=ppt/slides/slide19.xml><?xml version="1.0" encoding="utf-8"?>
 <p:sld xmlns:a="http://schemas.openxmlformats.org/drawingml/2006/main" xmlns:r="http://schemas.openxmlformats.org/officeDocument/2006/relationships" xmlns:p="http://schemas.openxmlformats.org/presentationml/2006/main">
   <p:cSld>
     <p:spTree>
@@ -6391,1332 +7790,6 @@
     <p:bldLst>
       <p:bldP spid="3" grpId="0" build="p"/>
     </p:bldLst>
-  </p:timing>
-</p:sld>
-</file>
-
-<file path=ppt/slides/slide15.xml><?xml version="1.0" encoding="utf-8"?>
-<p:sld xmlns:a="http://schemas.openxmlformats.org/drawingml/2006/main" xmlns:r="http://schemas.openxmlformats.org/officeDocument/2006/relationships" xmlns:p="http://schemas.openxmlformats.org/presentationml/2006/main">
-  <p:cSld>
-    <p:spTree>
-      <p:nvGrpSpPr>
-        <p:cNvPr id="1" name=""/>
-        <p:cNvGrpSpPr/>
-        <p:nvPr/>
-      </p:nvGrpSpPr>
-      <p:grpSpPr>
-        <a:xfrm>
-          <a:off x="0" y="0"/>
-          <a:ext cx="0" cy="0"/>
-          <a:chOff x="0" y="0"/>
-          <a:chExt cx="0" cy="0"/>
-        </a:xfrm>
-      </p:grpSpPr>
-      <p:sp>
-        <p:nvSpPr>
-          <p:cNvPr id="2" name="Title 1"/>
-          <p:cNvSpPr>
-            <a:spLocks noGrp="1"/>
-          </p:cNvSpPr>
-          <p:nvPr>
-            <p:ph type="title"/>
-          </p:nvPr>
-        </p:nvSpPr>
-        <p:spPr/>
-        <p:txBody>
-          <a:bodyPr/>
-          <a:lstStyle/>
-          <a:p>
-            <a:endParaRPr lang="zh-CN" altLang="en-US"/>
-          </a:p>
-        </p:txBody>
-      </p:sp>
-      <p:pic>
-        <p:nvPicPr>
-          <p:cNvPr id="1026" name="Picture 2"/>
-          <p:cNvPicPr>
-            <a:picLocks noChangeAspect="1" noChangeArrowheads="1"/>
-          </p:cNvPicPr>
-          <p:nvPr/>
-        </p:nvPicPr>
-        <p:blipFill>
-          <a:blip r:embed="rId2" cstate="print"/>
-          <a:srcRect/>
-          <a:stretch>
-            <a:fillRect/>
-          </a:stretch>
-        </p:blipFill>
-        <p:spPr bwMode="auto">
-          <a:xfrm>
-            <a:off x="757238" y="1457325"/>
-            <a:ext cx="7629525" cy="2800350"/>
-          </a:xfrm>
-          <a:prstGeom prst="rect">
-            <a:avLst/>
-          </a:prstGeom>
-          <a:noFill/>
-          <a:ln w="9525">
-            <a:noFill/>
-            <a:miter lim="800000"/>
-            <a:headEnd/>
-            <a:tailEnd/>
-          </a:ln>
-        </p:spPr>
-      </p:pic>
-    </p:spTree>
-  </p:cSld>
-  <p:clrMapOvr>
-    <a:masterClrMapping/>
-  </p:clrMapOvr>
-  <p:transition/>
-  <p:timing>
-    <p:tnLst>
-      <p:par>
-        <p:cTn id="1" dur="indefinite" restart="never" nodeType="tmRoot">
-          <p:childTnLst>
-            <p:seq concurrent="1" nextAc="seek">
-              <p:cTn id="2" dur="indefinite" nodeType="mainSeq">
-                <p:childTnLst>
-                  <p:par>
-                    <p:cTn id="3" fill="hold">
-                      <p:stCondLst>
-                        <p:cond delay="indefinite"/>
-                      </p:stCondLst>
-                      <p:childTnLst>
-                        <p:par>
-                          <p:cTn id="4" fill="hold">
-                            <p:stCondLst>
-                              <p:cond delay="0"/>
-                            </p:stCondLst>
-                            <p:childTnLst>
-                              <p:par>
-                                <p:cTn id="5" presetID="10" presetClass="entr" presetSubtype="0" fill="hold" nodeType="clickEffect">
-                                  <p:stCondLst>
-                                    <p:cond delay="0"/>
-                                  </p:stCondLst>
-                                  <p:childTnLst>
-                                    <p:set>
-                                      <p:cBhvr>
-                                        <p:cTn id="6" dur="1" fill="hold">
-                                          <p:stCondLst>
-                                            <p:cond delay="0"/>
-                                          </p:stCondLst>
-                                        </p:cTn>
-                                        <p:tgtEl>
-                                          <p:spTgt spid="1026"/>
-                                        </p:tgtEl>
-                                        <p:attrNameLst>
-                                          <p:attrName>style.visibility</p:attrName>
-                                        </p:attrNameLst>
-                                      </p:cBhvr>
-                                      <p:to>
-                                        <p:strVal val="visible"/>
-                                      </p:to>
-                                    </p:set>
-                                    <p:animEffect transition="in" filter="fade">
-                                      <p:cBhvr>
-                                        <p:cTn id="7" dur="2000"/>
-                                        <p:tgtEl>
-                                          <p:spTgt spid="1026"/>
-                                        </p:tgtEl>
-                                      </p:cBhvr>
-                                    </p:animEffect>
-                                  </p:childTnLst>
-                                </p:cTn>
-                              </p:par>
-                            </p:childTnLst>
-                          </p:cTn>
-                        </p:par>
-                      </p:childTnLst>
-                    </p:cTn>
-                  </p:par>
-                </p:childTnLst>
-              </p:cTn>
-              <p:prevCondLst>
-                <p:cond evt="onPrev" delay="0">
-                  <p:tgtEl>
-                    <p:sldTgt/>
-                  </p:tgtEl>
-                </p:cond>
-              </p:prevCondLst>
-              <p:nextCondLst>
-                <p:cond evt="onNext" delay="0">
-                  <p:tgtEl>
-                    <p:sldTgt/>
-                  </p:tgtEl>
-                </p:cond>
-              </p:nextCondLst>
-            </p:seq>
-          </p:childTnLst>
-        </p:cTn>
-      </p:par>
-    </p:tnLst>
-  </p:timing>
-</p:sld>
-</file>
-
-<file path=ppt/slides/slide16.xml><?xml version="1.0" encoding="utf-8"?>
-<p:sld xmlns:a="http://schemas.openxmlformats.org/drawingml/2006/main" xmlns:r="http://schemas.openxmlformats.org/officeDocument/2006/relationships" xmlns:p="http://schemas.openxmlformats.org/presentationml/2006/main">
-  <p:cSld>
-    <p:spTree>
-      <p:nvGrpSpPr>
-        <p:cNvPr id="1" name=""/>
-        <p:cNvGrpSpPr/>
-        <p:nvPr/>
-      </p:nvGrpSpPr>
-      <p:grpSpPr>
-        <a:xfrm>
-          <a:off x="0" y="0"/>
-          <a:ext cx="0" cy="0"/>
-          <a:chOff x="0" y="0"/>
-          <a:chExt cx="0" cy="0"/>
-        </a:xfrm>
-      </p:grpSpPr>
-      <p:sp>
-        <p:nvSpPr>
-          <p:cNvPr id="2" name="Title 1"/>
-          <p:cNvSpPr>
-            <a:spLocks noGrp="1"/>
-          </p:cNvSpPr>
-          <p:nvPr>
-            <p:ph type="title"/>
-          </p:nvPr>
-        </p:nvSpPr>
-        <p:spPr/>
-        <p:txBody>
-          <a:bodyPr/>
-          <a:lstStyle/>
-          <a:p>
-            <a:endParaRPr lang="zh-CN" altLang="en-US"/>
-          </a:p>
-        </p:txBody>
-      </p:sp>
-      <p:pic>
-        <p:nvPicPr>
-          <p:cNvPr id="5122" name="Picture 2"/>
-          <p:cNvPicPr>
-            <a:picLocks noChangeAspect="1" noChangeArrowheads="1"/>
-          </p:cNvPicPr>
-          <p:nvPr/>
-        </p:nvPicPr>
-        <p:blipFill>
-          <a:blip r:embed="rId2" cstate="print"/>
-          <a:srcRect/>
-          <a:stretch>
-            <a:fillRect/>
-          </a:stretch>
-        </p:blipFill>
-        <p:spPr bwMode="auto">
-          <a:xfrm>
-            <a:off x="683568" y="1057300"/>
-            <a:ext cx="5601245" cy="2181839"/>
-          </a:xfrm>
-          <a:prstGeom prst="rect">
-            <a:avLst/>
-          </a:prstGeom>
-          <a:noFill/>
-          <a:ln w="9525">
-            <a:noFill/>
-            <a:miter lim="800000"/>
-            <a:headEnd/>
-            <a:tailEnd/>
-          </a:ln>
-        </p:spPr>
-      </p:pic>
-      <p:grpSp>
-        <p:nvGrpSpPr>
-          <p:cNvPr id="10" name="Group 9"/>
-          <p:cNvGrpSpPr/>
-          <p:nvPr/>
-        </p:nvGrpSpPr>
-        <p:grpSpPr>
-          <a:xfrm>
-            <a:off x="5508104" y="697260"/>
-            <a:ext cx="3528392" cy="4680520"/>
-            <a:chOff x="5508104" y="697260"/>
-            <a:chExt cx="3528392" cy="4680520"/>
-          </a:xfrm>
-        </p:grpSpPr>
-        <p:sp>
-          <p:nvSpPr>
-            <p:cNvPr id="5" name="Rectangular Callout 4"/>
-            <p:cNvSpPr/>
-            <p:nvPr/>
-          </p:nvSpPr>
-          <p:spPr>
-            <a:xfrm>
-              <a:off x="5508104" y="697260"/>
-              <a:ext cx="3528392" cy="4680520"/>
-            </a:xfrm>
-            <a:prstGeom prst="wedgeRectCallout">
-              <a:avLst>
-                <a:gd name="adj1" fmla="val -163080"/>
-                <a:gd name="adj2" fmla="val 1722"/>
-              </a:avLst>
-            </a:prstGeom>
-          </p:spPr>
-          <p:style>
-            <a:lnRef idx="2">
-              <a:schemeClr val="accent1">
-                <a:shade val="50000"/>
-              </a:schemeClr>
-            </a:lnRef>
-            <a:fillRef idx="1">
-              <a:schemeClr val="accent1"/>
-            </a:fillRef>
-            <a:effectRef idx="0">
-              <a:schemeClr val="accent1"/>
-            </a:effectRef>
-            <a:fontRef idx="minor">
-              <a:schemeClr val="lt1"/>
-            </a:fontRef>
-          </p:style>
-          <p:txBody>
-            <a:bodyPr rtlCol="0" anchor="ctr"/>
-            <a:lstStyle/>
-            <a:p>
-              <a:pPr algn="ctr"/>
-              <a:endParaRPr lang="zh-CN" altLang="en-US"/>
-            </a:p>
-          </p:txBody>
-        </p:sp>
-        <p:pic>
-          <p:nvPicPr>
-            <p:cNvPr id="5124" name="Picture 4"/>
-            <p:cNvPicPr>
-              <a:picLocks noChangeAspect="1" noChangeArrowheads="1"/>
-            </p:cNvPicPr>
-            <p:nvPr/>
-          </p:nvPicPr>
-          <p:blipFill>
-            <a:blip r:embed="rId3" cstate="print"/>
-            <a:srcRect/>
-            <a:stretch>
-              <a:fillRect/>
-            </a:stretch>
-          </p:blipFill>
-          <p:spPr bwMode="auto">
-            <a:xfrm>
-              <a:off x="5652120" y="841276"/>
-              <a:ext cx="3203217" cy="4320480"/>
-            </a:xfrm>
-            <a:prstGeom prst="rect">
-              <a:avLst/>
-            </a:prstGeom>
-            <a:noFill/>
-            <a:ln w="9525">
-              <a:noFill/>
-              <a:miter lim="800000"/>
-              <a:headEnd/>
-              <a:tailEnd/>
-            </a:ln>
-          </p:spPr>
-        </p:pic>
-      </p:grpSp>
-    </p:spTree>
-  </p:cSld>
-  <p:clrMapOvr>
-    <a:masterClrMapping/>
-  </p:clrMapOvr>
-  <p:transition/>
-  <p:timing>
-    <p:tnLst>
-      <p:par>
-        <p:cTn id="1" dur="indefinite" restart="never" nodeType="tmRoot">
-          <p:childTnLst>
-            <p:seq concurrent="1" nextAc="seek">
-              <p:cTn id="2" dur="indefinite" nodeType="mainSeq">
-                <p:childTnLst>
-                  <p:par>
-                    <p:cTn id="3" fill="hold">
-                      <p:stCondLst>
-                        <p:cond delay="indefinite"/>
-                      </p:stCondLst>
-                      <p:childTnLst>
-                        <p:par>
-                          <p:cTn id="4" fill="hold">
-                            <p:stCondLst>
-                              <p:cond delay="0"/>
-                            </p:stCondLst>
-                            <p:childTnLst>
-                              <p:par>
-                                <p:cTn id="5" presetID="10" presetClass="entr" presetSubtype="0" fill="hold" nodeType="clickEffect">
-                                  <p:stCondLst>
-                                    <p:cond delay="0"/>
-                                  </p:stCondLst>
-                                  <p:childTnLst>
-                                    <p:set>
-                                      <p:cBhvr>
-                                        <p:cTn id="6" dur="1" fill="hold">
-                                          <p:stCondLst>
-                                            <p:cond delay="0"/>
-                                          </p:stCondLst>
-                                        </p:cTn>
-                                        <p:tgtEl>
-                                          <p:spTgt spid="5122"/>
-                                        </p:tgtEl>
-                                        <p:attrNameLst>
-                                          <p:attrName>style.visibility</p:attrName>
-                                        </p:attrNameLst>
-                                      </p:cBhvr>
-                                      <p:to>
-                                        <p:strVal val="visible"/>
-                                      </p:to>
-                                    </p:set>
-                                    <p:animEffect transition="in" filter="fade">
-                                      <p:cBhvr>
-                                        <p:cTn id="7" dur="2000"/>
-                                        <p:tgtEl>
-                                          <p:spTgt spid="5122"/>
-                                        </p:tgtEl>
-                                      </p:cBhvr>
-                                    </p:animEffect>
-                                  </p:childTnLst>
-                                </p:cTn>
-                              </p:par>
-                            </p:childTnLst>
-                          </p:cTn>
-                        </p:par>
-                      </p:childTnLst>
-                    </p:cTn>
-                  </p:par>
-                  <p:par>
-                    <p:cTn id="8" fill="hold">
-                      <p:stCondLst>
-                        <p:cond delay="indefinite"/>
-                      </p:stCondLst>
-                      <p:childTnLst>
-                        <p:par>
-                          <p:cTn id="9" fill="hold">
-                            <p:stCondLst>
-                              <p:cond delay="0"/>
-                            </p:stCondLst>
-                            <p:childTnLst>
-                              <p:par>
-                                <p:cTn id="10" presetID="2" presetClass="entr" presetSubtype="4" fill="hold" nodeType="clickEffect">
-                                  <p:stCondLst>
-                                    <p:cond delay="0"/>
-                                  </p:stCondLst>
-                                  <p:childTnLst>
-                                    <p:set>
-                                      <p:cBhvr>
-                                        <p:cTn id="11" dur="1" fill="hold">
-                                          <p:stCondLst>
-                                            <p:cond delay="0"/>
-                                          </p:stCondLst>
-                                        </p:cTn>
-                                        <p:tgtEl>
-                                          <p:spTgt spid="10"/>
-                                        </p:tgtEl>
-                                        <p:attrNameLst>
-                                          <p:attrName>style.visibility</p:attrName>
-                                        </p:attrNameLst>
-                                      </p:cBhvr>
-                                      <p:to>
-                                        <p:strVal val="visible"/>
-                                      </p:to>
-                                    </p:set>
-                                    <p:anim calcmode="lin" valueType="num">
-                                      <p:cBhvr additive="base">
-                                        <p:cTn id="12" dur="500" fill="hold"/>
-                                        <p:tgtEl>
-                                          <p:spTgt spid="10"/>
-                                        </p:tgtEl>
-                                        <p:attrNameLst>
-                                          <p:attrName>ppt_x</p:attrName>
-                                        </p:attrNameLst>
-                                      </p:cBhvr>
-                                      <p:tavLst>
-                                        <p:tav tm="0">
-                                          <p:val>
-                                            <p:strVal val="#ppt_x"/>
-                                          </p:val>
-                                        </p:tav>
-                                        <p:tav tm="100000">
-                                          <p:val>
-                                            <p:strVal val="#ppt_x"/>
-                                          </p:val>
-                                        </p:tav>
-                                      </p:tavLst>
-                                    </p:anim>
-                                    <p:anim calcmode="lin" valueType="num">
-                                      <p:cBhvr additive="base">
-                                        <p:cTn id="13" dur="500" fill="hold"/>
-                                        <p:tgtEl>
-                                          <p:spTgt spid="10"/>
-                                        </p:tgtEl>
-                                        <p:attrNameLst>
-                                          <p:attrName>ppt_y</p:attrName>
-                                        </p:attrNameLst>
-                                      </p:cBhvr>
-                                      <p:tavLst>
-                                        <p:tav tm="0">
-                                          <p:val>
-                                            <p:strVal val="1+#ppt_h/2"/>
-                                          </p:val>
-                                        </p:tav>
-                                        <p:tav tm="100000">
-                                          <p:val>
-                                            <p:strVal val="#ppt_y"/>
-                                          </p:val>
-                                        </p:tav>
-                                      </p:tavLst>
-                                    </p:anim>
-                                  </p:childTnLst>
-                                </p:cTn>
-                              </p:par>
-                            </p:childTnLst>
-                          </p:cTn>
-                        </p:par>
-                      </p:childTnLst>
-                    </p:cTn>
-                  </p:par>
-                </p:childTnLst>
-              </p:cTn>
-              <p:prevCondLst>
-                <p:cond evt="onPrev" delay="0">
-                  <p:tgtEl>
-                    <p:sldTgt/>
-                  </p:tgtEl>
-                </p:cond>
-              </p:prevCondLst>
-              <p:nextCondLst>
-                <p:cond evt="onNext" delay="0">
-                  <p:tgtEl>
-                    <p:sldTgt/>
-                  </p:tgtEl>
-                </p:cond>
-              </p:nextCondLst>
-            </p:seq>
-          </p:childTnLst>
-        </p:cTn>
-      </p:par>
-    </p:tnLst>
-  </p:timing>
-</p:sld>
-</file>
-
-<file path=ppt/slides/slide17.xml><?xml version="1.0" encoding="utf-8"?>
-<p:sld xmlns:a="http://schemas.openxmlformats.org/drawingml/2006/main" xmlns:r="http://schemas.openxmlformats.org/officeDocument/2006/relationships" xmlns:p="http://schemas.openxmlformats.org/presentationml/2006/main">
-  <p:cSld>
-    <p:spTree>
-      <p:nvGrpSpPr>
-        <p:cNvPr id="1" name=""/>
-        <p:cNvGrpSpPr/>
-        <p:nvPr/>
-      </p:nvGrpSpPr>
-      <p:grpSpPr>
-        <a:xfrm>
-          <a:off x="0" y="0"/>
-          <a:ext cx="0" cy="0"/>
-          <a:chOff x="0" y="0"/>
-          <a:chExt cx="0" cy="0"/>
-        </a:xfrm>
-      </p:grpSpPr>
-      <p:sp>
-        <p:nvSpPr>
-          <p:cNvPr id="2" name="Title 1"/>
-          <p:cNvSpPr>
-            <a:spLocks noGrp="1"/>
-          </p:cNvSpPr>
-          <p:nvPr>
-            <p:ph type="title"/>
-          </p:nvPr>
-        </p:nvSpPr>
-        <p:spPr/>
-        <p:txBody>
-          <a:bodyPr/>
-          <a:lstStyle/>
-          <a:p>
-            <a:endParaRPr lang="zh-CN" altLang="en-US"/>
-          </a:p>
-        </p:txBody>
-      </p:sp>
-      <p:pic>
-        <p:nvPicPr>
-          <p:cNvPr id="6" name="Picture 2"/>
-          <p:cNvPicPr>
-            <a:picLocks noChangeAspect="1" noChangeArrowheads="1"/>
-          </p:cNvPicPr>
-          <p:nvPr/>
-        </p:nvPicPr>
-        <p:blipFill>
-          <a:blip r:embed="rId2" cstate="print"/>
-          <a:srcRect/>
-          <a:stretch>
-            <a:fillRect/>
-          </a:stretch>
-        </p:blipFill>
-        <p:spPr bwMode="auto">
-          <a:xfrm>
-            <a:off x="683568" y="1057300"/>
-            <a:ext cx="5601245" cy="2181839"/>
-          </a:xfrm>
-          <a:prstGeom prst="rect">
-            <a:avLst/>
-          </a:prstGeom>
-          <a:noFill/>
-          <a:ln w="9525">
-            <a:noFill/>
-            <a:miter lim="800000"/>
-            <a:headEnd/>
-            <a:tailEnd/>
-          </a:ln>
-        </p:spPr>
-      </p:pic>
-      <p:grpSp>
-        <p:nvGrpSpPr>
-          <p:cNvPr id="10" name="Group 9"/>
-          <p:cNvGrpSpPr/>
-          <p:nvPr/>
-        </p:nvGrpSpPr>
-        <p:grpSpPr>
-          <a:xfrm>
-            <a:off x="6300192" y="2713484"/>
-            <a:ext cx="2736304" cy="2615108"/>
-            <a:chOff x="6300192" y="2713484"/>
-            <a:chExt cx="2736304" cy="2615108"/>
-          </a:xfrm>
-        </p:grpSpPr>
-        <p:sp>
-          <p:nvSpPr>
-            <p:cNvPr id="8" name="Rectangular Callout 7"/>
-            <p:cNvSpPr/>
-            <p:nvPr/>
-          </p:nvSpPr>
-          <p:spPr>
-            <a:xfrm>
-              <a:off x="6300192" y="2713484"/>
-              <a:ext cx="2736304" cy="2615108"/>
-            </a:xfrm>
-            <a:prstGeom prst="wedgeRectCallout">
-              <a:avLst>
-                <a:gd name="adj1" fmla="val -240489"/>
-                <a:gd name="adj2" fmla="val -100752"/>
-              </a:avLst>
-            </a:prstGeom>
-          </p:spPr>
-          <p:style>
-            <a:lnRef idx="2">
-              <a:schemeClr val="accent1">
-                <a:shade val="50000"/>
-              </a:schemeClr>
-            </a:lnRef>
-            <a:fillRef idx="1">
-              <a:schemeClr val="accent1"/>
-            </a:fillRef>
-            <a:effectRef idx="0">
-              <a:schemeClr val="accent1"/>
-            </a:effectRef>
-            <a:fontRef idx="minor">
-              <a:schemeClr val="lt1"/>
-            </a:fontRef>
-          </p:style>
-          <p:txBody>
-            <a:bodyPr rtlCol="0" anchor="ctr"/>
-            <a:lstStyle/>
-            <a:p>
-              <a:pPr algn="ctr"/>
-              <a:endParaRPr lang="zh-CN" altLang="en-US" b="1"/>
-            </a:p>
-          </p:txBody>
-        </p:sp>
-        <p:pic>
-          <p:nvPicPr>
-            <p:cNvPr id="9" name="Picture 5"/>
-            <p:cNvPicPr>
-              <a:picLocks noChangeAspect="1" noChangeArrowheads="1"/>
-            </p:cNvPicPr>
-            <p:nvPr/>
-          </p:nvPicPr>
-          <p:blipFill>
-            <a:blip r:embed="rId3" cstate="print"/>
-            <a:srcRect/>
-            <a:stretch>
-              <a:fillRect/>
-            </a:stretch>
-          </p:blipFill>
-          <p:spPr bwMode="auto">
-            <a:xfrm>
-              <a:off x="6372200" y="2785492"/>
-              <a:ext cx="2592288" cy="2376264"/>
-            </a:xfrm>
-            <a:prstGeom prst="rect">
-              <a:avLst/>
-            </a:prstGeom>
-            <a:noFill/>
-            <a:ln w="9525">
-              <a:noFill/>
-              <a:miter lim="800000"/>
-              <a:headEnd/>
-              <a:tailEnd/>
-            </a:ln>
-          </p:spPr>
-        </p:pic>
-      </p:grpSp>
-    </p:spTree>
-  </p:cSld>
-  <p:clrMapOvr>
-    <a:masterClrMapping/>
-  </p:clrMapOvr>
-  <p:transition/>
-  <p:timing>
-    <p:tnLst>
-      <p:par>
-        <p:cTn id="1" dur="indefinite" restart="never" nodeType="tmRoot">
-          <p:childTnLst>
-            <p:seq concurrent="1" nextAc="seek">
-              <p:cTn id="2" dur="indefinite" nodeType="mainSeq">
-                <p:childTnLst>
-                  <p:par>
-                    <p:cTn id="3" fill="hold">
-                      <p:stCondLst>
-                        <p:cond delay="indefinite"/>
-                      </p:stCondLst>
-                      <p:childTnLst>
-                        <p:par>
-                          <p:cTn id="4" fill="hold">
-                            <p:stCondLst>
-                              <p:cond delay="0"/>
-                            </p:stCondLst>
-                            <p:childTnLst>
-                              <p:par>
-                                <p:cTn id="5" presetID="2" presetClass="entr" presetSubtype="4" fill="hold" nodeType="clickEffect">
-                                  <p:stCondLst>
-                                    <p:cond delay="0"/>
-                                  </p:stCondLst>
-                                  <p:childTnLst>
-                                    <p:set>
-                                      <p:cBhvr>
-                                        <p:cTn id="6" dur="1" fill="hold">
-                                          <p:stCondLst>
-                                            <p:cond delay="0"/>
-                                          </p:stCondLst>
-                                        </p:cTn>
-                                        <p:tgtEl>
-                                          <p:spTgt spid="10"/>
-                                        </p:tgtEl>
-                                        <p:attrNameLst>
-                                          <p:attrName>style.visibility</p:attrName>
-                                        </p:attrNameLst>
-                                      </p:cBhvr>
-                                      <p:to>
-                                        <p:strVal val="visible"/>
-                                      </p:to>
-                                    </p:set>
-                                    <p:anim calcmode="lin" valueType="num">
-                                      <p:cBhvr additive="base">
-                                        <p:cTn id="7" dur="500" fill="hold"/>
-                                        <p:tgtEl>
-                                          <p:spTgt spid="10"/>
-                                        </p:tgtEl>
-                                        <p:attrNameLst>
-                                          <p:attrName>ppt_x</p:attrName>
-                                        </p:attrNameLst>
-                                      </p:cBhvr>
-                                      <p:tavLst>
-                                        <p:tav tm="0">
-                                          <p:val>
-                                            <p:strVal val="#ppt_x"/>
-                                          </p:val>
-                                        </p:tav>
-                                        <p:tav tm="100000">
-                                          <p:val>
-                                            <p:strVal val="#ppt_x"/>
-                                          </p:val>
-                                        </p:tav>
-                                      </p:tavLst>
-                                    </p:anim>
-                                    <p:anim calcmode="lin" valueType="num">
-                                      <p:cBhvr additive="base">
-                                        <p:cTn id="8" dur="500" fill="hold"/>
-                                        <p:tgtEl>
-                                          <p:spTgt spid="10"/>
-                                        </p:tgtEl>
-                                        <p:attrNameLst>
-                                          <p:attrName>ppt_y</p:attrName>
-                                        </p:attrNameLst>
-                                      </p:cBhvr>
-                                      <p:tavLst>
-                                        <p:tav tm="0">
-                                          <p:val>
-                                            <p:strVal val="1+#ppt_h/2"/>
-                                          </p:val>
-                                        </p:tav>
-                                        <p:tav tm="100000">
-                                          <p:val>
-                                            <p:strVal val="#ppt_y"/>
-                                          </p:val>
-                                        </p:tav>
-                                      </p:tavLst>
-                                    </p:anim>
-                                  </p:childTnLst>
-                                </p:cTn>
-                              </p:par>
-                            </p:childTnLst>
-                          </p:cTn>
-                        </p:par>
-                      </p:childTnLst>
-                    </p:cTn>
-                  </p:par>
-                </p:childTnLst>
-              </p:cTn>
-              <p:prevCondLst>
-                <p:cond evt="onPrev" delay="0">
-                  <p:tgtEl>
-                    <p:sldTgt/>
-                  </p:tgtEl>
-                </p:cond>
-              </p:prevCondLst>
-              <p:nextCondLst>
-                <p:cond evt="onNext" delay="0">
-                  <p:tgtEl>
-                    <p:sldTgt/>
-                  </p:tgtEl>
-                </p:cond>
-              </p:nextCondLst>
-            </p:seq>
-          </p:childTnLst>
-        </p:cTn>
-      </p:par>
-    </p:tnLst>
-  </p:timing>
-</p:sld>
-</file>
-
-<file path=ppt/slides/slide18.xml><?xml version="1.0" encoding="utf-8"?>
-<p:sld xmlns:a="http://schemas.openxmlformats.org/drawingml/2006/main" xmlns:r="http://schemas.openxmlformats.org/officeDocument/2006/relationships" xmlns:p="http://schemas.openxmlformats.org/presentationml/2006/main">
-  <p:cSld>
-    <p:spTree>
-      <p:nvGrpSpPr>
-        <p:cNvPr id="1" name=""/>
-        <p:cNvGrpSpPr/>
-        <p:nvPr/>
-      </p:nvGrpSpPr>
-      <p:grpSpPr>
-        <a:xfrm>
-          <a:off x="0" y="0"/>
-          <a:ext cx="0" cy="0"/>
-          <a:chOff x="0" y="0"/>
-          <a:chExt cx="0" cy="0"/>
-        </a:xfrm>
-      </p:grpSpPr>
-      <p:sp>
-        <p:nvSpPr>
-          <p:cNvPr id="2" name="Title 1"/>
-          <p:cNvSpPr>
-            <a:spLocks noGrp="1"/>
-          </p:cNvSpPr>
-          <p:nvPr>
-            <p:ph type="title"/>
-          </p:nvPr>
-        </p:nvSpPr>
-        <p:spPr/>
-        <p:txBody>
-          <a:bodyPr/>
-          <a:lstStyle/>
-          <a:p>
-            <a:endParaRPr lang="zh-CN" altLang="en-US"/>
-          </a:p>
-        </p:txBody>
-      </p:sp>
-      <p:pic>
-        <p:nvPicPr>
-          <p:cNvPr id="6147" name="Picture 3"/>
-          <p:cNvPicPr>
-            <a:picLocks noChangeAspect="1" noChangeArrowheads="1"/>
-          </p:cNvPicPr>
-          <p:nvPr/>
-        </p:nvPicPr>
-        <p:blipFill>
-          <a:blip r:embed="rId2" cstate="print"/>
-          <a:srcRect/>
-          <a:stretch>
-            <a:fillRect/>
-          </a:stretch>
-        </p:blipFill>
-        <p:spPr bwMode="auto">
-          <a:xfrm>
-            <a:off x="539552" y="2353444"/>
-            <a:ext cx="7358732" cy="2726277"/>
-          </a:xfrm>
-          <a:prstGeom prst="rect">
-            <a:avLst/>
-          </a:prstGeom>
-          <a:noFill/>
-          <a:ln w="9525">
-            <a:noFill/>
-            <a:miter lim="800000"/>
-            <a:headEnd/>
-            <a:tailEnd/>
-          </a:ln>
-        </p:spPr>
-      </p:pic>
-      <p:grpSp>
-        <p:nvGrpSpPr>
-          <p:cNvPr id="8" name="Group 7"/>
-          <p:cNvGrpSpPr/>
-          <p:nvPr/>
-        </p:nvGrpSpPr>
-        <p:grpSpPr>
-          <a:xfrm>
-            <a:off x="3347864" y="1705372"/>
-            <a:ext cx="3096344" cy="432048"/>
-            <a:chOff x="3347864" y="1705372"/>
-            <a:chExt cx="3096344" cy="432048"/>
-          </a:xfrm>
-        </p:grpSpPr>
-        <p:sp>
-          <p:nvSpPr>
-            <p:cNvPr id="5" name="Rectangular Callout 4"/>
-            <p:cNvSpPr/>
-            <p:nvPr/>
-          </p:nvSpPr>
-          <p:spPr>
-            <a:xfrm>
-              <a:off x="3347864" y="1705372"/>
-              <a:ext cx="3096344" cy="432048"/>
-            </a:xfrm>
-            <a:prstGeom prst="wedgeRectCallout">
-              <a:avLst>
-                <a:gd name="adj1" fmla="val 59246"/>
-                <a:gd name="adj2" fmla="val 122466"/>
-              </a:avLst>
-            </a:prstGeom>
-          </p:spPr>
-          <p:style>
-            <a:lnRef idx="2">
-              <a:schemeClr val="accent1">
-                <a:shade val="50000"/>
-              </a:schemeClr>
-            </a:lnRef>
-            <a:fillRef idx="1">
-              <a:schemeClr val="accent1"/>
-            </a:fillRef>
-            <a:effectRef idx="0">
-              <a:schemeClr val="accent1"/>
-            </a:effectRef>
-            <a:fontRef idx="minor">
-              <a:schemeClr val="lt1"/>
-            </a:fontRef>
-          </p:style>
-          <p:txBody>
-            <a:bodyPr rtlCol="0" anchor="ctr"/>
-            <a:lstStyle/>
-            <a:p>
-              <a:pPr algn="ctr"/>
-              <a:endParaRPr lang="zh-CN" altLang="en-US"/>
-            </a:p>
-          </p:txBody>
-        </p:sp>
-        <p:pic>
-          <p:nvPicPr>
-            <p:cNvPr id="6" name="Picture 2"/>
-            <p:cNvPicPr>
-              <a:picLocks noChangeAspect="1" noChangeArrowheads="1"/>
-            </p:cNvPicPr>
-            <p:nvPr/>
-          </p:nvPicPr>
-          <p:blipFill>
-            <a:blip r:embed="rId3" cstate="print"/>
-            <a:srcRect/>
-            <a:stretch>
-              <a:fillRect/>
-            </a:stretch>
-          </p:blipFill>
-          <p:spPr bwMode="auto">
-            <a:xfrm>
-              <a:off x="3419872" y="1705372"/>
-              <a:ext cx="2943225" cy="390525"/>
-            </a:xfrm>
-            <a:prstGeom prst="rect">
-              <a:avLst/>
-            </a:prstGeom>
-            <a:noFill/>
-            <a:ln w="9525">
-              <a:noFill/>
-              <a:miter lim="800000"/>
-              <a:headEnd/>
-              <a:tailEnd/>
-            </a:ln>
-          </p:spPr>
-        </p:pic>
-      </p:grpSp>
-      <p:sp>
-        <p:nvSpPr>
-          <p:cNvPr id="7" name="TextBox 6"/>
-          <p:cNvSpPr txBox="1"/>
-          <p:nvPr/>
-        </p:nvSpPr>
-        <p:spPr>
-          <a:xfrm>
-            <a:off x="827584" y="697260"/>
-            <a:ext cx="4104456" cy="1384995"/>
-          </a:xfrm>
-          <a:prstGeom prst="rect">
-            <a:avLst/>
-          </a:prstGeom>
-          <a:noFill/>
-        </p:spPr>
-        <p:txBody>
-          <a:bodyPr wrap="square" rtlCol="0">
-            <a:spAutoFit/>
-          </a:bodyPr>
-          <a:lstStyle/>
-          <a:p>
-            <a:r>
-              <a:rPr lang="en-US" altLang="zh-CN" sz="2800" dirty="0" smtClean="0"/>
-              <a:t>Debugging web project</a:t>
-            </a:r>
-            <a:endParaRPr lang="en-US" altLang="zh-CN" sz="1400" dirty="0" smtClean="0"/>
-          </a:p>
-          <a:p>
-            <a:endParaRPr lang="en-US" altLang="zh-CN" sz="2800" dirty="0" smtClean="0"/>
-          </a:p>
-          <a:p>
-            <a:endParaRPr lang="zh-CN" altLang="en-US" sz="2800" dirty="0"/>
-          </a:p>
-        </p:txBody>
-      </p:sp>
-    </p:spTree>
-  </p:cSld>
-  <p:clrMapOvr>
-    <a:masterClrMapping/>
-  </p:clrMapOvr>
-  <p:transition/>
-  <p:timing>
-    <p:tnLst>
-      <p:par>
-        <p:cTn id="1" dur="indefinite" restart="never" nodeType="tmRoot">
-          <p:childTnLst>
-            <p:seq concurrent="1" nextAc="seek">
-              <p:cTn id="2" dur="indefinite" nodeType="mainSeq">
-                <p:childTnLst>
-                  <p:par>
-                    <p:cTn id="3" fill="hold">
-                      <p:stCondLst>
-                        <p:cond delay="indefinite"/>
-                      </p:stCondLst>
-                      <p:childTnLst>
-                        <p:par>
-                          <p:cTn id="4" fill="hold">
-                            <p:stCondLst>
-                              <p:cond delay="0"/>
-                            </p:stCondLst>
-                            <p:childTnLst>
-                              <p:par>
-                                <p:cTn id="5" presetID="2" presetClass="entr" presetSubtype="4" fill="hold" nodeType="clickEffect">
-                                  <p:stCondLst>
-                                    <p:cond delay="0"/>
-                                  </p:stCondLst>
-                                  <p:childTnLst>
-                                    <p:set>
-                                      <p:cBhvr>
-                                        <p:cTn id="6" dur="1" fill="hold">
-                                          <p:stCondLst>
-                                            <p:cond delay="0"/>
-                                          </p:stCondLst>
-                                        </p:cTn>
-                                        <p:tgtEl>
-                                          <p:spTgt spid="6147"/>
-                                        </p:tgtEl>
-                                        <p:attrNameLst>
-                                          <p:attrName>style.visibility</p:attrName>
-                                        </p:attrNameLst>
-                                      </p:cBhvr>
-                                      <p:to>
-                                        <p:strVal val="visible"/>
-                                      </p:to>
-                                    </p:set>
-                                    <p:anim calcmode="lin" valueType="num">
-                                      <p:cBhvr additive="base">
-                                        <p:cTn id="7" dur="500" fill="hold"/>
-                                        <p:tgtEl>
-                                          <p:spTgt spid="6147"/>
-                                        </p:tgtEl>
-                                        <p:attrNameLst>
-                                          <p:attrName>ppt_x</p:attrName>
-                                        </p:attrNameLst>
-                                      </p:cBhvr>
-                                      <p:tavLst>
-                                        <p:tav tm="0">
-                                          <p:val>
-                                            <p:strVal val="#ppt_x"/>
-                                          </p:val>
-                                        </p:tav>
-                                        <p:tav tm="100000">
-                                          <p:val>
-                                            <p:strVal val="#ppt_x"/>
-                                          </p:val>
-                                        </p:tav>
-                                      </p:tavLst>
-                                    </p:anim>
-                                    <p:anim calcmode="lin" valueType="num">
-                                      <p:cBhvr additive="base">
-                                        <p:cTn id="8" dur="500" fill="hold"/>
-                                        <p:tgtEl>
-                                          <p:spTgt spid="6147"/>
-                                        </p:tgtEl>
-                                        <p:attrNameLst>
-                                          <p:attrName>ppt_y</p:attrName>
-                                        </p:attrNameLst>
-                                      </p:cBhvr>
-                                      <p:tavLst>
-                                        <p:tav tm="0">
-                                          <p:val>
-                                            <p:strVal val="1+#ppt_h/2"/>
-                                          </p:val>
-                                        </p:tav>
-                                        <p:tav tm="100000">
-                                          <p:val>
-                                            <p:strVal val="#ppt_y"/>
-                                          </p:val>
-                                        </p:tav>
-                                      </p:tavLst>
-                                    </p:anim>
-                                  </p:childTnLst>
-                                </p:cTn>
-                              </p:par>
-                            </p:childTnLst>
-                          </p:cTn>
-                        </p:par>
-                      </p:childTnLst>
-                    </p:cTn>
-                  </p:par>
-                  <p:par>
-                    <p:cTn id="9" fill="hold">
-                      <p:stCondLst>
-                        <p:cond delay="indefinite"/>
-                      </p:stCondLst>
-                      <p:childTnLst>
-                        <p:par>
-                          <p:cTn id="10" fill="hold">
-                            <p:stCondLst>
-                              <p:cond delay="0"/>
-                            </p:stCondLst>
-                            <p:childTnLst>
-                              <p:par>
-                                <p:cTn id="11" presetID="22" presetClass="entr" presetSubtype="4" fill="hold" nodeType="clickEffect">
-                                  <p:stCondLst>
-                                    <p:cond delay="0"/>
-                                  </p:stCondLst>
-                                  <p:childTnLst>
-                                    <p:set>
-                                      <p:cBhvr>
-                                        <p:cTn id="12" dur="1" fill="hold">
-                                          <p:stCondLst>
-                                            <p:cond delay="0"/>
-                                          </p:stCondLst>
-                                        </p:cTn>
-                                        <p:tgtEl>
-                                          <p:spTgt spid="8"/>
-                                        </p:tgtEl>
-                                        <p:attrNameLst>
-                                          <p:attrName>style.visibility</p:attrName>
-                                        </p:attrNameLst>
-                                      </p:cBhvr>
-                                      <p:to>
-                                        <p:strVal val="visible"/>
-                                      </p:to>
-                                    </p:set>
-                                    <p:animEffect transition="in" filter="wipe(down)">
-                                      <p:cBhvr>
-                                        <p:cTn id="13" dur="500"/>
-                                        <p:tgtEl>
-                                          <p:spTgt spid="8"/>
-                                        </p:tgtEl>
-                                      </p:cBhvr>
-                                    </p:animEffect>
-                                  </p:childTnLst>
-                                </p:cTn>
-                              </p:par>
-                            </p:childTnLst>
-                          </p:cTn>
-                        </p:par>
-                      </p:childTnLst>
-                    </p:cTn>
-                  </p:par>
-                </p:childTnLst>
-              </p:cTn>
-              <p:prevCondLst>
-                <p:cond evt="onPrev" delay="0">
-                  <p:tgtEl>
-                    <p:sldTgt/>
-                  </p:tgtEl>
-                </p:cond>
-              </p:prevCondLst>
-              <p:nextCondLst>
-                <p:cond evt="onNext" delay="0">
-                  <p:tgtEl>
-                    <p:sldTgt/>
-                  </p:tgtEl>
-                </p:cond>
-              </p:nextCondLst>
-            </p:seq>
-          </p:childTnLst>
-        </p:cTn>
-      </p:par>
-    </p:tnLst>
-  </p:timing>
-</p:sld>
-</file>
-
-<file path=ppt/slides/slide19.xml><?xml version="1.0" encoding="utf-8"?>
-<p:sld xmlns:a="http://schemas.openxmlformats.org/drawingml/2006/main" xmlns:r="http://schemas.openxmlformats.org/officeDocument/2006/relationships" xmlns:p="http://schemas.openxmlformats.org/presentationml/2006/main">
-  <p:cSld>
-    <p:spTree>
-      <p:nvGrpSpPr>
-        <p:cNvPr id="1" name=""/>
-        <p:cNvGrpSpPr/>
-        <p:nvPr/>
-      </p:nvGrpSpPr>
-      <p:grpSpPr>
-        <a:xfrm>
-          <a:off x="0" y="0"/>
-          <a:ext cx="0" cy="0"/>
-          <a:chOff x="0" y="0"/>
-          <a:chExt cx="0" cy="0"/>
-        </a:xfrm>
-      </p:grpSpPr>
-      <p:sp>
-        <p:nvSpPr>
-          <p:cNvPr id="2" name="Title 1"/>
-          <p:cNvSpPr>
-            <a:spLocks noGrp="1"/>
-          </p:cNvSpPr>
-          <p:nvPr>
-            <p:ph type="title"/>
-          </p:nvPr>
-        </p:nvSpPr>
-        <p:spPr/>
-        <p:txBody>
-          <a:bodyPr/>
-          <a:lstStyle/>
-          <a:p>
-            <a:endParaRPr lang="zh-CN" altLang="en-US"/>
-          </a:p>
-        </p:txBody>
-      </p:sp>
-      <p:pic>
-        <p:nvPicPr>
-          <p:cNvPr id="7170" name="Picture 2"/>
-          <p:cNvPicPr>
-            <a:picLocks noChangeAspect="1" noChangeArrowheads="1"/>
-          </p:cNvPicPr>
-          <p:nvPr/>
-        </p:nvPicPr>
-        <p:blipFill>
-          <a:blip r:embed="rId2" cstate="print"/>
-          <a:srcRect/>
-          <a:stretch>
-            <a:fillRect/>
-          </a:stretch>
-        </p:blipFill>
-        <p:spPr bwMode="auto">
-          <a:xfrm>
-            <a:off x="1619672" y="1057300"/>
-            <a:ext cx="6210647" cy="4124708"/>
-          </a:xfrm>
-          <a:prstGeom prst="rect">
-            <a:avLst/>
-          </a:prstGeom>
-          <a:noFill/>
-          <a:ln w="9525">
-            <a:noFill/>
-            <a:miter lim="800000"/>
-            <a:headEnd/>
-            <a:tailEnd/>
-          </a:ln>
-        </p:spPr>
-      </p:pic>
-    </p:spTree>
-  </p:cSld>
-  <p:clrMapOvr>
-    <a:masterClrMapping/>
-  </p:clrMapOvr>
-  <p:transition/>
-  <p:timing>
-    <p:tnLst>
-      <p:par>
-        <p:cTn id="1" dur="indefinite" restart="never" nodeType="tmRoot">
-          <p:childTnLst>
-            <p:seq concurrent="1" nextAc="seek">
-              <p:cTn id="2" dur="indefinite" nodeType="mainSeq">
-                <p:childTnLst>
-                  <p:par>
-                    <p:cTn id="3" fill="hold">
-                      <p:stCondLst>
-                        <p:cond delay="indefinite"/>
-                      </p:stCondLst>
-                      <p:childTnLst>
-                        <p:par>
-                          <p:cTn id="4" fill="hold">
-                            <p:stCondLst>
-                              <p:cond delay="0"/>
-                            </p:stCondLst>
-                            <p:childTnLst>
-                              <p:par>
-                                <p:cTn id="5" presetID="10" presetClass="entr" presetSubtype="0" fill="hold" nodeType="clickEffect">
-                                  <p:stCondLst>
-                                    <p:cond delay="0"/>
-                                  </p:stCondLst>
-                                  <p:childTnLst>
-                                    <p:set>
-                                      <p:cBhvr>
-                                        <p:cTn id="6" dur="1" fill="hold">
-                                          <p:stCondLst>
-                                            <p:cond delay="0"/>
-                                          </p:stCondLst>
-                                        </p:cTn>
-                                        <p:tgtEl>
-                                          <p:spTgt spid="7170"/>
-                                        </p:tgtEl>
-                                        <p:attrNameLst>
-                                          <p:attrName>style.visibility</p:attrName>
-                                        </p:attrNameLst>
-                                      </p:cBhvr>
-                                      <p:to>
-                                        <p:strVal val="visible"/>
-                                      </p:to>
-                                    </p:set>
-                                    <p:animEffect transition="in" filter="fade">
-                                      <p:cBhvr>
-                                        <p:cTn id="7" dur="2000"/>
-                                        <p:tgtEl>
-                                          <p:spTgt spid="7170"/>
-                                        </p:tgtEl>
-                                      </p:cBhvr>
-                                    </p:animEffect>
-                                  </p:childTnLst>
-                                </p:cTn>
-                              </p:par>
-                            </p:childTnLst>
-                          </p:cTn>
-                        </p:par>
-                      </p:childTnLst>
-                    </p:cTn>
-                  </p:par>
-                </p:childTnLst>
-              </p:cTn>
-              <p:prevCondLst>
-                <p:cond evt="onPrev" delay="0">
-                  <p:tgtEl>
-                    <p:sldTgt/>
-                  </p:tgtEl>
-                </p:cond>
-              </p:prevCondLst>
-              <p:nextCondLst>
-                <p:cond evt="onNext" delay="0">
-                  <p:tgtEl>
-                    <p:sldTgt/>
-                  </p:tgtEl>
-                </p:cond>
-              </p:nextCondLst>
-            </p:seq>
-          </p:childTnLst>
-        </p:cTn>
-      </p:par>
-    </p:tnLst>
   </p:timing>
 </p:sld>
 </file>
@@ -8426,6 +8499,1332 @@
           </a:p>
         </p:txBody>
       </p:sp>
+      <p:pic>
+        <p:nvPicPr>
+          <p:cNvPr id="1026" name="Picture 2"/>
+          <p:cNvPicPr>
+            <a:picLocks noChangeAspect="1" noChangeArrowheads="1"/>
+          </p:cNvPicPr>
+          <p:nvPr/>
+        </p:nvPicPr>
+        <p:blipFill>
+          <a:blip r:embed="rId2" cstate="print"/>
+          <a:srcRect/>
+          <a:stretch>
+            <a:fillRect/>
+          </a:stretch>
+        </p:blipFill>
+        <p:spPr bwMode="auto">
+          <a:xfrm>
+            <a:off x="757238" y="1457325"/>
+            <a:ext cx="7629525" cy="2800350"/>
+          </a:xfrm>
+          <a:prstGeom prst="rect">
+            <a:avLst/>
+          </a:prstGeom>
+          <a:noFill/>
+          <a:ln w="9525">
+            <a:noFill/>
+            <a:miter lim="800000"/>
+            <a:headEnd/>
+            <a:tailEnd/>
+          </a:ln>
+        </p:spPr>
+      </p:pic>
+    </p:spTree>
+  </p:cSld>
+  <p:clrMapOvr>
+    <a:masterClrMapping/>
+  </p:clrMapOvr>
+  <p:transition/>
+  <p:timing>
+    <p:tnLst>
+      <p:par>
+        <p:cTn id="1" dur="indefinite" restart="never" nodeType="tmRoot">
+          <p:childTnLst>
+            <p:seq concurrent="1" nextAc="seek">
+              <p:cTn id="2" dur="indefinite" nodeType="mainSeq">
+                <p:childTnLst>
+                  <p:par>
+                    <p:cTn id="3" fill="hold">
+                      <p:stCondLst>
+                        <p:cond delay="indefinite"/>
+                      </p:stCondLst>
+                      <p:childTnLst>
+                        <p:par>
+                          <p:cTn id="4" fill="hold">
+                            <p:stCondLst>
+                              <p:cond delay="0"/>
+                            </p:stCondLst>
+                            <p:childTnLst>
+                              <p:par>
+                                <p:cTn id="5" presetID="10" presetClass="entr" presetSubtype="0" fill="hold" nodeType="clickEffect">
+                                  <p:stCondLst>
+                                    <p:cond delay="0"/>
+                                  </p:stCondLst>
+                                  <p:childTnLst>
+                                    <p:set>
+                                      <p:cBhvr>
+                                        <p:cTn id="6" dur="1" fill="hold">
+                                          <p:stCondLst>
+                                            <p:cond delay="0"/>
+                                          </p:stCondLst>
+                                        </p:cTn>
+                                        <p:tgtEl>
+                                          <p:spTgt spid="1026"/>
+                                        </p:tgtEl>
+                                        <p:attrNameLst>
+                                          <p:attrName>style.visibility</p:attrName>
+                                        </p:attrNameLst>
+                                      </p:cBhvr>
+                                      <p:to>
+                                        <p:strVal val="visible"/>
+                                      </p:to>
+                                    </p:set>
+                                    <p:animEffect transition="in" filter="fade">
+                                      <p:cBhvr>
+                                        <p:cTn id="7" dur="2000"/>
+                                        <p:tgtEl>
+                                          <p:spTgt spid="1026"/>
+                                        </p:tgtEl>
+                                      </p:cBhvr>
+                                    </p:animEffect>
+                                  </p:childTnLst>
+                                </p:cTn>
+                              </p:par>
+                            </p:childTnLst>
+                          </p:cTn>
+                        </p:par>
+                      </p:childTnLst>
+                    </p:cTn>
+                  </p:par>
+                </p:childTnLst>
+              </p:cTn>
+              <p:prevCondLst>
+                <p:cond evt="onPrev" delay="0">
+                  <p:tgtEl>
+                    <p:sldTgt/>
+                  </p:tgtEl>
+                </p:cond>
+              </p:prevCondLst>
+              <p:nextCondLst>
+                <p:cond evt="onNext" delay="0">
+                  <p:tgtEl>
+                    <p:sldTgt/>
+                  </p:tgtEl>
+                </p:cond>
+              </p:nextCondLst>
+            </p:seq>
+          </p:childTnLst>
+        </p:cTn>
+      </p:par>
+    </p:tnLst>
+  </p:timing>
+</p:sld>
+</file>
+
+<file path=ppt/slides/slide21.xml><?xml version="1.0" encoding="utf-8"?>
+<p:sld xmlns:a="http://schemas.openxmlformats.org/drawingml/2006/main" xmlns:r="http://schemas.openxmlformats.org/officeDocument/2006/relationships" xmlns:p="http://schemas.openxmlformats.org/presentationml/2006/main">
+  <p:cSld>
+    <p:spTree>
+      <p:nvGrpSpPr>
+        <p:cNvPr id="1" name=""/>
+        <p:cNvGrpSpPr/>
+        <p:nvPr/>
+      </p:nvGrpSpPr>
+      <p:grpSpPr>
+        <a:xfrm>
+          <a:off x="0" y="0"/>
+          <a:ext cx="0" cy="0"/>
+          <a:chOff x="0" y="0"/>
+          <a:chExt cx="0" cy="0"/>
+        </a:xfrm>
+      </p:grpSpPr>
+      <p:sp>
+        <p:nvSpPr>
+          <p:cNvPr id="2" name="Title 1"/>
+          <p:cNvSpPr>
+            <a:spLocks noGrp="1"/>
+          </p:cNvSpPr>
+          <p:nvPr>
+            <p:ph type="title"/>
+          </p:nvPr>
+        </p:nvSpPr>
+        <p:spPr/>
+        <p:txBody>
+          <a:bodyPr/>
+          <a:lstStyle/>
+          <a:p>
+            <a:endParaRPr lang="zh-CN" altLang="en-US"/>
+          </a:p>
+        </p:txBody>
+      </p:sp>
+      <p:pic>
+        <p:nvPicPr>
+          <p:cNvPr id="5122" name="Picture 2"/>
+          <p:cNvPicPr>
+            <a:picLocks noChangeAspect="1" noChangeArrowheads="1"/>
+          </p:cNvPicPr>
+          <p:nvPr/>
+        </p:nvPicPr>
+        <p:blipFill>
+          <a:blip r:embed="rId2" cstate="print"/>
+          <a:srcRect/>
+          <a:stretch>
+            <a:fillRect/>
+          </a:stretch>
+        </p:blipFill>
+        <p:spPr bwMode="auto">
+          <a:xfrm>
+            <a:off x="683568" y="1057300"/>
+            <a:ext cx="5601245" cy="2181839"/>
+          </a:xfrm>
+          <a:prstGeom prst="rect">
+            <a:avLst/>
+          </a:prstGeom>
+          <a:noFill/>
+          <a:ln w="9525">
+            <a:noFill/>
+            <a:miter lim="800000"/>
+            <a:headEnd/>
+            <a:tailEnd/>
+          </a:ln>
+        </p:spPr>
+      </p:pic>
+      <p:grpSp>
+        <p:nvGrpSpPr>
+          <p:cNvPr id="10" name="Group 9"/>
+          <p:cNvGrpSpPr/>
+          <p:nvPr/>
+        </p:nvGrpSpPr>
+        <p:grpSpPr>
+          <a:xfrm>
+            <a:off x="5508104" y="697260"/>
+            <a:ext cx="3528392" cy="4680520"/>
+            <a:chOff x="5508104" y="697260"/>
+            <a:chExt cx="3528392" cy="4680520"/>
+          </a:xfrm>
+        </p:grpSpPr>
+        <p:sp>
+          <p:nvSpPr>
+            <p:cNvPr id="5" name="Rectangular Callout 4"/>
+            <p:cNvSpPr/>
+            <p:nvPr/>
+          </p:nvSpPr>
+          <p:spPr>
+            <a:xfrm>
+              <a:off x="5508104" y="697260"/>
+              <a:ext cx="3528392" cy="4680520"/>
+            </a:xfrm>
+            <a:prstGeom prst="wedgeRectCallout">
+              <a:avLst>
+                <a:gd name="adj1" fmla="val -163080"/>
+                <a:gd name="adj2" fmla="val 1722"/>
+              </a:avLst>
+            </a:prstGeom>
+          </p:spPr>
+          <p:style>
+            <a:lnRef idx="2">
+              <a:schemeClr val="accent1">
+                <a:shade val="50000"/>
+              </a:schemeClr>
+            </a:lnRef>
+            <a:fillRef idx="1">
+              <a:schemeClr val="accent1"/>
+            </a:fillRef>
+            <a:effectRef idx="0">
+              <a:schemeClr val="accent1"/>
+            </a:effectRef>
+            <a:fontRef idx="minor">
+              <a:schemeClr val="lt1"/>
+            </a:fontRef>
+          </p:style>
+          <p:txBody>
+            <a:bodyPr rtlCol="0" anchor="ctr"/>
+            <a:lstStyle/>
+            <a:p>
+              <a:pPr algn="ctr"/>
+              <a:endParaRPr lang="zh-CN" altLang="en-US"/>
+            </a:p>
+          </p:txBody>
+        </p:sp>
+        <p:pic>
+          <p:nvPicPr>
+            <p:cNvPr id="5124" name="Picture 4"/>
+            <p:cNvPicPr>
+              <a:picLocks noChangeAspect="1" noChangeArrowheads="1"/>
+            </p:cNvPicPr>
+            <p:nvPr/>
+          </p:nvPicPr>
+          <p:blipFill>
+            <a:blip r:embed="rId3" cstate="print"/>
+            <a:srcRect/>
+            <a:stretch>
+              <a:fillRect/>
+            </a:stretch>
+          </p:blipFill>
+          <p:spPr bwMode="auto">
+            <a:xfrm>
+              <a:off x="5652120" y="841276"/>
+              <a:ext cx="3203217" cy="4320480"/>
+            </a:xfrm>
+            <a:prstGeom prst="rect">
+              <a:avLst/>
+            </a:prstGeom>
+            <a:noFill/>
+            <a:ln w="9525">
+              <a:noFill/>
+              <a:miter lim="800000"/>
+              <a:headEnd/>
+              <a:tailEnd/>
+            </a:ln>
+          </p:spPr>
+        </p:pic>
+      </p:grpSp>
+    </p:spTree>
+  </p:cSld>
+  <p:clrMapOvr>
+    <a:masterClrMapping/>
+  </p:clrMapOvr>
+  <p:transition/>
+  <p:timing>
+    <p:tnLst>
+      <p:par>
+        <p:cTn id="1" dur="indefinite" restart="never" nodeType="tmRoot">
+          <p:childTnLst>
+            <p:seq concurrent="1" nextAc="seek">
+              <p:cTn id="2" dur="indefinite" nodeType="mainSeq">
+                <p:childTnLst>
+                  <p:par>
+                    <p:cTn id="3" fill="hold">
+                      <p:stCondLst>
+                        <p:cond delay="indefinite"/>
+                      </p:stCondLst>
+                      <p:childTnLst>
+                        <p:par>
+                          <p:cTn id="4" fill="hold">
+                            <p:stCondLst>
+                              <p:cond delay="0"/>
+                            </p:stCondLst>
+                            <p:childTnLst>
+                              <p:par>
+                                <p:cTn id="5" presetID="10" presetClass="entr" presetSubtype="0" fill="hold" nodeType="clickEffect">
+                                  <p:stCondLst>
+                                    <p:cond delay="0"/>
+                                  </p:stCondLst>
+                                  <p:childTnLst>
+                                    <p:set>
+                                      <p:cBhvr>
+                                        <p:cTn id="6" dur="1" fill="hold">
+                                          <p:stCondLst>
+                                            <p:cond delay="0"/>
+                                          </p:stCondLst>
+                                        </p:cTn>
+                                        <p:tgtEl>
+                                          <p:spTgt spid="5122"/>
+                                        </p:tgtEl>
+                                        <p:attrNameLst>
+                                          <p:attrName>style.visibility</p:attrName>
+                                        </p:attrNameLst>
+                                      </p:cBhvr>
+                                      <p:to>
+                                        <p:strVal val="visible"/>
+                                      </p:to>
+                                    </p:set>
+                                    <p:animEffect transition="in" filter="fade">
+                                      <p:cBhvr>
+                                        <p:cTn id="7" dur="2000"/>
+                                        <p:tgtEl>
+                                          <p:spTgt spid="5122"/>
+                                        </p:tgtEl>
+                                      </p:cBhvr>
+                                    </p:animEffect>
+                                  </p:childTnLst>
+                                </p:cTn>
+                              </p:par>
+                            </p:childTnLst>
+                          </p:cTn>
+                        </p:par>
+                      </p:childTnLst>
+                    </p:cTn>
+                  </p:par>
+                  <p:par>
+                    <p:cTn id="8" fill="hold">
+                      <p:stCondLst>
+                        <p:cond delay="indefinite"/>
+                      </p:stCondLst>
+                      <p:childTnLst>
+                        <p:par>
+                          <p:cTn id="9" fill="hold">
+                            <p:stCondLst>
+                              <p:cond delay="0"/>
+                            </p:stCondLst>
+                            <p:childTnLst>
+                              <p:par>
+                                <p:cTn id="10" presetID="2" presetClass="entr" presetSubtype="4" fill="hold" nodeType="clickEffect">
+                                  <p:stCondLst>
+                                    <p:cond delay="0"/>
+                                  </p:stCondLst>
+                                  <p:childTnLst>
+                                    <p:set>
+                                      <p:cBhvr>
+                                        <p:cTn id="11" dur="1" fill="hold">
+                                          <p:stCondLst>
+                                            <p:cond delay="0"/>
+                                          </p:stCondLst>
+                                        </p:cTn>
+                                        <p:tgtEl>
+                                          <p:spTgt spid="10"/>
+                                        </p:tgtEl>
+                                        <p:attrNameLst>
+                                          <p:attrName>style.visibility</p:attrName>
+                                        </p:attrNameLst>
+                                      </p:cBhvr>
+                                      <p:to>
+                                        <p:strVal val="visible"/>
+                                      </p:to>
+                                    </p:set>
+                                    <p:anim calcmode="lin" valueType="num">
+                                      <p:cBhvr additive="base">
+                                        <p:cTn id="12" dur="500" fill="hold"/>
+                                        <p:tgtEl>
+                                          <p:spTgt spid="10"/>
+                                        </p:tgtEl>
+                                        <p:attrNameLst>
+                                          <p:attrName>ppt_x</p:attrName>
+                                        </p:attrNameLst>
+                                      </p:cBhvr>
+                                      <p:tavLst>
+                                        <p:tav tm="0">
+                                          <p:val>
+                                            <p:strVal val="#ppt_x"/>
+                                          </p:val>
+                                        </p:tav>
+                                        <p:tav tm="100000">
+                                          <p:val>
+                                            <p:strVal val="#ppt_x"/>
+                                          </p:val>
+                                        </p:tav>
+                                      </p:tavLst>
+                                    </p:anim>
+                                    <p:anim calcmode="lin" valueType="num">
+                                      <p:cBhvr additive="base">
+                                        <p:cTn id="13" dur="500" fill="hold"/>
+                                        <p:tgtEl>
+                                          <p:spTgt spid="10"/>
+                                        </p:tgtEl>
+                                        <p:attrNameLst>
+                                          <p:attrName>ppt_y</p:attrName>
+                                        </p:attrNameLst>
+                                      </p:cBhvr>
+                                      <p:tavLst>
+                                        <p:tav tm="0">
+                                          <p:val>
+                                            <p:strVal val="1+#ppt_h/2"/>
+                                          </p:val>
+                                        </p:tav>
+                                        <p:tav tm="100000">
+                                          <p:val>
+                                            <p:strVal val="#ppt_y"/>
+                                          </p:val>
+                                        </p:tav>
+                                      </p:tavLst>
+                                    </p:anim>
+                                  </p:childTnLst>
+                                </p:cTn>
+                              </p:par>
+                            </p:childTnLst>
+                          </p:cTn>
+                        </p:par>
+                      </p:childTnLst>
+                    </p:cTn>
+                  </p:par>
+                </p:childTnLst>
+              </p:cTn>
+              <p:prevCondLst>
+                <p:cond evt="onPrev" delay="0">
+                  <p:tgtEl>
+                    <p:sldTgt/>
+                  </p:tgtEl>
+                </p:cond>
+              </p:prevCondLst>
+              <p:nextCondLst>
+                <p:cond evt="onNext" delay="0">
+                  <p:tgtEl>
+                    <p:sldTgt/>
+                  </p:tgtEl>
+                </p:cond>
+              </p:nextCondLst>
+            </p:seq>
+          </p:childTnLst>
+        </p:cTn>
+      </p:par>
+    </p:tnLst>
+  </p:timing>
+</p:sld>
+</file>
+
+<file path=ppt/slides/slide22.xml><?xml version="1.0" encoding="utf-8"?>
+<p:sld xmlns:a="http://schemas.openxmlformats.org/drawingml/2006/main" xmlns:r="http://schemas.openxmlformats.org/officeDocument/2006/relationships" xmlns:p="http://schemas.openxmlformats.org/presentationml/2006/main">
+  <p:cSld>
+    <p:spTree>
+      <p:nvGrpSpPr>
+        <p:cNvPr id="1" name=""/>
+        <p:cNvGrpSpPr/>
+        <p:nvPr/>
+      </p:nvGrpSpPr>
+      <p:grpSpPr>
+        <a:xfrm>
+          <a:off x="0" y="0"/>
+          <a:ext cx="0" cy="0"/>
+          <a:chOff x="0" y="0"/>
+          <a:chExt cx="0" cy="0"/>
+        </a:xfrm>
+      </p:grpSpPr>
+      <p:sp>
+        <p:nvSpPr>
+          <p:cNvPr id="2" name="Title 1"/>
+          <p:cNvSpPr>
+            <a:spLocks noGrp="1"/>
+          </p:cNvSpPr>
+          <p:nvPr>
+            <p:ph type="title"/>
+          </p:nvPr>
+        </p:nvSpPr>
+        <p:spPr/>
+        <p:txBody>
+          <a:bodyPr/>
+          <a:lstStyle/>
+          <a:p>
+            <a:endParaRPr lang="zh-CN" altLang="en-US"/>
+          </a:p>
+        </p:txBody>
+      </p:sp>
+      <p:pic>
+        <p:nvPicPr>
+          <p:cNvPr id="6" name="Picture 2"/>
+          <p:cNvPicPr>
+            <a:picLocks noChangeAspect="1" noChangeArrowheads="1"/>
+          </p:cNvPicPr>
+          <p:nvPr/>
+        </p:nvPicPr>
+        <p:blipFill>
+          <a:blip r:embed="rId2" cstate="print"/>
+          <a:srcRect/>
+          <a:stretch>
+            <a:fillRect/>
+          </a:stretch>
+        </p:blipFill>
+        <p:spPr bwMode="auto">
+          <a:xfrm>
+            <a:off x="683568" y="1057300"/>
+            <a:ext cx="5601245" cy="2181839"/>
+          </a:xfrm>
+          <a:prstGeom prst="rect">
+            <a:avLst/>
+          </a:prstGeom>
+          <a:noFill/>
+          <a:ln w="9525">
+            <a:noFill/>
+            <a:miter lim="800000"/>
+            <a:headEnd/>
+            <a:tailEnd/>
+          </a:ln>
+        </p:spPr>
+      </p:pic>
+      <p:grpSp>
+        <p:nvGrpSpPr>
+          <p:cNvPr id="10" name="Group 9"/>
+          <p:cNvGrpSpPr/>
+          <p:nvPr/>
+        </p:nvGrpSpPr>
+        <p:grpSpPr>
+          <a:xfrm>
+            <a:off x="6300192" y="2713484"/>
+            <a:ext cx="2736304" cy="2615108"/>
+            <a:chOff x="6300192" y="2713484"/>
+            <a:chExt cx="2736304" cy="2615108"/>
+          </a:xfrm>
+        </p:grpSpPr>
+        <p:sp>
+          <p:nvSpPr>
+            <p:cNvPr id="8" name="Rectangular Callout 7"/>
+            <p:cNvSpPr/>
+            <p:nvPr/>
+          </p:nvSpPr>
+          <p:spPr>
+            <a:xfrm>
+              <a:off x="6300192" y="2713484"/>
+              <a:ext cx="2736304" cy="2615108"/>
+            </a:xfrm>
+            <a:prstGeom prst="wedgeRectCallout">
+              <a:avLst>
+                <a:gd name="adj1" fmla="val -240489"/>
+                <a:gd name="adj2" fmla="val -100752"/>
+              </a:avLst>
+            </a:prstGeom>
+          </p:spPr>
+          <p:style>
+            <a:lnRef idx="2">
+              <a:schemeClr val="accent1">
+                <a:shade val="50000"/>
+              </a:schemeClr>
+            </a:lnRef>
+            <a:fillRef idx="1">
+              <a:schemeClr val="accent1"/>
+            </a:fillRef>
+            <a:effectRef idx="0">
+              <a:schemeClr val="accent1"/>
+            </a:effectRef>
+            <a:fontRef idx="minor">
+              <a:schemeClr val="lt1"/>
+            </a:fontRef>
+          </p:style>
+          <p:txBody>
+            <a:bodyPr rtlCol="0" anchor="ctr"/>
+            <a:lstStyle/>
+            <a:p>
+              <a:pPr algn="ctr"/>
+              <a:endParaRPr lang="zh-CN" altLang="en-US" b="1"/>
+            </a:p>
+          </p:txBody>
+        </p:sp>
+        <p:pic>
+          <p:nvPicPr>
+            <p:cNvPr id="9" name="Picture 5"/>
+            <p:cNvPicPr>
+              <a:picLocks noChangeAspect="1" noChangeArrowheads="1"/>
+            </p:cNvPicPr>
+            <p:nvPr/>
+          </p:nvPicPr>
+          <p:blipFill>
+            <a:blip r:embed="rId3" cstate="print"/>
+            <a:srcRect/>
+            <a:stretch>
+              <a:fillRect/>
+            </a:stretch>
+          </p:blipFill>
+          <p:spPr bwMode="auto">
+            <a:xfrm>
+              <a:off x="6372200" y="2785492"/>
+              <a:ext cx="2592288" cy="2376264"/>
+            </a:xfrm>
+            <a:prstGeom prst="rect">
+              <a:avLst/>
+            </a:prstGeom>
+            <a:noFill/>
+            <a:ln w="9525">
+              <a:noFill/>
+              <a:miter lim="800000"/>
+              <a:headEnd/>
+              <a:tailEnd/>
+            </a:ln>
+          </p:spPr>
+        </p:pic>
+      </p:grpSp>
+    </p:spTree>
+  </p:cSld>
+  <p:clrMapOvr>
+    <a:masterClrMapping/>
+  </p:clrMapOvr>
+  <p:transition/>
+  <p:timing>
+    <p:tnLst>
+      <p:par>
+        <p:cTn id="1" dur="indefinite" restart="never" nodeType="tmRoot">
+          <p:childTnLst>
+            <p:seq concurrent="1" nextAc="seek">
+              <p:cTn id="2" dur="indefinite" nodeType="mainSeq">
+                <p:childTnLst>
+                  <p:par>
+                    <p:cTn id="3" fill="hold">
+                      <p:stCondLst>
+                        <p:cond delay="indefinite"/>
+                      </p:stCondLst>
+                      <p:childTnLst>
+                        <p:par>
+                          <p:cTn id="4" fill="hold">
+                            <p:stCondLst>
+                              <p:cond delay="0"/>
+                            </p:stCondLst>
+                            <p:childTnLst>
+                              <p:par>
+                                <p:cTn id="5" presetID="2" presetClass="entr" presetSubtype="4" fill="hold" nodeType="clickEffect">
+                                  <p:stCondLst>
+                                    <p:cond delay="0"/>
+                                  </p:stCondLst>
+                                  <p:childTnLst>
+                                    <p:set>
+                                      <p:cBhvr>
+                                        <p:cTn id="6" dur="1" fill="hold">
+                                          <p:stCondLst>
+                                            <p:cond delay="0"/>
+                                          </p:stCondLst>
+                                        </p:cTn>
+                                        <p:tgtEl>
+                                          <p:spTgt spid="10"/>
+                                        </p:tgtEl>
+                                        <p:attrNameLst>
+                                          <p:attrName>style.visibility</p:attrName>
+                                        </p:attrNameLst>
+                                      </p:cBhvr>
+                                      <p:to>
+                                        <p:strVal val="visible"/>
+                                      </p:to>
+                                    </p:set>
+                                    <p:anim calcmode="lin" valueType="num">
+                                      <p:cBhvr additive="base">
+                                        <p:cTn id="7" dur="500" fill="hold"/>
+                                        <p:tgtEl>
+                                          <p:spTgt spid="10"/>
+                                        </p:tgtEl>
+                                        <p:attrNameLst>
+                                          <p:attrName>ppt_x</p:attrName>
+                                        </p:attrNameLst>
+                                      </p:cBhvr>
+                                      <p:tavLst>
+                                        <p:tav tm="0">
+                                          <p:val>
+                                            <p:strVal val="#ppt_x"/>
+                                          </p:val>
+                                        </p:tav>
+                                        <p:tav tm="100000">
+                                          <p:val>
+                                            <p:strVal val="#ppt_x"/>
+                                          </p:val>
+                                        </p:tav>
+                                      </p:tavLst>
+                                    </p:anim>
+                                    <p:anim calcmode="lin" valueType="num">
+                                      <p:cBhvr additive="base">
+                                        <p:cTn id="8" dur="500" fill="hold"/>
+                                        <p:tgtEl>
+                                          <p:spTgt spid="10"/>
+                                        </p:tgtEl>
+                                        <p:attrNameLst>
+                                          <p:attrName>ppt_y</p:attrName>
+                                        </p:attrNameLst>
+                                      </p:cBhvr>
+                                      <p:tavLst>
+                                        <p:tav tm="0">
+                                          <p:val>
+                                            <p:strVal val="1+#ppt_h/2"/>
+                                          </p:val>
+                                        </p:tav>
+                                        <p:tav tm="100000">
+                                          <p:val>
+                                            <p:strVal val="#ppt_y"/>
+                                          </p:val>
+                                        </p:tav>
+                                      </p:tavLst>
+                                    </p:anim>
+                                  </p:childTnLst>
+                                </p:cTn>
+                              </p:par>
+                            </p:childTnLst>
+                          </p:cTn>
+                        </p:par>
+                      </p:childTnLst>
+                    </p:cTn>
+                  </p:par>
+                </p:childTnLst>
+              </p:cTn>
+              <p:prevCondLst>
+                <p:cond evt="onPrev" delay="0">
+                  <p:tgtEl>
+                    <p:sldTgt/>
+                  </p:tgtEl>
+                </p:cond>
+              </p:prevCondLst>
+              <p:nextCondLst>
+                <p:cond evt="onNext" delay="0">
+                  <p:tgtEl>
+                    <p:sldTgt/>
+                  </p:tgtEl>
+                </p:cond>
+              </p:nextCondLst>
+            </p:seq>
+          </p:childTnLst>
+        </p:cTn>
+      </p:par>
+    </p:tnLst>
+  </p:timing>
+</p:sld>
+</file>
+
+<file path=ppt/slides/slide23.xml><?xml version="1.0" encoding="utf-8"?>
+<p:sld xmlns:a="http://schemas.openxmlformats.org/drawingml/2006/main" xmlns:r="http://schemas.openxmlformats.org/officeDocument/2006/relationships" xmlns:p="http://schemas.openxmlformats.org/presentationml/2006/main">
+  <p:cSld>
+    <p:spTree>
+      <p:nvGrpSpPr>
+        <p:cNvPr id="1" name=""/>
+        <p:cNvGrpSpPr/>
+        <p:nvPr/>
+      </p:nvGrpSpPr>
+      <p:grpSpPr>
+        <a:xfrm>
+          <a:off x="0" y="0"/>
+          <a:ext cx="0" cy="0"/>
+          <a:chOff x="0" y="0"/>
+          <a:chExt cx="0" cy="0"/>
+        </a:xfrm>
+      </p:grpSpPr>
+      <p:sp>
+        <p:nvSpPr>
+          <p:cNvPr id="2" name="Title 1"/>
+          <p:cNvSpPr>
+            <a:spLocks noGrp="1"/>
+          </p:cNvSpPr>
+          <p:nvPr>
+            <p:ph type="title"/>
+          </p:nvPr>
+        </p:nvSpPr>
+        <p:spPr/>
+        <p:txBody>
+          <a:bodyPr/>
+          <a:lstStyle/>
+          <a:p>
+            <a:endParaRPr lang="zh-CN" altLang="en-US"/>
+          </a:p>
+        </p:txBody>
+      </p:sp>
+      <p:pic>
+        <p:nvPicPr>
+          <p:cNvPr id="6147" name="Picture 3"/>
+          <p:cNvPicPr>
+            <a:picLocks noChangeAspect="1" noChangeArrowheads="1"/>
+          </p:cNvPicPr>
+          <p:nvPr/>
+        </p:nvPicPr>
+        <p:blipFill>
+          <a:blip r:embed="rId2" cstate="print"/>
+          <a:srcRect/>
+          <a:stretch>
+            <a:fillRect/>
+          </a:stretch>
+        </p:blipFill>
+        <p:spPr bwMode="auto">
+          <a:xfrm>
+            <a:off x="539552" y="2353444"/>
+            <a:ext cx="7358732" cy="2726277"/>
+          </a:xfrm>
+          <a:prstGeom prst="rect">
+            <a:avLst/>
+          </a:prstGeom>
+          <a:noFill/>
+          <a:ln w="9525">
+            <a:noFill/>
+            <a:miter lim="800000"/>
+            <a:headEnd/>
+            <a:tailEnd/>
+          </a:ln>
+        </p:spPr>
+      </p:pic>
+      <p:grpSp>
+        <p:nvGrpSpPr>
+          <p:cNvPr id="8" name="Group 7"/>
+          <p:cNvGrpSpPr/>
+          <p:nvPr/>
+        </p:nvGrpSpPr>
+        <p:grpSpPr>
+          <a:xfrm>
+            <a:off x="3347864" y="1705372"/>
+            <a:ext cx="3096344" cy="432048"/>
+            <a:chOff x="3347864" y="1705372"/>
+            <a:chExt cx="3096344" cy="432048"/>
+          </a:xfrm>
+        </p:grpSpPr>
+        <p:sp>
+          <p:nvSpPr>
+            <p:cNvPr id="5" name="Rectangular Callout 4"/>
+            <p:cNvSpPr/>
+            <p:nvPr/>
+          </p:nvSpPr>
+          <p:spPr>
+            <a:xfrm>
+              <a:off x="3347864" y="1705372"/>
+              <a:ext cx="3096344" cy="432048"/>
+            </a:xfrm>
+            <a:prstGeom prst="wedgeRectCallout">
+              <a:avLst>
+                <a:gd name="adj1" fmla="val 59246"/>
+                <a:gd name="adj2" fmla="val 122466"/>
+              </a:avLst>
+            </a:prstGeom>
+          </p:spPr>
+          <p:style>
+            <a:lnRef idx="2">
+              <a:schemeClr val="accent1">
+                <a:shade val="50000"/>
+              </a:schemeClr>
+            </a:lnRef>
+            <a:fillRef idx="1">
+              <a:schemeClr val="accent1"/>
+            </a:fillRef>
+            <a:effectRef idx="0">
+              <a:schemeClr val="accent1"/>
+            </a:effectRef>
+            <a:fontRef idx="minor">
+              <a:schemeClr val="lt1"/>
+            </a:fontRef>
+          </p:style>
+          <p:txBody>
+            <a:bodyPr rtlCol="0" anchor="ctr"/>
+            <a:lstStyle/>
+            <a:p>
+              <a:pPr algn="ctr"/>
+              <a:endParaRPr lang="zh-CN" altLang="en-US"/>
+            </a:p>
+          </p:txBody>
+        </p:sp>
+        <p:pic>
+          <p:nvPicPr>
+            <p:cNvPr id="6" name="Picture 2"/>
+            <p:cNvPicPr>
+              <a:picLocks noChangeAspect="1" noChangeArrowheads="1"/>
+            </p:cNvPicPr>
+            <p:nvPr/>
+          </p:nvPicPr>
+          <p:blipFill>
+            <a:blip r:embed="rId3" cstate="print"/>
+            <a:srcRect/>
+            <a:stretch>
+              <a:fillRect/>
+            </a:stretch>
+          </p:blipFill>
+          <p:spPr bwMode="auto">
+            <a:xfrm>
+              <a:off x="3419872" y="1705372"/>
+              <a:ext cx="2943225" cy="390525"/>
+            </a:xfrm>
+            <a:prstGeom prst="rect">
+              <a:avLst/>
+            </a:prstGeom>
+            <a:noFill/>
+            <a:ln w="9525">
+              <a:noFill/>
+              <a:miter lim="800000"/>
+              <a:headEnd/>
+              <a:tailEnd/>
+            </a:ln>
+          </p:spPr>
+        </p:pic>
+      </p:grpSp>
+      <p:sp>
+        <p:nvSpPr>
+          <p:cNvPr id="7" name="TextBox 6"/>
+          <p:cNvSpPr txBox="1"/>
+          <p:nvPr/>
+        </p:nvSpPr>
+        <p:spPr>
+          <a:xfrm>
+            <a:off x="827584" y="697260"/>
+            <a:ext cx="4104456" cy="1384995"/>
+          </a:xfrm>
+          <a:prstGeom prst="rect">
+            <a:avLst/>
+          </a:prstGeom>
+          <a:noFill/>
+        </p:spPr>
+        <p:txBody>
+          <a:bodyPr wrap="square" rtlCol="0">
+            <a:spAutoFit/>
+          </a:bodyPr>
+          <a:lstStyle/>
+          <a:p>
+            <a:r>
+              <a:rPr lang="en-US" altLang="zh-CN" sz="2800" dirty="0" smtClean="0"/>
+              <a:t>Debugging web project</a:t>
+            </a:r>
+            <a:endParaRPr lang="en-US" altLang="zh-CN" sz="1400" dirty="0" smtClean="0"/>
+          </a:p>
+          <a:p>
+            <a:endParaRPr lang="en-US" altLang="zh-CN" sz="2800" dirty="0" smtClean="0"/>
+          </a:p>
+          <a:p>
+            <a:endParaRPr lang="zh-CN" altLang="en-US" sz="2800" dirty="0"/>
+          </a:p>
+        </p:txBody>
+      </p:sp>
+    </p:spTree>
+  </p:cSld>
+  <p:clrMapOvr>
+    <a:masterClrMapping/>
+  </p:clrMapOvr>
+  <p:transition/>
+  <p:timing>
+    <p:tnLst>
+      <p:par>
+        <p:cTn id="1" dur="indefinite" restart="never" nodeType="tmRoot">
+          <p:childTnLst>
+            <p:seq concurrent="1" nextAc="seek">
+              <p:cTn id="2" dur="indefinite" nodeType="mainSeq">
+                <p:childTnLst>
+                  <p:par>
+                    <p:cTn id="3" fill="hold">
+                      <p:stCondLst>
+                        <p:cond delay="indefinite"/>
+                      </p:stCondLst>
+                      <p:childTnLst>
+                        <p:par>
+                          <p:cTn id="4" fill="hold">
+                            <p:stCondLst>
+                              <p:cond delay="0"/>
+                            </p:stCondLst>
+                            <p:childTnLst>
+                              <p:par>
+                                <p:cTn id="5" presetID="2" presetClass="entr" presetSubtype="4" fill="hold" nodeType="clickEffect">
+                                  <p:stCondLst>
+                                    <p:cond delay="0"/>
+                                  </p:stCondLst>
+                                  <p:childTnLst>
+                                    <p:set>
+                                      <p:cBhvr>
+                                        <p:cTn id="6" dur="1" fill="hold">
+                                          <p:stCondLst>
+                                            <p:cond delay="0"/>
+                                          </p:stCondLst>
+                                        </p:cTn>
+                                        <p:tgtEl>
+                                          <p:spTgt spid="6147"/>
+                                        </p:tgtEl>
+                                        <p:attrNameLst>
+                                          <p:attrName>style.visibility</p:attrName>
+                                        </p:attrNameLst>
+                                      </p:cBhvr>
+                                      <p:to>
+                                        <p:strVal val="visible"/>
+                                      </p:to>
+                                    </p:set>
+                                    <p:anim calcmode="lin" valueType="num">
+                                      <p:cBhvr additive="base">
+                                        <p:cTn id="7" dur="500" fill="hold"/>
+                                        <p:tgtEl>
+                                          <p:spTgt spid="6147"/>
+                                        </p:tgtEl>
+                                        <p:attrNameLst>
+                                          <p:attrName>ppt_x</p:attrName>
+                                        </p:attrNameLst>
+                                      </p:cBhvr>
+                                      <p:tavLst>
+                                        <p:tav tm="0">
+                                          <p:val>
+                                            <p:strVal val="#ppt_x"/>
+                                          </p:val>
+                                        </p:tav>
+                                        <p:tav tm="100000">
+                                          <p:val>
+                                            <p:strVal val="#ppt_x"/>
+                                          </p:val>
+                                        </p:tav>
+                                      </p:tavLst>
+                                    </p:anim>
+                                    <p:anim calcmode="lin" valueType="num">
+                                      <p:cBhvr additive="base">
+                                        <p:cTn id="8" dur="500" fill="hold"/>
+                                        <p:tgtEl>
+                                          <p:spTgt spid="6147"/>
+                                        </p:tgtEl>
+                                        <p:attrNameLst>
+                                          <p:attrName>ppt_y</p:attrName>
+                                        </p:attrNameLst>
+                                      </p:cBhvr>
+                                      <p:tavLst>
+                                        <p:tav tm="0">
+                                          <p:val>
+                                            <p:strVal val="1+#ppt_h/2"/>
+                                          </p:val>
+                                        </p:tav>
+                                        <p:tav tm="100000">
+                                          <p:val>
+                                            <p:strVal val="#ppt_y"/>
+                                          </p:val>
+                                        </p:tav>
+                                      </p:tavLst>
+                                    </p:anim>
+                                  </p:childTnLst>
+                                </p:cTn>
+                              </p:par>
+                            </p:childTnLst>
+                          </p:cTn>
+                        </p:par>
+                      </p:childTnLst>
+                    </p:cTn>
+                  </p:par>
+                  <p:par>
+                    <p:cTn id="9" fill="hold">
+                      <p:stCondLst>
+                        <p:cond delay="indefinite"/>
+                      </p:stCondLst>
+                      <p:childTnLst>
+                        <p:par>
+                          <p:cTn id="10" fill="hold">
+                            <p:stCondLst>
+                              <p:cond delay="0"/>
+                            </p:stCondLst>
+                            <p:childTnLst>
+                              <p:par>
+                                <p:cTn id="11" presetID="22" presetClass="entr" presetSubtype="4" fill="hold" nodeType="clickEffect">
+                                  <p:stCondLst>
+                                    <p:cond delay="0"/>
+                                  </p:stCondLst>
+                                  <p:childTnLst>
+                                    <p:set>
+                                      <p:cBhvr>
+                                        <p:cTn id="12" dur="1" fill="hold">
+                                          <p:stCondLst>
+                                            <p:cond delay="0"/>
+                                          </p:stCondLst>
+                                        </p:cTn>
+                                        <p:tgtEl>
+                                          <p:spTgt spid="8"/>
+                                        </p:tgtEl>
+                                        <p:attrNameLst>
+                                          <p:attrName>style.visibility</p:attrName>
+                                        </p:attrNameLst>
+                                      </p:cBhvr>
+                                      <p:to>
+                                        <p:strVal val="visible"/>
+                                      </p:to>
+                                    </p:set>
+                                    <p:animEffect transition="in" filter="wipe(down)">
+                                      <p:cBhvr>
+                                        <p:cTn id="13" dur="500"/>
+                                        <p:tgtEl>
+                                          <p:spTgt spid="8"/>
+                                        </p:tgtEl>
+                                      </p:cBhvr>
+                                    </p:animEffect>
+                                  </p:childTnLst>
+                                </p:cTn>
+                              </p:par>
+                            </p:childTnLst>
+                          </p:cTn>
+                        </p:par>
+                      </p:childTnLst>
+                    </p:cTn>
+                  </p:par>
+                </p:childTnLst>
+              </p:cTn>
+              <p:prevCondLst>
+                <p:cond evt="onPrev" delay="0">
+                  <p:tgtEl>
+                    <p:sldTgt/>
+                  </p:tgtEl>
+                </p:cond>
+              </p:prevCondLst>
+              <p:nextCondLst>
+                <p:cond evt="onNext" delay="0">
+                  <p:tgtEl>
+                    <p:sldTgt/>
+                  </p:tgtEl>
+                </p:cond>
+              </p:nextCondLst>
+            </p:seq>
+          </p:childTnLst>
+        </p:cTn>
+      </p:par>
+    </p:tnLst>
+  </p:timing>
+</p:sld>
+</file>
+
+<file path=ppt/slides/slide24.xml><?xml version="1.0" encoding="utf-8"?>
+<p:sld xmlns:a="http://schemas.openxmlformats.org/drawingml/2006/main" xmlns:r="http://schemas.openxmlformats.org/officeDocument/2006/relationships" xmlns:p="http://schemas.openxmlformats.org/presentationml/2006/main">
+  <p:cSld>
+    <p:spTree>
+      <p:nvGrpSpPr>
+        <p:cNvPr id="1" name=""/>
+        <p:cNvGrpSpPr/>
+        <p:nvPr/>
+      </p:nvGrpSpPr>
+      <p:grpSpPr>
+        <a:xfrm>
+          <a:off x="0" y="0"/>
+          <a:ext cx="0" cy="0"/>
+          <a:chOff x="0" y="0"/>
+          <a:chExt cx="0" cy="0"/>
+        </a:xfrm>
+      </p:grpSpPr>
+      <p:sp>
+        <p:nvSpPr>
+          <p:cNvPr id="2" name="Title 1"/>
+          <p:cNvSpPr>
+            <a:spLocks noGrp="1"/>
+          </p:cNvSpPr>
+          <p:nvPr>
+            <p:ph type="title"/>
+          </p:nvPr>
+        </p:nvSpPr>
+        <p:spPr/>
+        <p:txBody>
+          <a:bodyPr/>
+          <a:lstStyle/>
+          <a:p>
+            <a:endParaRPr lang="zh-CN" altLang="en-US"/>
+          </a:p>
+        </p:txBody>
+      </p:sp>
+      <p:pic>
+        <p:nvPicPr>
+          <p:cNvPr id="7170" name="Picture 2"/>
+          <p:cNvPicPr>
+            <a:picLocks noChangeAspect="1" noChangeArrowheads="1"/>
+          </p:cNvPicPr>
+          <p:nvPr/>
+        </p:nvPicPr>
+        <p:blipFill>
+          <a:blip r:embed="rId2" cstate="print"/>
+          <a:srcRect/>
+          <a:stretch>
+            <a:fillRect/>
+          </a:stretch>
+        </p:blipFill>
+        <p:spPr bwMode="auto">
+          <a:xfrm>
+            <a:off x="1619672" y="1057300"/>
+            <a:ext cx="6210647" cy="4124708"/>
+          </a:xfrm>
+          <a:prstGeom prst="rect">
+            <a:avLst/>
+          </a:prstGeom>
+          <a:noFill/>
+          <a:ln w="9525">
+            <a:noFill/>
+            <a:miter lim="800000"/>
+            <a:headEnd/>
+            <a:tailEnd/>
+          </a:ln>
+        </p:spPr>
+      </p:pic>
+    </p:spTree>
+  </p:cSld>
+  <p:clrMapOvr>
+    <a:masterClrMapping/>
+  </p:clrMapOvr>
+  <p:transition/>
+  <p:timing>
+    <p:tnLst>
+      <p:par>
+        <p:cTn id="1" dur="indefinite" restart="never" nodeType="tmRoot">
+          <p:childTnLst>
+            <p:seq concurrent="1" nextAc="seek">
+              <p:cTn id="2" dur="indefinite" nodeType="mainSeq">
+                <p:childTnLst>
+                  <p:par>
+                    <p:cTn id="3" fill="hold">
+                      <p:stCondLst>
+                        <p:cond delay="indefinite"/>
+                      </p:stCondLst>
+                      <p:childTnLst>
+                        <p:par>
+                          <p:cTn id="4" fill="hold">
+                            <p:stCondLst>
+                              <p:cond delay="0"/>
+                            </p:stCondLst>
+                            <p:childTnLst>
+                              <p:par>
+                                <p:cTn id="5" presetID="10" presetClass="entr" presetSubtype="0" fill="hold" nodeType="clickEffect">
+                                  <p:stCondLst>
+                                    <p:cond delay="0"/>
+                                  </p:stCondLst>
+                                  <p:childTnLst>
+                                    <p:set>
+                                      <p:cBhvr>
+                                        <p:cTn id="6" dur="1" fill="hold">
+                                          <p:stCondLst>
+                                            <p:cond delay="0"/>
+                                          </p:stCondLst>
+                                        </p:cTn>
+                                        <p:tgtEl>
+                                          <p:spTgt spid="7170"/>
+                                        </p:tgtEl>
+                                        <p:attrNameLst>
+                                          <p:attrName>style.visibility</p:attrName>
+                                        </p:attrNameLst>
+                                      </p:cBhvr>
+                                      <p:to>
+                                        <p:strVal val="visible"/>
+                                      </p:to>
+                                    </p:set>
+                                    <p:animEffect transition="in" filter="fade">
+                                      <p:cBhvr>
+                                        <p:cTn id="7" dur="2000"/>
+                                        <p:tgtEl>
+                                          <p:spTgt spid="7170"/>
+                                        </p:tgtEl>
+                                      </p:cBhvr>
+                                    </p:animEffect>
+                                  </p:childTnLst>
+                                </p:cTn>
+                              </p:par>
+                            </p:childTnLst>
+                          </p:cTn>
+                        </p:par>
+                      </p:childTnLst>
+                    </p:cTn>
+                  </p:par>
+                </p:childTnLst>
+              </p:cTn>
+              <p:prevCondLst>
+                <p:cond evt="onPrev" delay="0">
+                  <p:tgtEl>
+                    <p:sldTgt/>
+                  </p:tgtEl>
+                </p:cond>
+              </p:prevCondLst>
+              <p:nextCondLst>
+                <p:cond evt="onNext" delay="0">
+                  <p:tgtEl>
+                    <p:sldTgt/>
+                  </p:tgtEl>
+                </p:cond>
+              </p:nextCondLst>
+            </p:seq>
+          </p:childTnLst>
+        </p:cTn>
+      </p:par>
+    </p:tnLst>
+  </p:timing>
+</p:sld>
+</file>
+
+<file path=ppt/slides/slide25.xml><?xml version="1.0" encoding="utf-8"?>
+<p:sld xmlns:a="http://schemas.openxmlformats.org/drawingml/2006/main" xmlns:r="http://schemas.openxmlformats.org/officeDocument/2006/relationships" xmlns:p="http://schemas.openxmlformats.org/presentationml/2006/main">
+  <p:cSld>
+    <p:spTree>
+      <p:nvGrpSpPr>
+        <p:cNvPr id="1" name=""/>
+        <p:cNvGrpSpPr/>
+        <p:nvPr/>
+      </p:nvGrpSpPr>
+      <p:grpSpPr>
+        <a:xfrm>
+          <a:off x="0" y="0"/>
+          <a:ext cx="0" cy="0"/>
+          <a:chOff x="0" y="0"/>
+          <a:chExt cx="0" cy="0"/>
+        </a:xfrm>
+      </p:grpSpPr>
+      <p:sp>
+        <p:nvSpPr>
+          <p:cNvPr id="2" name="Title 1"/>
+          <p:cNvSpPr>
+            <a:spLocks noGrp="1"/>
+          </p:cNvSpPr>
+          <p:nvPr>
+            <p:ph type="title"/>
+          </p:nvPr>
+        </p:nvSpPr>
+        <p:spPr/>
+        <p:txBody>
+          <a:bodyPr/>
+          <a:lstStyle/>
+          <a:p>
+            <a:endParaRPr lang="zh-CN" altLang="en-US"/>
+          </a:p>
+        </p:txBody>
+      </p:sp>
       <p:sp>
         <p:nvSpPr>
           <p:cNvPr id="3" name="TextBox 2"/>
@@ -8719,7 +10118,7 @@
 </p:sld>
 </file>
 
-<file path=ppt/slides/slide21.xml><?xml version="1.0" encoding="utf-8"?>
+<file path=ppt/slides/slide26.xml><?xml version="1.0" encoding="utf-8"?>
 <p:sld xmlns:a="http://schemas.openxmlformats.org/drawingml/2006/main" xmlns:r="http://schemas.openxmlformats.org/officeDocument/2006/relationships" xmlns:p="http://schemas.openxmlformats.org/presentationml/2006/main">
   <p:cSld>
     <p:spTree>
@@ -9425,7 +10824,7 @@
 </p:sld>
 </file>
 
-<file path=ppt/slides/slide22.xml><?xml version="1.0" encoding="utf-8"?>
+<file path=ppt/slides/slide27.xml><?xml version="1.0" encoding="utf-8"?>
 <p:sld xmlns:a="http://schemas.openxmlformats.org/drawingml/2006/main" xmlns:r="http://schemas.openxmlformats.org/officeDocument/2006/relationships" xmlns:p="http://schemas.openxmlformats.org/presentationml/2006/main">
   <p:cSld>
     <p:spTree>
@@ -9887,7 +11286,7 @@
 </p:sld>
 </file>
 
-<file path=ppt/slides/slide23.xml><?xml version="1.0" encoding="utf-8"?>
+<file path=ppt/slides/slide28.xml><?xml version="1.0" encoding="utf-8"?>
 <p:sld xmlns:a="http://schemas.openxmlformats.org/drawingml/2006/main" xmlns:r="http://schemas.openxmlformats.org/officeDocument/2006/relationships" xmlns:p="http://schemas.openxmlformats.org/presentationml/2006/main">
   <p:cSld>
     <p:spTree>
@@ -10137,7 +11536,7 @@
 </p:sld>
 </file>
 
-<file path=ppt/slides/slide24.xml><?xml version="1.0" encoding="utf-8"?>
+<file path=ppt/slides/slide29.xml><?xml version="1.0" encoding="utf-8"?>
 <p:sld xmlns:a="http://schemas.openxmlformats.org/drawingml/2006/main" xmlns:r="http://schemas.openxmlformats.org/officeDocument/2006/relationships" xmlns:p="http://schemas.openxmlformats.org/presentationml/2006/main">
   <p:cSld>
     <p:spTree>
@@ -11139,7 +12538,7 @@
         </p:blipFill>
         <p:spPr bwMode="auto">
           <a:xfrm>
-            <a:off x="2411760" y="1489348"/>
+            <a:off x="755576" y="1561356"/>
             <a:ext cx="3862164" cy="2735700"/>
           </a:xfrm>
           <a:prstGeom prst="rect">
@@ -11239,7 +12638,7 @@
                 <a:ea typeface="+mj-ea"/>
                 <a:cs typeface="+mj-cs"/>
               </a:rPr>
-              <a:t>Stack</a:t>
+              <a:t>Stack Of V.3.+</a:t>
             </a:r>
             <a:endParaRPr kumimoji="0" lang="en-US" sz="4400" b="1" i="0" u="none" strike="noStrike" kern="1200" cap="none" spc="50" normalizeH="0" baseline="0" noProof="0" dirty="0">
               <a:ln w="11430"/>
@@ -11312,6 +12711,53 @@
           </a:p>
         </p:txBody>
       </p:sp>
+      <p:sp>
+        <p:nvSpPr>
+          <p:cNvPr id="7" name="Rectangular Callout 6"/>
+          <p:cNvSpPr/>
+          <p:nvPr/>
+        </p:nvSpPr>
+        <p:spPr>
+          <a:xfrm>
+            <a:off x="5508104" y="697260"/>
+            <a:ext cx="3528392" cy="936104"/>
+          </a:xfrm>
+          <a:prstGeom prst="wedgeRectCallout">
+            <a:avLst>
+              <a:gd name="adj1" fmla="val -121399"/>
+              <a:gd name="adj2" fmla="val 142478"/>
+            </a:avLst>
+          </a:prstGeom>
+        </p:spPr>
+        <p:style>
+          <a:lnRef idx="2">
+            <a:schemeClr val="accent1">
+              <a:shade val="50000"/>
+            </a:schemeClr>
+          </a:lnRef>
+          <a:fillRef idx="1">
+            <a:schemeClr val="accent1"/>
+          </a:fillRef>
+          <a:effectRef idx="0">
+            <a:schemeClr val="accent1"/>
+          </a:effectRef>
+          <a:fontRef idx="minor">
+            <a:schemeClr val="lt1"/>
+          </a:fontRef>
+        </p:style>
+        <p:txBody>
+          <a:bodyPr rtlCol="0" anchor="ctr"/>
+          <a:lstStyle/>
+          <a:p>
+            <a:pPr algn="ctr"/>
+            <a:r>
+              <a:rPr lang="en-US" altLang="zh-CN" dirty="0" smtClean="0"/>
+              <a:t>Interpreter </a:t>
+            </a:r>
+            <a:endParaRPr lang="zh-CN" altLang="en-US" dirty="0"/>
+          </a:p>
+        </p:txBody>
+      </p:sp>
     </p:spTree>
   </p:cSld>
   <p:clrMapOvr>
@@ -11417,6 +12863,106 @@
                       </p:childTnLst>
                     </p:cTn>
                   </p:par>
+                  <p:par>
+                    <p:cTn id="9" fill="hold">
+                      <p:stCondLst>
+                        <p:cond delay="indefinite"/>
+                      </p:stCondLst>
+                      <p:childTnLst>
+                        <p:par>
+                          <p:cTn id="10" fill="hold">
+                            <p:stCondLst>
+                              <p:cond delay="0"/>
+                            </p:stCondLst>
+                            <p:childTnLst>
+                              <p:par>
+                                <p:cTn id="11" presetID="22" presetClass="entr" presetSubtype="4" fill="hold" grpId="0" nodeType="clickEffect">
+                                  <p:stCondLst>
+                                    <p:cond delay="0"/>
+                                  </p:stCondLst>
+                                  <p:childTnLst>
+                                    <p:set>
+                                      <p:cBhvr>
+                                        <p:cTn id="12" dur="1" fill="hold">
+                                          <p:stCondLst>
+                                            <p:cond delay="0"/>
+                                          </p:stCondLst>
+                                        </p:cTn>
+                                        <p:tgtEl>
+                                          <p:spTgt spid="7">
+                                            <p:bg/>
+                                          </p:spTgt>
+                                        </p:tgtEl>
+                                        <p:attrNameLst>
+                                          <p:attrName>style.visibility</p:attrName>
+                                        </p:attrNameLst>
+                                      </p:cBhvr>
+                                      <p:to>
+                                        <p:strVal val="visible"/>
+                                      </p:to>
+                                    </p:set>
+                                    <p:animEffect transition="in" filter="wipe(down)">
+                                      <p:cBhvr>
+                                        <p:cTn id="13" dur="500"/>
+                                        <p:tgtEl>
+                                          <p:spTgt spid="7">
+                                            <p:bg/>
+                                          </p:spTgt>
+                                        </p:tgtEl>
+                                      </p:cBhvr>
+                                    </p:animEffect>
+                                  </p:childTnLst>
+                                </p:cTn>
+                              </p:par>
+                              <p:par>
+                                <p:cTn id="14" presetID="22" presetClass="entr" presetSubtype="4" fill="hold" grpId="0" nodeType="withEffect">
+                                  <p:stCondLst>
+                                    <p:cond delay="0"/>
+                                  </p:stCondLst>
+                                  <p:childTnLst>
+                                    <p:set>
+                                      <p:cBhvr>
+                                        <p:cTn id="15" dur="1" fill="hold">
+                                          <p:stCondLst>
+                                            <p:cond delay="0"/>
+                                          </p:stCondLst>
+                                        </p:cTn>
+                                        <p:tgtEl>
+                                          <p:spTgt spid="7">
+                                            <p:txEl>
+                                              <p:pRg st="0" end="0"/>
+                                            </p:txEl>
+                                          </p:spTgt>
+                                        </p:tgtEl>
+                                        <p:attrNameLst>
+                                          <p:attrName>style.visibility</p:attrName>
+                                        </p:attrNameLst>
+                                      </p:cBhvr>
+                                      <p:to>
+                                        <p:strVal val="visible"/>
+                                      </p:to>
+                                    </p:set>
+                                    <p:animEffect transition="in" filter="wipe(down)">
+                                      <p:cBhvr>
+                                        <p:cTn id="16" dur="500"/>
+                                        <p:tgtEl>
+                                          <p:spTgt spid="7">
+                                            <p:txEl>
+                                              <p:pRg st="0" end="0"/>
+                                            </p:txEl>
+                                          </p:spTgt>
+                                        </p:tgtEl>
+                                      </p:cBhvr>
+                                    </p:animEffect>
+                                  </p:childTnLst>
+                                </p:cTn>
+                              </p:par>
+                            </p:childTnLst>
+                          </p:cTn>
+                        </p:par>
+                      </p:childTnLst>
+                    </p:cTn>
+                  </p:par>
                 </p:childTnLst>
               </p:cTn>
               <p:prevCondLst>
@@ -11438,6 +12984,9 @@
         </p:cTn>
       </p:par>
     </p:tnLst>
+    <p:bldLst>
+      <p:bldP spid="7" grpId="0" build="allAtOnce" animBg="1"/>
+    </p:bldLst>
   </p:timing>
 </p:sld>
 </file>
@@ -12196,7 +13745,11 @@
             </a:r>
             <a:r>
               <a:rPr lang="en-US" altLang="zh-CN" sz="2800" dirty="0" smtClean="0"/>
-              <a:t>set up the NDK,SDK,ANT and Python.</a:t>
+              <a:t>set up the NDK,SDK,ANT and </a:t>
+            </a:r>
+            <a:r>
+              <a:rPr lang="en-US" altLang="zh-CN" sz="2800" dirty="0" smtClean="0"/>
+              <a:t>Python2.7.3.</a:t>
             </a:r>
             <a:endParaRPr lang="zh-CN" altLang="en-US" sz="2800" dirty="0"/>
           </a:p>
@@ -12520,54 +14073,58 @@
       </p:grpSpPr>
       <p:sp>
         <p:nvSpPr>
-          <p:cNvPr id="4" name="TextBox 3"/>
-          <p:cNvSpPr txBox="1"/>
-          <p:nvPr/>
+          <p:cNvPr id="2" name="Title 1"/>
+          <p:cNvSpPr>
+            <a:spLocks noGrp="1"/>
+          </p:cNvSpPr>
+          <p:nvPr>
+            <p:ph type="title"/>
+          </p:nvPr>
         </p:nvSpPr>
-        <p:spPr>
-          <a:xfrm>
-            <a:off x="899593" y="1345332"/>
-            <a:ext cx="7920880" cy="1815882"/>
-          </a:xfrm>
-          <a:prstGeom prst="rect">
-            <a:avLst/>
-          </a:prstGeom>
-          <a:noFill/>
-        </p:spPr>
+        <p:spPr/>
         <p:txBody>
-          <a:bodyPr wrap="square" rtlCol="0">
-            <a:spAutoFit/>
-          </a:bodyPr>
+          <a:bodyPr/>
           <a:lstStyle/>
           <a:p>
-            <a:r>
-              <a:rPr lang="en-US" altLang="zh-CN" sz="2800" dirty="0" smtClean="0"/>
-              <a:t>2</a:t>
-            </a:r>
-            <a:r>
-              <a:rPr lang="zh-CN" altLang="en-US" sz="2800" dirty="0" smtClean="0"/>
-              <a:t>、</a:t>
-            </a:r>
-            <a:r>
-              <a:rPr lang="en-US" altLang="zh-CN" sz="2800" dirty="0" smtClean="0"/>
-              <a:t>Configure the environment Path</a:t>
-            </a:r>
-          </a:p>
-          <a:p>
-            <a:endParaRPr lang="en-US" altLang="zh-CN" sz="2800" dirty="0" smtClean="0"/>
-          </a:p>
-          <a:p>
-            <a:r>
-              <a:rPr lang="en-US" altLang="zh-CN" sz="2800" dirty="0" smtClean="0"/>
-              <a:t>You can set up NDK,SDK,ANT path by click the setup.py in cocos2d-x root.</a:t>
-            </a:r>
-            <a:endParaRPr lang="zh-CN" altLang="en-US" sz="2800" dirty="0"/>
+            <a:endParaRPr lang="zh-CN" altLang="en-US"/>
           </a:p>
         </p:txBody>
       </p:sp>
       <p:pic>
         <p:nvPicPr>
           <p:cNvPr id="2050" name="Picture 2"/>
+          <p:cNvPicPr>
+            <a:picLocks noChangeAspect="1" noChangeArrowheads="1"/>
+          </p:cNvPicPr>
+          <p:nvPr/>
+        </p:nvPicPr>
+        <p:blipFill>
+          <a:blip r:embed="rId2" cstate="print"/>
+          <a:srcRect/>
+          <a:stretch>
+            <a:fillRect/>
+          </a:stretch>
+        </p:blipFill>
+        <p:spPr bwMode="auto">
+          <a:xfrm>
+            <a:off x="179512" y="504825"/>
+            <a:ext cx="6343650" cy="5210175"/>
+          </a:xfrm>
+          <a:prstGeom prst="rect">
+            <a:avLst/>
+          </a:prstGeom>
+          <a:noFill/>
+          <a:ln w="9525">
+            <a:noFill/>
+            <a:miter lim="800000"/>
+            <a:headEnd/>
+            <a:tailEnd/>
+          </a:ln>
+        </p:spPr>
+      </p:pic>
+      <p:pic>
+        <p:nvPicPr>
+          <p:cNvPr id="4" name="Picture 2"/>
           <p:cNvPicPr>
             <a:picLocks noChangeAspect="1" noChangeArrowheads="1"/>
           </p:cNvPicPr>
@@ -12582,8 +14139,8 @@
         </p:blipFill>
         <p:spPr bwMode="auto">
           <a:xfrm>
-            <a:off x="4067944" y="3145532"/>
-            <a:ext cx="4459784" cy="2392335"/>
+            <a:off x="4355976" y="1273324"/>
+            <a:ext cx="4667250" cy="4095750"/>
           </a:xfrm>
           <a:prstGeom prst="rect">
             <a:avLst/>
@@ -12624,7 +14181,7 @@
                             </p:stCondLst>
                             <p:childTnLst>
                               <p:par>
-                                <p:cTn id="5" presetID="2" presetClass="entr" presetSubtype="4" fill="hold" grpId="0" nodeType="clickEffect">
+                                <p:cTn id="5" presetID="10" presetClass="entr" presetSubtype="0" fill="hold" nodeType="clickEffect">
                                   <p:stCondLst>
                                     <p:cond delay="0"/>
                                   </p:stCondLst>
@@ -12637,11 +14194,7 @@
                                           </p:stCondLst>
                                         </p:cTn>
                                         <p:tgtEl>
-                                          <p:spTgt spid="4">
-                                            <p:txEl>
-                                              <p:pRg st="0" end="0"/>
-                                            </p:txEl>
-                                          </p:spTgt>
+                                          <p:spTgt spid="2050"/>
                                         </p:tgtEl>
                                         <p:attrNameLst>
                                           <p:attrName>style.visibility</p:attrName>
@@ -12651,60 +14204,14 @@
                                         <p:strVal val="visible"/>
                                       </p:to>
                                     </p:set>
-                                    <p:anim calcmode="lin" valueType="num">
-                                      <p:cBhvr additive="base">
-                                        <p:cTn id="7" dur="500" fill="hold"/>
-                                        <p:tgtEl>
-                                          <p:spTgt spid="4">
-                                            <p:txEl>
-                                              <p:pRg st="0" end="0"/>
-                                            </p:txEl>
-                                          </p:spTgt>
-                                        </p:tgtEl>
-                                        <p:attrNameLst>
-                                          <p:attrName>ppt_x</p:attrName>
-                                        </p:attrNameLst>
-                                      </p:cBhvr>
-                                      <p:tavLst>
-                                        <p:tav tm="0">
-                                          <p:val>
-                                            <p:strVal val="#ppt_x"/>
-                                          </p:val>
-                                        </p:tav>
-                                        <p:tav tm="100000">
-                                          <p:val>
-                                            <p:strVal val="#ppt_x"/>
-                                          </p:val>
-                                        </p:tav>
-                                      </p:tavLst>
-                                    </p:anim>
-                                    <p:anim calcmode="lin" valueType="num">
-                                      <p:cBhvr additive="base">
-                                        <p:cTn id="8" dur="500" fill="hold"/>
-                                        <p:tgtEl>
-                                          <p:spTgt spid="4">
-                                            <p:txEl>
-                                              <p:pRg st="0" end="0"/>
-                                            </p:txEl>
-                                          </p:spTgt>
-                                        </p:tgtEl>
-                                        <p:attrNameLst>
-                                          <p:attrName>ppt_y</p:attrName>
-                                        </p:attrNameLst>
-                                      </p:cBhvr>
-                                      <p:tavLst>
-                                        <p:tav tm="0">
-                                          <p:val>
-                                            <p:strVal val="1+#ppt_h/2"/>
-                                          </p:val>
-                                        </p:tav>
-                                        <p:tav tm="100000">
-                                          <p:val>
-                                            <p:strVal val="#ppt_y"/>
-                                          </p:val>
-                                        </p:tav>
-                                      </p:tavLst>
-                                    </p:anim>
+                                    <p:animEffect transition="in" filter="fade">
+                                      <p:cBhvr>
+                                        <p:cTn id="7" dur="2000"/>
+                                        <p:tgtEl>
+                                          <p:spTgt spid="2050"/>
+                                        </p:tgtEl>
+                                      </p:cBhvr>
+                                    </p:animEffect>
                                   </p:childTnLst>
                                 </p:cTn>
                               </p:par>
@@ -12715,36 +14222,32 @@
                     </p:cTn>
                   </p:par>
                   <p:par>
-                    <p:cTn id="9" fill="hold">
+                    <p:cTn id="8" fill="hold">
                       <p:stCondLst>
                         <p:cond delay="indefinite"/>
                       </p:stCondLst>
                       <p:childTnLst>
                         <p:par>
-                          <p:cTn id="10" fill="hold">
+                          <p:cTn id="9" fill="hold">
                             <p:stCondLst>
                               <p:cond delay="0"/>
                             </p:stCondLst>
                             <p:childTnLst>
                               <p:par>
-                                <p:cTn id="11" presetID="2" presetClass="entr" presetSubtype="4" fill="hold" grpId="0" nodeType="clickEffect">
+                                <p:cTn id="10" presetID="22" presetClass="entr" presetSubtype="4" fill="hold" nodeType="clickEffect">
                                   <p:stCondLst>
                                     <p:cond delay="0"/>
                                   </p:stCondLst>
                                   <p:childTnLst>
                                     <p:set>
                                       <p:cBhvr>
-                                        <p:cTn id="12" dur="1" fill="hold">
+                                        <p:cTn id="11" dur="1" fill="hold">
                                           <p:stCondLst>
                                             <p:cond delay="0"/>
                                           </p:stCondLst>
                                         </p:cTn>
                                         <p:tgtEl>
-                                          <p:spTgt spid="4">
-                                            <p:txEl>
-                                              <p:pRg st="2" end="2"/>
-                                            </p:txEl>
-                                          </p:spTgt>
+                                          <p:spTgt spid="4"/>
                                         </p:tgtEl>
                                         <p:attrNameLst>
                                           <p:attrName>style.visibility</p:attrName>
@@ -12754,151 +14257,14 @@
                                         <p:strVal val="visible"/>
                                       </p:to>
                                     </p:set>
-                                    <p:anim calcmode="lin" valueType="num">
-                                      <p:cBhvr additive="base">
-                                        <p:cTn id="13" dur="500" fill="hold"/>
-                                        <p:tgtEl>
-                                          <p:spTgt spid="4">
-                                            <p:txEl>
-                                              <p:pRg st="2" end="2"/>
-                                            </p:txEl>
-                                          </p:spTgt>
-                                        </p:tgtEl>
-                                        <p:attrNameLst>
-                                          <p:attrName>ppt_x</p:attrName>
-                                        </p:attrNameLst>
-                                      </p:cBhvr>
-                                      <p:tavLst>
-                                        <p:tav tm="0">
-                                          <p:val>
-                                            <p:strVal val="#ppt_x"/>
-                                          </p:val>
-                                        </p:tav>
-                                        <p:tav tm="100000">
-                                          <p:val>
-                                            <p:strVal val="#ppt_x"/>
-                                          </p:val>
-                                        </p:tav>
-                                      </p:tavLst>
-                                    </p:anim>
-                                    <p:anim calcmode="lin" valueType="num">
-                                      <p:cBhvr additive="base">
-                                        <p:cTn id="14" dur="500" fill="hold"/>
-                                        <p:tgtEl>
-                                          <p:spTgt spid="4">
-                                            <p:txEl>
-                                              <p:pRg st="2" end="2"/>
-                                            </p:txEl>
-                                          </p:spTgt>
-                                        </p:tgtEl>
-                                        <p:attrNameLst>
-                                          <p:attrName>ppt_y</p:attrName>
-                                        </p:attrNameLst>
-                                      </p:cBhvr>
-                                      <p:tavLst>
-                                        <p:tav tm="0">
-                                          <p:val>
-                                            <p:strVal val="1+#ppt_h/2"/>
-                                          </p:val>
-                                        </p:tav>
-                                        <p:tav tm="100000">
-                                          <p:val>
-                                            <p:strVal val="#ppt_y"/>
-                                          </p:val>
-                                        </p:tav>
-                                      </p:tavLst>
-                                    </p:anim>
-                                  </p:childTnLst>
-                                </p:cTn>
-                              </p:par>
-                            </p:childTnLst>
-                          </p:cTn>
-                        </p:par>
-                      </p:childTnLst>
-                    </p:cTn>
-                  </p:par>
-                  <p:par>
-                    <p:cTn id="15" fill="hold">
-                      <p:stCondLst>
-                        <p:cond delay="indefinite"/>
-                      </p:stCondLst>
-                      <p:childTnLst>
-                        <p:par>
-                          <p:cTn id="16" fill="hold">
-                            <p:stCondLst>
-                              <p:cond delay="0"/>
-                            </p:stCondLst>
-                            <p:childTnLst>
-                              <p:par>
-                                <p:cTn id="17" presetID="2" presetClass="entr" presetSubtype="4" fill="hold" nodeType="clickEffect">
-                                  <p:stCondLst>
-                                    <p:cond delay="0"/>
-                                  </p:stCondLst>
-                                  <p:childTnLst>
-                                    <p:set>
+                                    <p:animEffect transition="in" filter="wipe(down)">
                                       <p:cBhvr>
-                                        <p:cTn id="18" dur="1" fill="hold">
-                                          <p:stCondLst>
-                                            <p:cond delay="0"/>
-                                          </p:stCondLst>
-                                        </p:cTn>
-                                        <p:tgtEl>
-                                          <p:spTgt spid="2050"/>
-                                        </p:tgtEl>
-                                        <p:attrNameLst>
-                                          <p:attrName>style.visibility</p:attrName>
-                                        </p:attrNameLst>
-                                      </p:cBhvr>
-                                      <p:to>
-                                        <p:strVal val="visible"/>
-                                      </p:to>
-                                    </p:set>
-                                    <p:anim calcmode="lin" valueType="num">
-                                      <p:cBhvr additive="base">
-                                        <p:cTn id="19" dur="500" fill="hold"/>
-                                        <p:tgtEl>
-                                          <p:spTgt spid="2050"/>
-                                        </p:tgtEl>
-                                        <p:attrNameLst>
-                                          <p:attrName>ppt_x</p:attrName>
-                                        </p:attrNameLst>
-                                      </p:cBhvr>
-                                      <p:tavLst>
-                                        <p:tav tm="0">
-                                          <p:val>
-                                            <p:strVal val="#ppt_x"/>
-                                          </p:val>
-                                        </p:tav>
-                                        <p:tav tm="100000">
-                                          <p:val>
-                                            <p:strVal val="#ppt_x"/>
-                                          </p:val>
-                                        </p:tav>
-                                      </p:tavLst>
-                                    </p:anim>
-                                    <p:anim calcmode="lin" valueType="num">
-                                      <p:cBhvr additive="base">
-                                        <p:cTn id="20" dur="500" fill="hold"/>
-                                        <p:tgtEl>
-                                          <p:spTgt spid="2050"/>
-                                        </p:tgtEl>
-                                        <p:attrNameLst>
-                                          <p:attrName>ppt_y</p:attrName>
-                                        </p:attrNameLst>
-                                      </p:cBhvr>
-                                      <p:tavLst>
-                                        <p:tav tm="0">
-                                          <p:val>
-                                            <p:strVal val="1+#ppt_h/2"/>
-                                          </p:val>
-                                        </p:tav>
-                                        <p:tav tm="100000">
-                                          <p:val>
-                                            <p:strVal val="#ppt_y"/>
-                                          </p:val>
-                                        </p:tav>
-                                      </p:tavLst>
-                                    </p:anim>
+                                        <p:cTn id="12" dur="500"/>
+                                        <p:tgtEl>
+                                          <p:spTgt spid="4"/>
+                                        </p:tgtEl>
+                                      </p:cBhvr>
+                                    </p:animEffect>
                                   </p:childTnLst>
                                 </p:cTn>
                               </p:par>
@@ -12929,9 +14295,6 @@
         </p:cTn>
       </p:par>
     </p:tnLst>
-    <p:bldLst>
-      <p:bldP spid="4" grpId="0" build="p"/>
-    </p:bldLst>
   </p:timing>
 </p:sld>
 </file>
@@ -12972,45 +14335,38 @@
           </a:p>
         </p:txBody>
       </p:sp>
-      <p:sp>
-        <p:nvSpPr>
-          <p:cNvPr id="3" name="TextBox 2"/>
-          <p:cNvSpPr txBox="1"/>
+      <p:pic>
+        <p:nvPicPr>
+          <p:cNvPr id="1026" name="Picture 2"/>
+          <p:cNvPicPr>
+            <a:picLocks noChangeAspect="1" noChangeArrowheads="1"/>
+          </p:cNvPicPr>
           <p:nvPr/>
-        </p:nvSpPr>
-        <p:spPr>
+        </p:nvPicPr>
+        <p:blipFill>
+          <a:blip r:embed="rId2" cstate="print"/>
+          <a:srcRect/>
+          <a:stretch>
+            <a:fillRect/>
+          </a:stretch>
+        </p:blipFill>
+        <p:spPr bwMode="auto">
           <a:xfrm>
-            <a:off x="899593" y="1345332"/>
-            <a:ext cx="7920880" cy="2246769"/>
+            <a:off x="2073275" y="549275"/>
+            <a:ext cx="4997450" cy="4616450"/>
           </a:xfrm>
           <a:prstGeom prst="rect">
             <a:avLst/>
           </a:prstGeom>
           <a:noFill/>
+          <a:ln w="9525">
+            <a:noFill/>
+            <a:miter lim="800000"/>
+            <a:headEnd/>
+            <a:tailEnd/>
+          </a:ln>
         </p:spPr>
-        <p:txBody>
-          <a:bodyPr wrap="square" rtlCol="0">
-            <a:spAutoFit/>
-          </a:bodyPr>
-          <a:lstStyle/>
-          <a:p>
-            <a:r>
-              <a:rPr lang="en-US" altLang="zh-CN" sz="2800" dirty="0" smtClean="0"/>
-              <a:t>If it is your first time to configure the environment, you should type the root path of the NDK,SDK,ANT, COCOS_CONSOLE_ROOT.</a:t>
-            </a:r>
-          </a:p>
-          <a:p>
-            <a:endParaRPr lang="en-US" altLang="zh-CN" sz="2800" dirty="0" smtClean="0"/>
-          </a:p>
-          <a:p>
-            <a:r>
-              <a:rPr lang="en-US" altLang="zh-CN" sz="2800" dirty="0" smtClean="0"/>
-              <a:t>Otherwise you can skip this step.</a:t>
-            </a:r>
-            <a:endParaRPr lang="zh-CN" altLang="en-US" sz="2800" dirty="0"/>
-          </a:p>
-        </p:txBody>
-      </p:sp>
+      </p:pic>
     </p:spTree>
   </p:cSld>
   <p:clrMapOvr>
@@ -13038,7 +14394,7 @@
                             </p:stCondLst>
                             <p:childTnLst>
                               <p:par>
-                                <p:cTn id="5" presetID="2" presetClass="entr" presetSubtype="4" fill="hold" grpId="0" nodeType="clickEffect">
+                                <p:cTn id="5" presetID="22" presetClass="entr" presetSubtype="4" fill="hold" nodeType="clickEffect">
                                   <p:stCondLst>
                                     <p:cond delay="0"/>
                                   </p:stCondLst>
@@ -13051,11 +14407,7 @@
                                           </p:stCondLst>
                                         </p:cTn>
                                         <p:tgtEl>
-                                          <p:spTgt spid="3">
-                                            <p:txEl>
-                                              <p:pRg st="0" end="0"/>
-                                            </p:txEl>
-                                          </p:spTgt>
+                                          <p:spTgt spid="1026"/>
                                         </p:tgtEl>
                                         <p:attrNameLst>
                                           <p:attrName>style.visibility</p:attrName>
@@ -13065,163 +14417,14 @@
                                         <p:strVal val="visible"/>
                                       </p:to>
                                     </p:set>
-                                    <p:anim calcmode="lin" valueType="num">
-                                      <p:cBhvr additive="base">
-                                        <p:cTn id="7" dur="500" fill="hold"/>
-                                        <p:tgtEl>
-                                          <p:spTgt spid="3">
-                                            <p:txEl>
-                                              <p:pRg st="0" end="0"/>
-                                            </p:txEl>
-                                          </p:spTgt>
-                                        </p:tgtEl>
-                                        <p:attrNameLst>
-                                          <p:attrName>ppt_x</p:attrName>
-                                        </p:attrNameLst>
-                                      </p:cBhvr>
-                                      <p:tavLst>
-                                        <p:tav tm="0">
-                                          <p:val>
-                                            <p:strVal val="#ppt_x"/>
-                                          </p:val>
-                                        </p:tav>
-                                        <p:tav tm="100000">
-                                          <p:val>
-                                            <p:strVal val="#ppt_x"/>
-                                          </p:val>
-                                        </p:tav>
-                                      </p:tavLst>
-                                    </p:anim>
-                                    <p:anim calcmode="lin" valueType="num">
-                                      <p:cBhvr additive="base">
-                                        <p:cTn id="8" dur="500" fill="hold"/>
-                                        <p:tgtEl>
-                                          <p:spTgt spid="3">
-                                            <p:txEl>
-                                              <p:pRg st="0" end="0"/>
-                                            </p:txEl>
-                                          </p:spTgt>
-                                        </p:tgtEl>
-                                        <p:attrNameLst>
-                                          <p:attrName>ppt_y</p:attrName>
-                                        </p:attrNameLst>
-                                      </p:cBhvr>
-                                      <p:tavLst>
-                                        <p:tav tm="0">
-                                          <p:val>
-                                            <p:strVal val="1+#ppt_h/2"/>
-                                          </p:val>
-                                        </p:tav>
-                                        <p:tav tm="100000">
-                                          <p:val>
-                                            <p:strVal val="#ppt_y"/>
-                                          </p:val>
-                                        </p:tav>
-                                      </p:tavLst>
-                                    </p:anim>
-                                  </p:childTnLst>
-                                </p:cTn>
-                              </p:par>
-                            </p:childTnLst>
-                          </p:cTn>
-                        </p:par>
-                      </p:childTnLst>
-                    </p:cTn>
-                  </p:par>
-                  <p:par>
-                    <p:cTn id="9" fill="hold">
-                      <p:stCondLst>
-                        <p:cond delay="indefinite"/>
-                      </p:stCondLst>
-                      <p:childTnLst>
-                        <p:par>
-                          <p:cTn id="10" fill="hold">
-                            <p:stCondLst>
-                              <p:cond delay="0"/>
-                            </p:stCondLst>
-                            <p:childTnLst>
-                              <p:par>
-                                <p:cTn id="11" presetID="2" presetClass="entr" presetSubtype="4" fill="hold" grpId="0" nodeType="clickEffect">
-                                  <p:stCondLst>
-                                    <p:cond delay="0"/>
-                                  </p:stCondLst>
-                                  <p:childTnLst>
-                                    <p:set>
+                                    <p:animEffect transition="in" filter="wipe(down)">
                                       <p:cBhvr>
-                                        <p:cTn id="12" dur="1" fill="hold">
-                                          <p:stCondLst>
-                                            <p:cond delay="0"/>
-                                          </p:stCondLst>
-                                        </p:cTn>
-                                        <p:tgtEl>
-                                          <p:spTgt spid="3">
-                                            <p:txEl>
-                                              <p:pRg st="2" end="2"/>
-                                            </p:txEl>
-                                          </p:spTgt>
-                                        </p:tgtEl>
-                                        <p:attrNameLst>
-                                          <p:attrName>style.visibility</p:attrName>
-                                        </p:attrNameLst>
-                                      </p:cBhvr>
-                                      <p:to>
-                                        <p:strVal val="visible"/>
-                                      </p:to>
-                                    </p:set>
-                                    <p:anim calcmode="lin" valueType="num">
-                                      <p:cBhvr additive="base">
-                                        <p:cTn id="13" dur="500" fill="hold"/>
-                                        <p:tgtEl>
-                                          <p:spTgt spid="3">
-                                            <p:txEl>
-                                              <p:pRg st="2" end="2"/>
-                                            </p:txEl>
-                                          </p:spTgt>
-                                        </p:tgtEl>
-                                        <p:attrNameLst>
-                                          <p:attrName>ppt_x</p:attrName>
-                                        </p:attrNameLst>
-                                      </p:cBhvr>
-                                      <p:tavLst>
-                                        <p:tav tm="0">
-                                          <p:val>
-                                            <p:strVal val="#ppt_x"/>
-                                          </p:val>
-                                        </p:tav>
-                                        <p:tav tm="100000">
-                                          <p:val>
-                                            <p:strVal val="#ppt_x"/>
-                                          </p:val>
-                                        </p:tav>
-                                      </p:tavLst>
-                                    </p:anim>
-                                    <p:anim calcmode="lin" valueType="num">
-                                      <p:cBhvr additive="base">
-                                        <p:cTn id="14" dur="500" fill="hold"/>
-                                        <p:tgtEl>
-                                          <p:spTgt spid="3">
-                                            <p:txEl>
-                                              <p:pRg st="2" end="2"/>
-                                            </p:txEl>
-                                          </p:spTgt>
-                                        </p:tgtEl>
-                                        <p:attrNameLst>
-                                          <p:attrName>ppt_y</p:attrName>
-                                        </p:attrNameLst>
-                                      </p:cBhvr>
-                                      <p:tavLst>
-                                        <p:tav tm="0">
-                                          <p:val>
-                                            <p:strVal val="1+#ppt_h/2"/>
-                                          </p:val>
-                                        </p:tav>
-                                        <p:tav tm="100000">
-                                          <p:val>
-                                            <p:strVal val="#ppt_y"/>
-                                          </p:val>
-                                        </p:tav>
-                                      </p:tavLst>
-                                    </p:anim>
+                                        <p:cTn id="7" dur="500"/>
+                                        <p:tgtEl>
+                                          <p:spTgt spid="1026"/>
+                                        </p:tgtEl>
+                                      </p:cBhvr>
+                                    </p:animEffect>
                                   </p:childTnLst>
                                 </p:cTn>
                               </p:par>
@@ -13252,9 +14455,6 @@
         </p:cTn>
       </p:par>
     </p:tnLst>
-    <p:bldLst>
-      <p:bldP spid="3" grpId="0" build="p"/>
-    </p:bldLst>
   </p:timing>
 </p:sld>
 </file>

--- a/Android.pptx
+++ b/Android.pptx
@@ -5,71 +5,72 @@
     <p:sldMasterId id="2147483648" r:id="rId1"/>
   </p:sldMasterIdLst>
   <p:notesMasterIdLst>
-    <p:notesMasterId r:id="rId31"/>
+    <p:notesMasterId r:id="rId32"/>
   </p:notesMasterIdLst>
   <p:handoutMasterIdLst>
-    <p:handoutMasterId r:id="rId32"/>
+    <p:handoutMasterId r:id="rId33"/>
   </p:handoutMasterIdLst>
   <p:sldIdLst>
     <p:sldId id="256" r:id="rId2"/>
     <p:sldId id="257" r:id="rId3"/>
     <p:sldId id="275" r:id="rId4"/>
-    <p:sldId id="271" r:id="rId5"/>
-    <p:sldId id="270" r:id="rId6"/>
-    <p:sldId id="272" r:id="rId7"/>
-    <p:sldId id="273" r:id="rId8"/>
-    <p:sldId id="292" r:id="rId9"/>
-    <p:sldId id="291" r:id="rId10"/>
-    <p:sldId id="293" r:id="rId11"/>
-    <p:sldId id="294" r:id="rId12"/>
-    <p:sldId id="295" r:id="rId13"/>
-    <p:sldId id="274" r:id="rId14"/>
-    <p:sldId id="277" r:id="rId15"/>
-    <p:sldId id="276" r:id="rId16"/>
-    <p:sldId id="278" r:id="rId17"/>
-    <p:sldId id="279" r:id="rId18"/>
-    <p:sldId id="280" r:id="rId19"/>
-    <p:sldId id="281" r:id="rId20"/>
-    <p:sldId id="290" r:id="rId21"/>
-    <p:sldId id="282" r:id="rId22"/>
-    <p:sldId id="283" r:id="rId23"/>
-    <p:sldId id="284" r:id="rId24"/>
-    <p:sldId id="285" r:id="rId25"/>
-    <p:sldId id="289" r:id="rId26"/>
-    <p:sldId id="286" r:id="rId27"/>
-    <p:sldId id="287" r:id="rId28"/>
-    <p:sldId id="288" r:id="rId29"/>
-    <p:sldId id="269" r:id="rId30"/>
+    <p:sldId id="296" r:id="rId5"/>
+    <p:sldId id="271" r:id="rId6"/>
+    <p:sldId id="270" r:id="rId7"/>
+    <p:sldId id="272" r:id="rId8"/>
+    <p:sldId id="273" r:id="rId9"/>
+    <p:sldId id="292" r:id="rId10"/>
+    <p:sldId id="291" r:id="rId11"/>
+    <p:sldId id="293" r:id="rId12"/>
+    <p:sldId id="294" r:id="rId13"/>
+    <p:sldId id="295" r:id="rId14"/>
+    <p:sldId id="274" r:id="rId15"/>
+    <p:sldId id="277" r:id="rId16"/>
+    <p:sldId id="276" r:id="rId17"/>
+    <p:sldId id="278" r:id="rId18"/>
+    <p:sldId id="279" r:id="rId19"/>
+    <p:sldId id="280" r:id="rId20"/>
+    <p:sldId id="281" r:id="rId21"/>
+    <p:sldId id="290" r:id="rId22"/>
+    <p:sldId id="282" r:id="rId23"/>
+    <p:sldId id="283" r:id="rId24"/>
+    <p:sldId id="284" r:id="rId25"/>
+    <p:sldId id="285" r:id="rId26"/>
+    <p:sldId id="289" r:id="rId27"/>
+    <p:sldId id="286" r:id="rId28"/>
+    <p:sldId id="287" r:id="rId29"/>
+    <p:sldId id="288" r:id="rId30"/>
+    <p:sldId id="269" r:id="rId31"/>
   </p:sldIdLst>
   <p:sldSz cx="9144000" cy="5715000" type="screen16x10"/>
   <p:notesSz cx="6858000" cy="9144000"/>
   <p:embeddedFontLst>
     <p:embeddedFont>
       <p:font typeface="DIN 1451 Engschrift"/>
-      <p:regular r:id="rId33"/>
+      <p:regular r:id="rId34"/>
     </p:embeddedFont>
     <p:embeddedFont>
       <p:font typeface="Calibri" pitchFamily="34" charset="0"/>
-      <p:regular r:id="rId34"/>
-      <p:bold r:id="rId35"/>
-      <p:italic r:id="rId36"/>
-      <p:boldItalic r:id="rId37"/>
+      <p:regular r:id="rId35"/>
+      <p:bold r:id="rId36"/>
+      <p:italic r:id="rId37"/>
+      <p:boldItalic r:id="rId38"/>
     </p:embeddedFont>
     <p:embeddedFont>
       <p:font typeface="DIN 1451 Mittelschrift"/>
-      <p:regular r:id="rId38"/>
+      <p:regular r:id="rId39"/>
     </p:embeddedFont>
     <p:embeddedFont>
       <p:font typeface="Batang" pitchFamily="18" charset="-127"/>
-      <p:regular r:id="rId39"/>
+      <p:regular r:id="rId40"/>
     </p:embeddedFont>
     <p:embeddedFont>
       <p:font typeface="Aharoni" pitchFamily="2" charset="-79"/>
-      <p:bold r:id="rId40"/>
+      <p:bold r:id="rId41"/>
     </p:embeddedFont>
     <p:embeddedFont>
       <p:font typeface="tartarsauce_erc" charset="0"/>
-      <p:regular r:id="rId41"/>
+      <p:regular r:id="rId42"/>
     </p:embeddedFont>
   </p:embeddedFontLst>
   <p:defaultTextStyle>
@@ -1124,7 +1125,7 @@
               <a:pPr>
                 <a:defRPr/>
               </a:pPr>
-              <a:t>4</a:t>
+              <a:t>5</a:t>
             </a:fld>
             <a:endParaRPr lang="zh-CN" altLang="en-US"/>
           </a:p>
@@ -1211,7 +1212,7 @@
               <a:pPr>
                 <a:defRPr/>
               </a:pPr>
-              <a:t>6</a:t>
+              <a:t>7</a:t>
             </a:fld>
             <a:endParaRPr lang="zh-CN" altLang="en-US"/>
           </a:p>
@@ -1298,7 +1299,7 @@
               <a:pPr>
                 <a:defRPr/>
               </a:pPr>
-              <a:t>7</a:t>
+              <a:t>8</a:t>
             </a:fld>
             <a:endParaRPr lang="zh-CN" altLang="en-US"/>
           </a:p>
@@ -1385,7 +1386,7 @@
               <a:pPr>
                 <a:defRPr/>
               </a:pPr>
-              <a:t>13</a:t>
+              <a:t>14</a:t>
             </a:fld>
             <a:endParaRPr lang="zh-CN" altLang="en-US"/>
           </a:p>
@@ -1472,7 +1473,7 @@
               <a:pPr>
                 <a:defRPr/>
               </a:pPr>
-              <a:t>29</a:t>
+              <a:t>30</a:t>
             </a:fld>
             <a:endParaRPr lang="zh-CN" altLang="en-US"/>
           </a:p>
@@ -4334,6 +4335,166 @@
       </p:sp>
       <p:pic>
         <p:nvPicPr>
+          <p:cNvPr id="1026" name="Picture 2"/>
+          <p:cNvPicPr>
+            <a:picLocks noChangeAspect="1" noChangeArrowheads="1"/>
+          </p:cNvPicPr>
+          <p:nvPr/>
+        </p:nvPicPr>
+        <p:blipFill>
+          <a:blip r:embed="rId2" cstate="print"/>
+          <a:srcRect/>
+          <a:stretch>
+            <a:fillRect/>
+          </a:stretch>
+        </p:blipFill>
+        <p:spPr bwMode="auto">
+          <a:xfrm>
+            <a:off x="2073275" y="549275"/>
+            <a:ext cx="4997450" cy="4616450"/>
+          </a:xfrm>
+          <a:prstGeom prst="rect">
+            <a:avLst/>
+          </a:prstGeom>
+          <a:noFill/>
+          <a:ln w="9525">
+            <a:noFill/>
+            <a:miter lim="800000"/>
+            <a:headEnd/>
+            <a:tailEnd/>
+          </a:ln>
+        </p:spPr>
+      </p:pic>
+    </p:spTree>
+  </p:cSld>
+  <p:clrMapOvr>
+    <a:masterClrMapping/>
+  </p:clrMapOvr>
+  <p:transition/>
+  <p:timing>
+    <p:tnLst>
+      <p:par>
+        <p:cTn id="1" dur="indefinite" restart="never" nodeType="tmRoot">
+          <p:childTnLst>
+            <p:seq concurrent="1" nextAc="seek">
+              <p:cTn id="2" dur="indefinite" nodeType="mainSeq">
+                <p:childTnLst>
+                  <p:par>
+                    <p:cTn id="3" fill="hold">
+                      <p:stCondLst>
+                        <p:cond delay="indefinite"/>
+                      </p:stCondLst>
+                      <p:childTnLst>
+                        <p:par>
+                          <p:cTn id="4" fill="hold">
+                            <p:stCondLst>
+                              <p:cond delay="0"/>
+                            </p:stCondLst>
+                            <p:childTnLst>
+                              <p:par>
+                                <p:cTn id="5" presetID="22" presetClass="entr" presetSubtype="4" fill="hold" nodeType="clickEffect">
+                                  <p:stCondLst>
+                                    <p:cond delay="0"/>
+                                  </p:stCondLst>
+                                  <p:childTnLst>
+                                    <p:set>
+                                      <p:cBhvr>
+                                        <p:cTn id="6" dur="1" fill="hold">
+                                          <p:stCondLst>
+                                            <p:cond delay="0"/>
+                                          </p:stCondLst>
+                                        </p:cTn>
+                                        <p:tgtEl>
+                                          <p:spTgt spid="1026"/>
+                                        </p:tgtEl>
+                                        <p:attrNameLst>
+                                          <p:attrName>style.visibility</p:attrName>
+                                        </p:attrNameLst>
+                                      </p:cBhvr>
+                                      <p:to>
+                                        <p:strVal val="visible"/>
+                                      </p:to>
+                                    </p:set>
+                                    <p:animEffect transition="in" filter="wipe(down)">
+                                      <p:cBhvr>
+                                        <p:cTn id="7" dur="500"/>
+                                        <p:tgtEl>
+                                          <p:spTgt spid="1026"/>
+                                        </p:tgtEl>
+                                      </p:cBhvr>
+                                    </p:animEffect>
+                                  </p:childTnLst>
+                                </p:cTn>
+                              </p:par>
+                            </p:childTnLst>
+                          </p:cTn>
+                        </p:par>
+                      </p:childTnLst>
+                    </p:cTn>
+                  </p:par>
+                </p:childTnLst>
+              </p:cTn>
+              <p:prevCondLst>
+                <p:cond evt="onPrev" delay="0">
+                  <p:tgtEl>
+                    <p:sldTgt/>
+                  </p:tgtEl>
+                </p:cond>
+              </p:prevCondLst>
+              <p:nextCondLst>
+                <p:cond evt="onNext" delay="0">
+                  <p:tgtEl>
+                    <p:sldTgt/>
+                  </p:tgtEl>
+                </p:cond>
+              </p:nextCondLst>
+            </p:seq>
+          </p:childTnLst>
+        </p:cTn>
+      </p:par>
+    </p:tnLst>
+  </p:timing>
+</p:sld>
+</file>
+
+<file path=ppt/slides/slide11.xml><?xml version="1.0" encoding="utf-8"?>
+<p:sld xmlns:a="http://schemas.openxmlformats.org/drawingml/2006/main" xmlns:r="http://schemas.openxmlformats.org/officeDocument/2006/relationships" xmlns:p="http://schemas.openxmlformats.org/presentationml/2006/main">
+  <p:cSld>
+    <p:spTree>
+      <p:nvGrpSpPr>
+        <p:cNvPr id="1" name=""/>
+        <p:cNvGrpSpPr/>
+        <p:nvPr/>
+      </p:nvGrpSpPr>
+      <p:grpSpPr>
+        <a:xfrm>
+          <a:off x="0" y="0"/>
+          <a:ext cx="0" cy="0"/>
+          <a:chOff x="0" y="0"/>
+          <a:chExt cx="0" cy="0"/>
+        </a:xfrm>
+      </p:grpSpPr>
+      <p:sp>
+        <p:nvSpPr>
+          <p:cNvPr id="2" name="Title 1"/>
+          <p:cNvSpPr>
+            <a:spLocks noGrp="1"/>
+          </p:cNvSpPr>
+          <p:nvPr>
+            <p:ph type="title"/>
+          </p:nvPr>
+        </p:nvSpPr>
+        <p:spPr/>
+        <p:txBody>
+          <a:bodyPr/>
+          <a:lstStyle/>
+          <a:p>
+            <a:endParaRPr lang="zh-CN" altLang="en-US"/>
+          </a:p>
+        </p:txBody>
+      </p:sp>
+      <p:pic>
+        <p:nvPicPr>
           <p:cNvPr id="3075" name="Picture 3"/>
           <p:cNvPicPr>
             <a:picLocks noChangeAspect="1" noChangeArrowheads="1"/>
@@ -4456,7 +4617,7 @@
 </p:sld>
 </file>
 
-<file path=ppt/slides/slide11.xml><?xml version="1.0" encoding="utf-8"?>
+<file path=ppt/slides/slide12.xml><?xml version="1.0" encoding="utf-8"?>
 <p:sld xmlns:a="http://schemas.openxmlformats.org/drawingml/2006/main" xmlns:r="http://schemas.openxmlformats.org/officeDocument/2006/relationships" xmlns:p="http://schemas.openxmlformats.org/presentationml/2006/main">
   <p:cSld>
     <p:spTree>
@@ -4616,7 +4777,7 @@
 </p:sld>
 </file>
 
-<file path=ppt/slides/slide12.xml><?xml version="1.0" encoding="utf-8"?>
+<file path=ppt/slides/slide13.xml><?xml version="1.0" encoding="utf-8"?>
 <p:sld xmlns:a="http://schemas.openxmlformats.org/drawingml/2006/main" xmlns:r="http://schemas.openxmlformats.org/officeDocument/2006/relationships" xmlns:p="http://schemas.openxmlformats.org/presentationml/2006/main">
   <p:cSld>
     <p:spTree>
@@ -4676,11 +4837,7 @@
           <a:p>
             <a:r>
               <a:rPr lang="en-US" altLang="zh-CN" sz="2800" dirty="0" smtClean="0"/>
-              <a:t>Export the </a:t>
-            </a:r>
-            <a:r>
-              <a:rPr lang="en-US" altLang="zh-CN" sz="2800" dirty="0" smtClean="0"/>
-              <a:t>NDK,SDK,ANT to local address</a:t>
+              <a:t>Export the NDK,SDK,ANT to local address</a:t>
             </a:r>
             <a:endParaRPr lang="zh-CN" altLang="en-US" sz="2800" dirty="0"/>
           </a:p>
@@ -4916,7 +5073,7 @@
 </p:sld>
 </file>
 
-<file path=ppt/slides/slide13.xml><?xml version="1.0" encoding="utf-8"?>
+<file path=ppt/slides/slide14.xml><?xml version="1.0" encoding="utf-8"?>
 <p:sld xmlns:a="http://schemas.openxmlformats.org/drawingml/2006/main" xmlns:r="http://schemas.openxmlformats.org/officeDocument/2006/relationships" xmlns:p="http://schemas.openxmlformats.org/presentationml/2006/main">
   <p:cSld>
     <p:spTree>
@@ -4974,23 +5131,7 @@
           <a:p>
             <a:r>
               <a:rPr lang="en-US" altLang="zh-CN" sz="2800" dirty="0" smtClean="0"/>
-              <a:t>You can set up NDK,SDK,ANT </a:t>
-            </a:r>
-            <a:r>
-              <a:rPr lang="en-US" altLang="zh-CN" sz="2800" dirty="0" smtClean="0"/>
-              <a:t>configuration </a:t>
-            </a:r>
-            <a:r>
-              <a:rPr lang="en-US" altLang="zh-CN" sz="2800" dirty="0" smtClean="0"/>
-              <a:t>by </a:t>
-            </a:r>
-            <a:r>
-              <a:rPr lang="en-US" altLang="zh-CN" sz="2800" dirty="0" smtClean="0"/>
-              <a:t>running </a:t>
-            </a:r>
-            <a:r>
-              <a:rPr lang="en-US" altLang="zh-CN" sz="2800" dirty="0" smtClean="0"/>
-              <a:t>the setup.py in cocos2d-x root.</a:t>
+              <a:t>You can set up NDK,SDK,ANT configuration by running the setup.py in cocos2d-x root.</a:t>
             </a:r>
             <a:endParaRPr lang="zh-CN" altLang="en-US" sz="2800" dirty="0"/>
           </a:p>
@@ -5367,7 +5508,7 @@
 </p:sld>
 </file>
 
-<file path=ppt/slides/slide14.xml><?xml version="1.0" encoding="utf-8"?>
+<file path=ppt/slides/slide15.xml><?xml version="1.0" encoding="utf-8"?>
 <p:sld xmlns:a="http://schemas.openxmlformats.org/drawingml/2006/main" xmlns:r="http://schemas.openxmlformats.org/officeDocument/2006/relationships" xmlns:p="http://schemas.openxmlformats.org/presentationml/2006/main">
   <p:cSld>
     <p:spTree>
@@ -5690,7 +5831,7 @@
 </p:sld>
 </file>
 
-<file path=ppt/slides/slide15.xml><?xml version="1.0" encoding="utf-8"?>
+<file path=ppt/slides/slide16.xml><?xml version="1.0" encoding="utf-8"?>
 <p:sld xmlns:a="http://schemas.openxmlformats.org/drawingml/2006/main" xmlns:r="http://schemas.openxmlformats.org/officeDocument/2006/relationships" xmlns:p="http://schemas.openxmlformats.org/presentationml/2006/main">
   <p:cSld>
     <p:spTree>
@@ -5973,7 +6114,7 @@
 </p:sld>
 </file>
 
-<file path=ppt/slides/slide16.xml><?xml version="1.0" encoding="utf-8"?>
+<file path=ppt/slides/slide17.xml><?xml version="1.0" encoding="utf-8"?>
 <p:sld xmlns:a="http://schemas.openxmlformats.org/drawingml/2006/main" xmlns:r="http://schemas.openxmlformats.org/officeDocument/2006/relationships" xmlns:p="http://schemas.openxmlformats.org/presentationml/2006/main">
   <p:cSld>
     <p:spTree>
@@ -6217,7 +6358,7 @@
 </p:sld>
 </file>
 
-<file path=ppt/slides/slide17.xml><?xml version="1.0" encoding="utf-8"?>
+<file path=ppt/slides/slide18.xml><?xml version="1.0" encoding="utf-8"?>
 <p:sld xmlns:a="http://schemas.openxmlformats.org/drawingml/2006/main" xmlns:r="http://schemas.openxmlformats.org/officeDocument/2006/relationships" xmlns:p="http://schemas.openxmlformats.org/presentationml/2006/main">
   <p:cSld>
     <p:spTree>
@@ -6538,7 +6679,7 @@
 </p:sld>
 </file>
 
-<file path=ppt/slides/slide18.xml><?xml version="1.0" encoding="utf-8"?>
+<file path=ppt/slides/slide19.xml><?xml version="1.0" encoding="utf-8"?>
 <p:sld xmlns:a="http://schemas.openxmlformats.org/drawingml/2006/main" xmlns:r="http://schemas.openxmlformats.org/officeDocument/2006/relationships" xmlns:p="http://schemas.openxmlformats.org/presentationml/2006/main">
   <p:cSld>
     <p:spTree>
@@ -6915,828 +7056,6 @@
                                           <p:spTgt spid="3">
                                             <p:txEl>
                                               <p:pRg st="3" end="3"/>
-                                            </p:txEl>
-                                          </p:spTgt>
-                                        </p:tgtEl>
-                                        <p:attrNameLst>
-                                          <p:attrName>ppt_y</p:attrName>
-                                        </p:attrNameLst>
-                                      </p:cBhvr>
-                                      <p:tavLst>
-                                        <p:tav tm="0">
-                                          <p:val>
-                                            <p:strVal val="1+#ppt_h/2"/>
-                                          </p:val>
-                                        </p:tav>
-                                        <p:tav tm="100000">
-                                          <p:val>
-                                            <p:strVal val="#ppt_y"/>
-                                          </p:val>
-                                        </p:tav>
-                                      </p:tavLst>
-                                    </p:anim>
-                                  </p:childTnLst>
-                                </p:cTn>
-                              </p:par>
-                            </p:childTnLst>
-                          </p:cTn>
-                        </p:par>
-                      </p:childTnLst>
-                    </p:cTn>
-                  </p:par>
-                </p:childTnLst>
-              </p:cTn>
-              <p:prevCondLst>
-                <p:cond evt="onPrev" delay="0">
-                  <p:tgtEl>
-                    <p:sldTgt/>
-                  </p:tgtEl>
-                </p:cond>
-              </p:prevCondLst>
-              <p:nextCondLst>
-                <p:cond evt="onNext" delay="0">
-                  <p:tgtEl>
-                    <p:sldTgt/>
-                  </p:tgtEl>
-                </p:cond>
-              </p:nextCondLst>
-            </p:seq>
-          </p:childTnLst>
-        </p:cTn>
-      </p:par>
-    </p:tnLst>
-    <p:bldLst>
-      <p:bldP spid="3" grpId="0" build="p"/>
-    </p:bldLst>
-  </p:timing>
-</p:sld>
-</file>
-
-<file path=ppt/slides/slide19.xml><?xml version="1.0" encoding="utf-8"?>
-<p:sld xmlns:a="http://schemas.openxmlformats.org/drawingml/2006/main" xmlns:r="http://schemas.openxmlformats.org/officeDocument/2006/relationships" xmlns:p="http://schemas.openxmlformats.org/presentationml/2006/main">
-  <p:cSld>
-    <p:spTree>
-      <p:nvGrpSpPr>
-        <p:cNvPr id="1" name=""/>
-        <p:cNvGrpSpPr/>
-        <p:nvPr/>
-      </p:nvGrpSpPr>
-      <p:grpSpPr>
-        <a:xfrm>
-          <a:off x="0" y="0"/>
-          <a:ext cx="0" cy="0"/>
-          <a:chOff x="0" y="0"/>
-          <a:chExt cx="0" cy="0"/>
-        </a:xfrm>
-      </p:grpSpPr>
-      <p:sp>
-        <p:nvSpPr>
-          <p:cNvPr id="2" name="Title 1"/>
-          <p:cNvSpPr>
-            <a:spLocks noGrp="1"/>
-          </p:cNvSpPr>
-          <p:nvPr>
-            <p:ph type="title"/>
-          </p:nvPr>
-        </p:nvSpPr>
-        <p:spPr/>
-        <p:txBody>
-          <a:bodyPr/>
-          <a:lstStyle/>
-          <a:p>
-            <a:endParaRPr lang="zh-CN" altLang="en-US"/>
-          </a:p>
-        </p:txBody>
-      </p:sp>
-      <p:sp>
-        <p:nvSpPr>
-          <p:cNvPr id="3" name="TextBox 2"/>
-          <p:cNvSpPr txBox="1"/>
-          <p:nvPr/>
-        </p:nvSpPr>
-        <p:spPr>
-          <a:xfrm>
-            <a:off x="827584" y="697260"/>
-            <a:ext cx="7920880" cy="5047536"/>
-          </a:xfrm>
-          <a:prstGeom prst="rect">
-            <a:avLst/>
-          </a:prstGeom>
-          <a:noFill/>
-        </p:spPr>
-        <p:txBody>
-          <a:bodyPr wrap="square" rtlCol="0">
-            <a:spAutoFit/>
-          </a:bodyPr>
-          <a:lstStyle/>
-          <a:p>
-            <a:r>
-              <a:rPr lang="en-US" altLang="zh-CN" sz="2800" dirty="0" smtClean="0"/>
-              <a:t>4</a:t>
-            </a:r>
-            <a:r>
-              <a:rPr lang="zh-CN" altLang="en-US" sz="2800" dirty="0" smtClean="0"/>
-              <a:t>、</a:t>
-            </a:r>
-            <a:r>
-              <a:rPr lang="en-US" altLang="zh-CN" sz="2800" dirty="0" smtClean="0"/>
-              <a:t>Create a new project</a:t>
-            </a:r>
-          </a:p>
-          <a:p>
-            <a:endParaRPr lang="en-US" altLang="zh-CN" sz="2800" dirty="0" smtClean="0"/>
-          </a:p>
-          <a:p>
-            <a:r>
-              <a:rPr lang="en-US" altLang="zh-CN" sz="2800" dirty="0" err="1" smtClean="0"/>
-              <a:t>cocos</a:t>
-            </a:r>
-            <a:r>
-              <a:rPr lang="en-US" altLang="zh-CN" sz="2800" dirty="0" smtClean="0"/>
-              <a:t> new </a:t>
-            </a:r>
-          </a:p>
-          <a:p>
-            <a:endParaRPr lang="en-US" altLang="zh-CN" sz="2800" dirty="0" smtClean="0"/>
-          </a:p>
-          <a:p>
-            <a:r>
-              <a:rPr lang="en-US" altLang="zh-CN" sz="2800" dirty="0" smtClean="0"/>
-              <a:t>usage: </a:t>
-            </a:r>
-            <a:r>
-              <a:rPr lang="en-US" altLang="zh-CN" sz="2800" dirty="0" err="1" smtClean="0"/>
-              <a:t>cocos</a:t>
-            </a:r>
-            <a:r>
-              <a:rPr lang="en-US" altLang="zh-CN" sz="2800" dirty="0" smtClean="0"/>
-              <a:t> new [-h] [-p PACKAGE_NAME] -l {</a:t>
-            </a:r>
-            <a:r>
-              <a:rPr lang="en-US" altLang="zh-CN" sz="2800" dirty="0" err="1" smtClean="0"/>
-              <a:t>cpp,lua,js</a:t>
-            </a:r>
-            <a:r>
-              <a:rPr lang="en-US" altLang="zh-CN" sz="2800" dirty="0" smtClean="0"/>
-              <a:t>} [-d DIRECTORY]</a:t>
-            </a:r>
-          </a:p>
-          <a:p>
-            <a:r>
-              <a:rPr lang="en-US" altLang="zh-CN" sz="2800" dirty="0" smtClean="0"/>
-              <a:t>                 [-t TEMPLATE_NAME] [--no-native]</a:t>
-            </a:r>
-          </a:p>
-          <a:p>
-            <a:r>
-              <a:rPr lang="en-US" altLang="zh-CN" sz="2800" dirty="0" smtClean="0"/>
-              <a:t>                 [PROJECT_NAME]</a:t>
-            </a:r>
-          </a:p>
-          <a:p>
-            <a:endParaRPr lang="en-US" altLang="zh-CN" sz="2800" dirty="0" smtClean="0"/>
-          </a:p>
-          <a:p>
-            <a:r>
-              <a:rPr lang="en-US" altLang="zh-CN" sz="1400" dirty="0" smtClean="0"/>
-              <a:t>F:cocos2dx&gt;</a:t>
-            </a:r>
-            <a:r>
-              <a:rPr lang="en-US" altLang="zh-CN" sz="1400" dirty="0" err="1" smtClean="0"/>
-              <a:t>cocos</a:t>
-            </a:r>
-            <a:r>
-              <a:rPr lang="en-US" altLang="zh-CN" sz="1400" dirty="0" smtClean="0"/>
-              <a:t> new mygame1 -p </a:t>
-            </a:r>
-            <a:r>
-              <a:rPr lang="en-US" altLang="zh-CN" sz="1400" dirty="0" err="1" smtClean="0"/>
-              <a:t>com.virtuos</a:t>
-            </a:r>
-            <a:r>
-              <a:rPr lang="en-US" altLang="zh-CN" sz="1400" dirty="0" smtClean="0"/>
-              <a:t> -l </a:t>
-            </a:r>
-            <a:r>
-              <a:rPr lang="en-US" altLang="zh-CN" sz="1400" dirty="0" err="1" smtClean="0"/>
-              <a:t>js</a:t>
-            </a:r>
-            <a:r>
-              <a:rPr lang="en-US" altLang="zh-CN" sz="1400" dirty="0" smtClean="0"/>
-              <a:t> -d f:cocos2dxmbgame</a:t>
-            </a:r>
-          </a:p>
-          <a:p>
-            <a:endParaRPr lang="en-US" altLang="zh-CN" sz="2800" dirty="0" smtClean="0"/>
-          </a:p>
-          <a:p>
-            <a:endParaRPr lang="zh-CN" altLang="en-US" sz="2800" dirty="0"/>
-          </a:p>
-        </p:txBody>
-      </p:sp>
-    </p:spTree>
-  </p:cSld>
-  <p:clrMapOvr>
-    <a:masterClrMapping/>
-  </p:clrMapOvr>
-  <p:transition/>
-  <p:timing>
-    <p:tnLst>
-      <p:par>
-        <p:cTn id="1" dur="indefinite" restart="never" nodeType="tmRoot">
-          <p:childTnLst>
-            <p:seq concurrent="1" nextAc="seek">
-              <p:cTn id="2" dur="indefinite" nodeType="mainSeq">
-                <p:childTnLst>
-                  <p:par>
-                    <p:cTn id="3" fill="hold">
-                      <p:stCondLst>
-                        <p:cond delay="indefinite"/>
-                      </p:stCondLst>
-                      <p:childTnLst>
-                        <p:par>
-                          <p:cTn id="4" fill="hold">
-                            <p:stCondLst>
-                              <p:cond delay="0"/>
-                            </p:stCondLst>
-                            <p:childTnLst>
-                              <p:par>
-                                <p:cTn id="5" presetID="2" presetClass="entr" presetSubtype="4" fill="hold" grpId="0" nodeType="clickEffect">
-                                  <p:stCondLst>
-                                    <p:cond delay="0"/>
-                                  </p:stCondLst>
-                                  <p:childTnLst>
-                                    <p:set>
-                                      <p:cBhvr>
-                                        <p:cTn id="6" dur="1" fill="hold">
-                                          <p:stCondLst>
-                                            <p:cond delay="0"/>
-                                          </p:stCondLst>
-                                        </p:cTn>
-                                        <p:tgtEl>
-                                          <p:spTgt spid="3">
-                                            <p:txEl>
-                                              <p:pRg st="0" end="0"/>
-                                            </p:txEl>
-                                          </p:spTgt>
-                                        </p:tgtEl>
-                                        <p:attrNameLst>
-                                          <p:attrName>style.visibility</p:attrName>
-                                        </p:attrNameLst>
-                                      </p:cBhvr>
-                                      <p:to>
-                                        <p:strVal val="visible"/>
-                                      </p:to>
-                                    </p:set>
-                                    <p:anim calcmode="lin" valueType="num">
-                                      <p:cBhvr additive="base">
-                                        <p:cTn id="7" dur="500" fill="hold"/>
-                                        <p:tgtEl>
-                                          <p:spTgt spid="3">
-                                            <p:txEl>
-                                              <p:pRg st="0" end="0"/>
-                                            </p:txEl>
-                                          </p:spTgt>
-                                        </p:tgtEl>
-                                        <p:attrNameLst>
-                                          <p:attrName>ppt_x</p:attrName>
-                                        </p:attrNameLst>
-                                      </p:cBhvr>
-                                      <p:tavLst>
-                                        <p:tav tm="0">
-                                          <p:val>
-                                            <p:strVal val="#ppt_x"/>
-                                          </p:val>
-                                        </p:tav>
-                                        <p:tav tm="100000">
-                                          <p:val>
-                                            <p:strVal val="#ppt_x"/>
-                                          </p:val>
-                                        </p:tav>
-                                      </p:tavLst>
-                                    </p:anim>
-                                    <p:anim calcmode="lin" valueType="num">
-                                      <p:cBhvr additive="base">
-                                        <p:cTn id="8" dur="500" fill="hold"/>
-                                        <p:tgtEl>
-                                          <p:spTgt spid="3">
-                                            <p:txEl>
-                                              <p:pRg st="0" end="0"/>
-                                            </p:txEl>
-                                          </p:spTgt>
-                                        </p:tgtEl>
-                                        <p:attrNameLst>
-                                          <p:attrName>ppt_y</p:attrName>
-                                        </p:attrNameLst>
-                                      </p:cBhvr>
-                                      <p:tavLst>
-                                        <p:tav tm="0">
-                                          <p:val>
-                                            <p:strVal val="1+#ppt_h/2"/>
-                                          </p:val>
-                                        </p:tav>
-                                        <p:tav tm="100000">
-                                          <p:val>
-                                            <p:strVal val="#ppt_y"/>
-                                          </p:val>
-                                        </p:tav>
-                                      </p:tavLst>
-                                    </p:anim>
-                                  </p:childTnLst>
-                                </p:cTn>
-                              </p:par>
-                            </p:childTnLst>
-                          </p:cTn>
-                        </p:par>
-                      </p:childTnLst>
-                    </p:cTn>
-                  </p:par>
-                  <p:par>
-                    <p:cTn id="9" fill="hold">
-                      <p:stCondLst>
-                        <p:cond delay="indefinite"/>
-                      </p:stCondLst>
-                      <p:childTnLst>
-                        <p:par>
-                          <p:cTn id="10" fill="hold">
-                            <p:stCondLst>
-                              <p:cond delay="0"/>
-                            </p:stCondLst>
-                            <p:childTnLst>
-                              <p:par>
-                                <p:cTn id="11" presetID="2" presetClass="entr" presetSubtype="4" fill="hold" grpId="0" nodeType="clickEffect">
-                                  <p:stCondLst>
-                                    <p:cond delay="0"/>
-                                  </p:stCondLst>
-                                  <p:childTnLst>
-                                    <p:set>
-                                      <p:cBhvr>
-                                        <p:cTn id="12" dur="1" fill="hold">
-                                          <p:stCondLst>
-                                            <p:cond delay="0"/>
-                                          </p:stCondLst>
-                                        </p:cTn>
-                                        <p:tgtEl>
-                                          <p:spTgt spid="3">
-                                            <p:txEl>
-                                              <p:pRg st="2" end="2"/>
-                                            </p:txEl>
-                                          </p:spTgt>
-                                        </p:tgtEl>
-                                        <p:attrNameLst>
-                                          <p:attrName>style.visibility</p:attrName>
-                                        </p:attrNameLst>
-                                      </p:cBhvr>
-                                      <p:to>
-                                        <p:strVal val="visible"/>
-                                      </p:to>
-                                    </p:set>
-                                    <p:anim calcmode="lin" valueType="num">
-                                      <p:cBhvr additive="base">
-                                        <p:cTn id="13" dur="500" fill="hold"/>
-                                        <p:tgtEl>
-                                          <p:spTgt spid="3">
-                                            <p:txEl>
-                                              <p:pRg st="2" end="2"/>
-                                            </p:txEl>
-                                          </p:spTgt>
-                                        </p:tgtEl>
-                                        <p:attrNameLst>
-                                          <p:attrName>ppt_x</p:attrName>
-                                        </p:attrNameLst>
-                                      </p:cBhvr>
-                                      <p:tavLst>
-                                        <p:tav tm="0">
-                                          <p:val>
-                                            <p:strVal val="#ppt_x"/>
-                                          </p:val>
-                                        </p:tav>
-                                        <p:tav tm="100000">
-                                          <p:val>
-                                            <p:strVal val="#ppt_x"/>
-                                          </p:val>
-                                        </p:tav>
-                                      </p:tavLst>
-                                    </p:anim>
-                                    <p:anim calcmode="lin" valueType="num">
-                                      <p:cBhvr additive="base">
-                                        <p:cTn id="14" dur="500" fill="hold"/>
-                                        <p:tgtEl>
-                                          <p:spTgt spid="3">
-                                            <p:txEl>
-                                              <p:pRg st="2" end="2"/>
-                                            </p:txEl>
-                                          </p:spTgt>
-                                        </p:tgtEl>
-                                        <p:attrNameLst>
-                                          <p:attrName>ppt_y</p:attrName>
-                                        </p:attrNameLst>
-                                      </p:cBhvr>
-                                      <p:tavLst>
-                                        <p:tav tm="0">
-                                          <p:val>
-                                            <p:strVal val="1+#ppt_h/2"/>
-                                          </p:val>
-                                        </p:tav>
-                                        <p:tav tm="100000">
-                                          <p:val>
-                                            <p:strVal val="#ppt_y"/>
-                                          </p:val>
-                                        </p:tav>
-                                      </p:tavLst>
-                                    </p:anim>
-                                  </p:childTnLst>
-                                </p:cTn>
-                              </p:par>
-                            </p:childTnLst>
-                          </p:cTn>
-                        </p:par>
-                      </p:childTnLst>
-                    </p:cTn>
-                  </p:par>
-                  <p:par>
-                    <p:cTn id="15" fill="hold">
-                      <p:stCondLst>
-                        <p:cond delay="indefinite"/>
-                      </p:stCondLst>
-                      <p:childTnLst>
-                        <p:par>
-                          <p:cTn id="16" fill="hold">
-                            <p:stCondLst>
-                              <p:cond delay="0"/>
-                            </p:stCondLst>
-                            <p:childTnLst>
-                              <p:par>
-                                <p:cTn id="17" presetID="2" presetClass="entr" presetSubtype="4" fill="hold" grpId="0" nodeType="clickEffect">
-                                  <p:stCondLst>
-                                    <p:cond delay="0"/>
-                                  </p:stCondLst>
-                                  <p:childTnLst>
-                                    <p:set>
-                                      <p:cBhvr>
-                                        <p:cTn id="18" dur="1" fill="hold">
-                                          <p:stCondLst>
-                                            <p:cond delay="0"/>
-                                          </p:stCondLst>
-                                        </p:cTn>
-                                        <p:tgtEl>
-                                          <p:spTgt spid="3">
-                                            <p:txEl>
-                                              <p:pRg st="4" end="4"/>
-                                            </p:txEl>
-                                          </p:spTgt>
-                                        </p:tgtEl>
-                                        <p:attrNameLst>
-                                          <p:attrName>style.visibility</p:attrName>
-                                        </p:attrNameLst>
-                                      </p:cBhvr>
-                                      <p:to>
-                                        <p:strVal val="visible"/>
-                                      </p:to>
-                                    </p:set>
-                                    <p:anim calcmode="lin" valueType="num">
-                                      <p:cBhvr additive="base">
-                                        <p:cTn id="19" dur="500" fill="hold"/>
-                                        <p:tgtEl>
-                                          <p:spTgt spid="3">
-                                            <p:txEl>
-                                              <p:pRg st="4" end="4"/>
-                                            </p:txEl>
-                                          </p:spTgt>
-                                        </p:tgtEl>
-                                        <p:attrNameLst>
-                                          <p:attrName>ppt_x</p:attrName>
-                                        </p:attrNameLst>
-                                      </p:cBhvr>
-                                      <p:tavLst>
-                                        <p:tav tm="0">
-                                          <p:val>
-                                            <p:strVal val="#ppt_x"/>
-                                          </p:val>
-                                        </p:tav>
-                                        <p:tav tm="100000">
-                                          <p:val>
-                                            <p:strVal val="#ppt_x"/>
-                                          </p:val>
-                                        </p:tav>
-                                      </p:tavLst>
-                                    </p:anim>
-                                    <p:anim calcmode="lin" valueType="num">
-                                      <p:cBhvr additive="base">
-                                        <p:cTn id="20" dur="500" fill="hold"/>
-                                        <p:tgtEl>
-                                          <p:spTgt spid="3">
-                                            <p:txEl>
-                                              <p:pRg st="4" end="4"/>
-                                            </p:txEl>
-                                          </p:spTgt>
-                                        </p:tgtEl>
-                                        <p:attrNameLst>
-                                          <p:attrName>ppt_y</p:attrName>
-                                        </p:attrNameLst>
-                                      </p:cBhvr>
-                                      <p:tavLst>
-                                        <p:tav tm="0">
-                                          <p:val>
-                                            <p:strVal val="1+#ppt_h/2"/>
-                                          </p:val>
-                                        </p:tav>
-                                        <p:tav tm="100000">
-                                          <p:val>
-                                            <p:strVal val="#ppt_y"/>
-                                          </p:val>
-                                        </p:tav>
-                                      </p:tavLst>
-                                    </p:anim>
-                                  </p:childTnLst>
-                                </p:cTn>
-                              </p:par>
-                            </p:childTnLst>
-                          </p:cTn>
-                        </p:par>
-                      </p:childTnLst>
-                    </p:cTn>
-                  </p:par>
-                  <p:par>
-                    <p:cTn id="21" fill="hold">
-                      <p:stCondLst>
-                        <p:cond delay="indefinite"/>
-                      </p:stCondLst>
-                      <p:childTnLst>
-                        <p:par>
-                          <p:cTn id="22" fill="hold">
-                            <p:stCondLst>
-                              <p:cond delay="0"/>
-                            </p:stCondLst>
-                            <p:childTnLst>
-                              <p:par>
-                                <p:cTn id="23" presetID="2" presetClass="entr" presetSubtype="4" fill="hold" grpId="0" nodeType="clickEffect">
-                                  <p:stCondLst>
-                                    <p:cond delay="0"/>
-                                  </p:stCondLst>
-                                  <p:childTnLst>
-                                    <p:set>
-                                      <p:cBhvr>
-                                        <p:cTn id="24" dur="1" fill="hold">
-                                          <p:stCondLst>
-                                            <p:cond delay="0"/>
-                                          </p:stCondLst>
-                                        </p:cTn>
-                                        <p:tgtEl>
-                                          <p:spTgt spid="3">
-                                            <p:txEl>
-                                              <p:pRg st="5" end="5"/>
-                                            </p:txEl>
-                                          </p:spTgt>
-                                        </p:tgtEl>
-                                        <p:attrNameLst>
-                                          <p:attrName>style.visibility</p:attrName>
-                                        </p:attrNameLst>
-                                      </p:cBhvr>
-                                      <p:to>
-                                        <p:strVal val="visible"/>
-                                      </p:to>
-                                    </p:set>
-                                    <p:anim calcmode="lin" valueType="num">
-                                      <p:cBhvr additive="base">
-                                        <p:cTn id="25" dur="500" fill="hold"/>
-                                        <p:tgtEl>
-                                          <p:spTgt spid="3">
-                                            <p:txEl>
-                                              <p:pRg st="5" end="5"/>
-                                            </p:txEl>
-                                          </p:spTgt>
-                                        </p:tgtEl>
-                                        <p:attrNameLst>
-                                          <p:attrName>ppt_x</p:attrName>
-                                        </p:attrNameLst>
-                                      </p:cBhvr>
-                                      <p:tavLst>
-                                        <p:tav tm="0">
-                                          <p:val>
-                                            <p:strVal val="#ppt_x"/>
-                                          </p:val>
-                                        </p:tav>
-                                        <p:tav tm="100000">
-                                          <p:val>
-                                            <p:strVal val="#ppt_x"/>
-                                          </p:val>
-                                        </p:tav>
-                                      </p:tavLst>
-                                    </p:anim>
-                                    <p:anim calcmode="lin" valueType="num">
-                                      <p:cBhvr additive="base">
-                                        <p:cTn id="26" dur="500" fill="hold"/>
-                                        <p:tgtEl>
-                                          <p:spTgt spid="3">
-                                            <p:txEl>
-                                              <p:pRg st="5" end="5"/>
-                                            </p:txEl>
-                                          </p:spTgt>
-                                        </p:tgtEl>
-                                        <p:attrNameLst>
-                                          <p:attrName>ppt_y</p:attrName>
-                                        </p:attrNameLst>
-                                      </p:cBhvr>
-                                      <p:tavLst>
-                                        <p:tav tm="0">
-                                          <p:val>
-                                            <p:strVal val="1+#ppt_h/2"/>
-                                          </p:val>
-                                        </p:tav>
-                                        <p:tav tm="100000">
-                                          <p:val>
-                                            <p:strVal val="#ppt_y"/>
-                                          </p:val>
-                                        </p:tav>
-                                      </p:tavLst>
-                                    </p:anim>
-                                  </p:childTnLst>
-                                </p:cTn>
-                              </p:par>
-                            </p:childTnLst>
-                          </p:cTn>
-                        </p:par>
-                      </p:childTnLst>
-                    </p:cTn>
-                  </p:par>
-                  <p:par>
-                    <p:cTn id="27" fill="hold">
-                      <p:stCondLst>
-                        <p:cond delay="indefinite"/>
-                      </p:stCondLst>
-                      <p:childTnLst>
-                        <p:par>
-                          <p:cTn id="28" fill="hold">
-                            <p:stCondLst>
-                              <p:cond delay="0"/>
-                            </p:stCondLst>
-                            <p:childTnLst>
-                              <p:par>
-                                <p:cTn id="29" presetID="2" presetClass="entr" presetSubtype="4" fill="hold" grpId="0" nodeType="clickEffect">
-                                  <p:stCondLst>
-                                    <p:cond delay="0"/>
-                                  </p:stCondLst>
-                                  <p:childTnLst>
-                                    <p:set>
-                                      <p:cBhvr>
-                                        <p:cTn id="30" dur="1" fill="hold">
-                                          <p:stCondLst>
-                                            <p:cond delay="0"/>
-                                          </p:stCondLst>
-                                        </p:cTn>
-                                        <p:tgtEl>
-                                          <p:spTgt spid="3">
-                                            <p:txEl>
-                                              <p:pRg st="6" end="6"/>
-                                            </p:txEl>
-                                          </p:spTgt>
-                                        </p:tgtEl>
-                                        <p:attrNameLst>
-                                          <p:attrName>style.visibility</p:attrName>
-                                        </p:attrNameLst>
-                                      </p:cBhvr>
-                                      <p:to>
-                                        <p:strVal val="visible"/>
-                                      </p:to>
-                                    </p:set>
-                                    <p:anim calcmode="lin" valueType="num">
-                                      <p:cBhvr additive="base">
-                                        <p:cTn id="31" dur="500" fill="hold"/>
-                                        <p:tgtEl>
-                                          <p:spTgt spid="3">
-                                            <p:txEl>
-                                              <p:pRg st="6" end="6"/>
-                                            </p:txEl>
-                                          </p:spTgt>
-                                        </p:tgtEl>
-                                        <p:attrNameLst>
-                                          <p:attrName>ppt_x</p:attrName>
-                                        </p:attrNameLst>
-                                      </p:cBhvr>
-                                      <p:tavLst>
-                                        <p:tav tm="0">
-                                          <p:val>
-                                            <p:strVal val="#ppt_x"/>
-                                          </p:val>
-                                        </p:tav>
-                                        <p:tav tm="100000">
-                                          <p:val>
-                                            <p:strVal val="#ppt_x"/>
-                                          </p:val>
-                                        </p:tav>
-                                      </p:tavLst>
-                                    </p:anim>
-                                    <p:anim calcmode="lin" valueType="num">
-                                      <p:cBhvr additive="base">
-                                        <p:cTn id="32" dur="500" fill="hold"/>
-                                        <p:tgtEl>
-                                          <p:spTgt spid="3">
-                                            <p:txEl>
-                                              <p:pRg st="6" end="6"/>
-                                            </p:txEl>
-                                          </p:spTgt>
-                                        </p:tgtEl>
-                                        <p:attrNameLst>
-                                          <p:attrName>ppt_y</p:attrName>
-                                        </p:attrNameLst>
-                                      </p:cBhvr>
-                                      <p:tavLst>
-                                        <p:tav tm="0">
-                                          <p:val>
-                                            <p:strVal val="1+#ppt_h/2"/>
-                                          </p:val>
-                                        </p:tav>
-                                        <p:tav tm="100000">
-                                          <p:val>
-                                            <p:strVal val="#ppt_y"/>
-                                          </p:val>
-                                        </p:tav>
-                                      </p:tavLst>
-                                    </p:anim>
-                                  </p:childTnLst>
-                                </p:cTn>
-                              </p:par>
-                            </p:childTnLst>
-                          </p:cTn>
-                        </p:par>
-                      </p:childTnLst>
-                    </p:cTn>
-                  </p:par>
-                  <p:par>
-                    <p:cTn id="33" fill="hold">
-                      <p:stCondLst>
-                        <p:cond delay="indefinite"/>
-                      </p:stCondLst>
-                      <p:childTnLst>
-                        <p:par>
-                          <p:cTn id="34" fill="hold">
-                            <p:stCondLst>
-                              <p:cond delay="0"/>
-                            </p:stCondLst>
-                            <p:childTnLst>
-                              <p:par>
-                                <p:cTn id="35" presetID="2" presetClass="entr" presetSubtype="4" fill="hold" grpId="0" nodeType="clickEffect">
-                                  <p:stCondLst>
-                                    <p:cond delay="0"/>
-                                  </p:stCondLst>
-                                  <p:childTnLst>
-                                    <p:set>
-                                      <p:cBhvr>
-                                        <p:cTn id="36" dur="1" fill="hold">
-                                          <p:stCondLst>
-                                            <p:cond delay="0"/>
-                                          </p:stCondLst>
-                                        </p:cTn>
-                                        <p:tgtEl>
-                                          <p:spTgt spid="3">
-                                            <p:txEl>
-                                              <p:pRg st="8" end="8"/>
-                                            </p:txEl>
-                                          </p:spTgt>
-                                        </p:tgtEl>
-                                        <p:attrNameLst>
-                                          <p:attrName>style.visibility</p:attrName>
-                                        </p:attrNameLst>
-                                      </p:cBhvr>
-                                      <p:to>
-                                        <p:strVal val="visible"/>
-                                      </p:to>
-                                    </p:set>
-                                    <p:anim calcmode="lin" valueType="num">
-                                      <p:cBhvr additive="base">
-                                        <p:cTn id="37" dur="500" fill="hold"/>
-                                        <p:tgtEl>
-                                          <p:spTgt spid="3">
-                                            <p:txEl>
-                                              <p:pRg st="8" end="8"/>
-                                            </p:txEl>
-                                          </p:spTgt>
-                                        </p:tgtEl>
-                                        <p:attrNameLst>
-                                          <p:attrName>ppt_x</p:attrName>
-                                        </p:attrNameLst>
-                                      </p:cBhvr>
-                                      <p:tavLst>
-                                        <p:tav tm="0">
-                                          <p:val>
-                                            <p:strVal val="#ppt_x"/>
-                                          </p:val>
-                                        </p:tav>
-                                        <p:tav tm="100000">
-                                          <p:val>
-                                            <p:strVal val="#ppt_x"/>
-                                          </p:val>
-                                        </p:tav>
-                                      </p:tavLst>
-                                    </p:anim>
-                                    <p:anim calcmode="lin" valueType="num">
-                                      <p:cBhvr additive="base">
-                                        <p:cTn id="38" dur="500" fill="hold"/>
-                                        <p:tgtEl>
-                                          <p:spTgt spid="3">
-                                            <p:txEl>
-                                              <p:pRg st="8" end="8"/>
                                             </p:txEl>
                                           </p:spTgt>
                                         </p:tgtEl>
@@ -8499,6 +7818,828 @@
           </a:p>
         </p:txBody>
       </p:sp>
+      <p:sp>
+        <p:nvSpPr>
+          <p:cNvPr id="3" name="TextBox 2"/>
+          <p:cNvSpPr txBox="1"/>
+          <p:nvPr/>
+        </p:nvSpPr>
+        <p:spPr>
+          <a:xfrm>
+            <a:off x="827584" y="697260"/>
+            <a:ext cx="7920880" cy="5047536"/>
+          </a:xfrm>
+          <a:prstGeom prst="rect">
+            <a:avLst/>
+          </a:prstGeom>
+          <a:noFill/>
+        </p:spPr>
+        <p:txBody>
+          <a:bodyPr wrap="square" rtlCol="0">
+            <a:spAutoFit/>
+          </a:bodyPr>
+          <a:lstStyle/>
+          <a:p>
+            <a:r>
+              <a:rPr lang="en-US" altLang="zh-CN" sz="2800" dirty="0" smtClean="0"/>
+              <a:t>4</a:t>
+            </a:r>
+            <a:r>
+              <a:rPr lang="zh-CN" altLang="en-US" sz="2800" dirty="0" smtClean="0"/>
+              <a:t>、</a:t>
+            </a:r>
+            <a:r>
+              <a:rPr lang="en-US" altLang="zh-CN" sz="2800" dirty="0" smtClean="0"/>
+              <a:t>Create a new project</a:t>
+            </a:r>
+          </a:p>
+          <a:p>
+            <a:endParaRPr lang="en-US" altLang="zh-CN" sz="2800" dirty="0" smtClean="0"/>
+          </a:p>
+          <a:p>
+            <a:r>
+              <a:rPr lang="en-US" altLang="zh-CN" sz="2800" dirty="0" err="1" smtClean="0"/>
+              <a:t>cocos</a:t>
+            </a:r>
+            <a:r>
+              <a:rPr lang="en-US" altLang="zh-CN" sz="2800" dirty="0" smtClean="0"/>
+              <a:t> new </a:t>
+            </a:r>
+          </a:p>
+          <a:p>
+            <a:endParaRPr lang="en-US" altLang="zh-CN" sz="2800" dirty="0" smtClean="0"/>
+          </a:p>
+          <a:p>
+            <a:r>
+              <a:rPr lang="en-US" altLang="zh-CN" sz="2800" dirty="0" smtClean="0"/>
+              <a:t>usage: </a:t>
+            </a:r>
+            <a:r>
+              <a:rPr lang="en-US" altLang="zh-CN" sz="2800" dirty="0" err="1" smtClean="0"/>
+              <a:t>cocos</a:t>
+            </a:r>
+            <a:r>
+              <a:rPr lang="en-US" altLang="zh-CN" sz="2800" dirty="0" smtClean="0"/>
+              <a:t> new [-h] [-p PACKAGE_NAME] -l {</a:t>
+            </a:r>
+            <a:r>
+              <a:rPr lang="en-US" altLang="zh-CN" sz="2800" dirty="0" err="1" smtClean="0"/>
+              <a:t>cpp,lua,js</a:t>
+            </a:r>
+            <a:r>
+              <a:rPr lang="en-US" altLang="zh-CN" sz="2800" dirty="0" smtClean="0"/>
+              <a:t>} [-d DIRECTORY]</a:t>
+            </a:r>
+          </a:p>
+          <a:p>
+            <a:r>
+              <a:rPr lang="en-US" altLang="zh-CN" sz="2800" dirty="0" smtClean="0"/>
+              <a:t>                 [-t TEMPLATE_NAME] [--no-native]</a:t>
+            </a:r>
+          </a:p>
+          <a:p>
+            <a:r>
+              <a:rPr lang="en-US" altLang="zh-CN" sz="2800" dirty="0" smtClean="0"/>
+              <a:t>                 [PROJECT_NAME]</a:t>
+            </a:r>
+          </a:p>
+          <a:p>
+            <a:endParaRPr lang="en-US" altLang="zh-CN" sz="2800" dirty="0" smtClean="0"/>
+          </a:p>
+          <a:p>
+            <a:r>
+              <a:rPr lang="en-US" altLang="zh-CN" sz="1400" dirty="0" smtClean="0"/>
+              <a:t>F:cocos2dx&gt;</a:t>
+            </a:r>
+            <a:r>
+              <a:rPr lang="en-US" altLang="zh-CN" sz="1400" dirty="0" err="1" smtClean="0"/>
+              <a:t>cocos</a:t>
+            </a:r>
+            <a:r>
+              <a:rPr lang="en-US" altLang="zh-CN" sz="1400" dirty="0" smtClean="0"/>
+              <a:t> new mygame1 -p </a:t>
+            </a:r>
+            <a:r>
+              <a:rPr lang="en-US" altLang="zh-CN" sz="1400" dirty="0" err="1" smtClean="0"/>
+              <a:t>com.virtuos</a:t>
+            </a:r>
+            <a:r>
+              <a:rPr lang="en-US" altLang="zh-CN" sz="1400" dirty="0" smtClean="0"/>
+              <a:t> -l </a:t>
+            </a:r>
+            <a:r>
+              <a:rPr lang="en-US" altLang="zh-CN" sz="1400" dirty="0" err="1" smtClean="0"/>
+              <a:t>js</a:t>
+            </a:r>
+            <a:r>
+              <a:rPr lang="en-US" altLang="zh-CN" sz="1400" dirty="0" smtClean="0"/>
+              <a:t> -d f:cocos2dxmbgame</a:t>
+            </a:r>
+          </a:p>
+          <a:p>
+            <a:endParaRPr lang="en-US" altLang="zh-CN" sz="2800" dirty="0" smtClean="0"/>
+          </a:p>
+          <a:p>
+            <a:endParaRPr lang="zh-CN" altLang="en-US" sz="2800" dirty="0"/>
+          </a:p>
+        </p:txBody>
+      </p:sp>
+    </p:spTree>
+  </p:cSld>
+  <p:clrMapOvr>
+    <a:masterClrMapping/>
+  </p:clrMapOvr>
+  <p:transition/>
+  <p:timing>
+    <p:tnLst>
+      <p:par>
+        <p:cTn id="1" dur="indefinite" restart="never" nodeType="tmRoot">
+          <p:childTnLst>
+            <p:seq concurrent="1" nextAc="seek">
+              <p:cTn id="2" dur="indefinite" nodeType="mainSeq">
+                <p:childTnLst>
+                  <p:par>
+                    <p:cTn id="3" fill="hold">
+                      <p:stCondLst>
+                        <p:cond delay="indefinite"/>
+                      </p:stCondLst>
+                      <p:childTnLst>
+                        <p:par>
+                          <p:cTn id="4" fill="hold">
+                            <p:stCondLst>
+                              <p:cond delay="0"/>
+                            </p:stCondLst>
+                            <p:childTnLst>
+                              <p:par>
+                                <p:cTn id="5" presetID="2" presetClass="entr" presetSubtype="4" fill="hold" grpId="0" nodeType="clickEffect">
+                                  <p:stCondLst>
+                                    <p:cond delay="0"/>
+                                  </p:stCondLst>
+                                  <p:childTnLst>
+                                    <p:set>
+                                      <p:cBhvr>
+                                        <p:cTn id="6" dur="1" fill="hold">
+                                          <p:stCondLst>
+                                            <p:cond delay="0"/>
+                                          </p:stCondLst>
+                                        </p:cTn>
+                                        <p:tgtEl>
+                                          <p:spTgt spid="3">
+                                            <p:txEl>
+                                              <p:pRg st="0" end="0"/>
+                                            </p:txEl>
+                                          </p:spTgt>
+                                        </p:tgtEl>
+                                        <p:attrNameLst>
+                                          <p:attrName>style.visibility</p:attrName>
+                                        </p:attrNameLst>
+                                      </p:cBhvr>
+                                      <p:to>
+                                        <p:strVal val="visible"/>
+                                      </p:to>
+                                    </p:set>
+                                    <p:anim calcmode="lin" valueType="num">
+                                      <p:cBhvr additive="base">
+                                        <p:cTn id="7" dur="500" fill="hold"/>
+                                        <p:tgtEl>
+                                          <p:spTgt spid="3">
+                                            <p:txEl>
+                                              <p:pRg st="0" end="0"/>
+                                            </p:txEl>
+                                          </p:spTgt>
+                                        </p:tgtEl>
+                                        <p:attrNameLst>
+                                          <p:attrName>ppt_x</p:attrName>
+                                        </p:attrNameLst>
+                                      </p:cBhvr>
+                                      <p:tavLst>
+                                        <p:tav tm="0">
+                                          <p:val>
+                                            <p:strVal val="#ppt_x"/>
+                                          </p:val>
+                                        </p:tav>
+                                        <p:tav tm="100000">
+                                          <p:val>
+                                            <p:strVal val="#ppt_x"/>
+                                          </p:val>
+                                        </p:tav>
+                                      </p:tavLst>
+                                    </p:anim>
+                                    <p:anim calcmode="lin" valueType="num">
+                                      <p:cBhvr additive="base">
+                                        <p:cTn id="8" dur="500" fill="hold"/>
+                                        <p:tgtEl>
+                                          <p:spTgt spid="3">
+                                            <p:txEl>
+                                              <p:pRg st="0" end="0"/>
+                                            </p:txEl>
+                                          </p:spTgt>
+                                        </p:tgtEl>
+                                        <p:attrNameLst>
+                                          <p:attrName>ppt_y</p:attrName>
+                                        </p:attrNameLst>
+                                      </p:cBhvr>
+                                      <p:tavLst>
+                                        <p:tav tm="0">
+                                          <p:val>
+                                            <p:strVal val="1+#ppt_h/2"/>
+                                          </p:val>
+                                        </p:tav>
+                                        <p:tav tm="100000">
+                                          <p:val>
+                                            <p:strVal val="#ppt_y"/>
+                                          </p:val>
+                                        </p:tav>
+                                      </p:tavLst>
+                                    </p:anim>
+                                  </p:childTnLst>
+                                </p:cTn>
+                              </p:par>
+                            </p:childTnLst>
+                          </p:cTn>
+                        </p:par>
+                      </p:childTnLst>
+                    </p:cTn>
+                  </p:par>
+                  <p:par>
+                    <p:cTn id="9" fill="hold">
+                      <p:stCondLst>
+                        <p:cond delay="indefinite"/>
+                      </p:stCondLst>
+                      <p:childTnLst>
+                        <p:par>
+                          <p:cTn id="10" fill="hold">
+                            <p:stCondLst>
+                              <p:cond delay="0"/>
+                            </p:stCondLst>
+                            <p:childTnLst>
+                              <p:par>
+                                <p:cTn id="11" presetID="2" presetClass="entr" presetSubtype="4" fill="hold" grpId="0" nodeType="clickEffect">
+                                  <p:stCondLst>
+                                    <p:cond delay="0"/>
+                                  </p:stCondLst>
+                                  <p:childTnLst>
+                                    <p:set>
+                                      <p:cBhvr>
+                                        <p:cTn id="12" dur="1" fill="hold">
+                                          <p:stCondLst>
+                                            <p:cond delay="0"/>
+                                          </p:stCondLst>
+                                        </p:cTn>
+                                        <p:tgtEl>
+                                          <p:spTgt spid="3">
+                                            <p:txEl>
+                                              <p:pRg st="2" end="2"/>
+                                            </p:txEl>
+                                          </p:spTgt>
+                                        </p:tgtEl>
+                                        <p:attrNameLst>
+                                          <p:attrName>style.visibility</p:attrName>
+                                        </p:attrNameLst>
+                                      </p:cBhvr>
+                                      <p:to>
+                                        <p:strVal val="visible"/>
+                                      </p:to>
+                                    </p:set>
+                                    <p:anim calcmode="lin" valueType="num">
+                                      <p:cBhvr additive="base">
+                                        <p:cTn id="13" dur="500" fill="hold"/>
+                                        <p:tgtEl>
+                                          <p:spTgt spid="3">
+                                            <p:txEl>
+                                              <p:pRg st="2" end="2"/>
+                                            </p:txEl>
+                                          </p:spTgt>
+                                        </p:tgtEl>
+                                        <p:attrNameLst>
+                                          <p:attrName>ppt_x</p:attrName>
+                                        </p:attrNameLst>
+                                      </p:cBhvr>
+                                      <p:tavLst>
+                                        <p:tav tm="0">
+                                          <p:val>
+                                            <p:strVal val="#ppt_x"/>
+                                          </p:val>
+                                        </p:tav>
+                                        <p:tav tm="100000">
+                                          <p:val>
+                                            <p:strVal val="#ppt_x"/>
+                                          </p:val>
+                                        </p:tav>
+                                      </p:tavLst>
+                                    </p:anim>
+                                    <p:anim calcmode="lin" valueType="num">
+                                      <p:cBhvr additive="base">
+                                        <p:cTn id="14" dur="500" fill="hold"/>
+                                        <p:tgtEl>
+                                          <p:spTgt spid="3">
+                                            <p:txEl>
+                                              <p:pRg st="2" end="2"/>
+                                            </p:txEl>
+                                          </p:spTgt>
+                                        </p:tgtEl>
+                                        <p:attrNameLst>
+                                          <p:attrName>ppt_y</p:attrName>
+                                        </p:attrNameLst>
+                                      </p:cBhvr>
+                                      <p:tavLst>
+                                        <p:tav tm="0">
+                                          <p:val>
+                                            <p:strVal val="1+#ppt_h/2"/>
+                                          </p:val>
+                                        </p:tav>
+                                        <p:tav tm="100000">
+                                          <p:val>
+                                            <p:strVal val="#ppt_y"/>
+                                          </p:val>
+                                        </p:tav>
+                                      </p:tavLst>
+                                    </p:anim>
+                                  </p:childTnLst>
+                                </p:cTn>
+                              </p:par>
+                            </p:childTnLst>
+                          </p:cTn>
+                        </p:par>
+                      </p:childTnLst>
+                    </p:cTn>
+                  </p:par>
+                  <p:par>
+                    <p:cTn id="15" fill="hold">
+                      <p:stCondLst>
+                        <p:cond delay="indefinite"/>
+                      </p:stCondLst>
+                      <p:childTnLst>
+                        <p:par>
+                          <p:cTn id="16" fill="hold">
+                            <p:stCondLst>
+                              <p:cond delay="0"/>
+                            </p:stCondLst>
+                            <p:childTnLst>
+                              <p:par>
+                                <p:cTn id="17" presetID="2" presetClass="entr" presetSubtype="4" fill="hold" grpId="0" nodeType="clickEffect">
+                                  <p:stCondLst>
+                                    <p:cond delay="0"/>
+                                  </p:stCondLst>
+                                  <p:childTnLst>
+                                    <p:set>
+                                      <p:cBhvr>
+                                        <p:cTn id="18" dur="1" fill="hold">
+                                          <p:stCondLst>
+                                            <p:cond delay="0"/>
+                                          </p:stCondLst>
+                                        </p:cTn>
+                                        <p:tgtEl>
+                                          <p:spTgt spid="3">
+                                            <p:txEl>
+                                              <p:pRg st="4" end="4"/>
+                                            </p:txEl>
+                                          </p:spTgt>
+                                        </p:tgtEl>
+                                        <p:attrNameLst>
+                                          <p:attrName>style.visibility</p:attrName>
+                                        </p:attrNameLst>
+                                      </p:cBhvr>
+                                      <p:to>
+                                        <p:strVal val="visible"/>
+                                      </p:to>
+                                    </p:set>
+                                    <p:anim calcmode="lin" valueType="num">
+                                      <p:cBhvr additive="base">
+                                        <p:cTn id="19" dur="500" fill="hold"/>
+                                        <p:tgtEl>
+                                          <p:spTgt spid="3">
+                                            <p:txEl>
+                                              <p:pRg st="4" end="4"/>
+                                            </p:txEl>
+                                          </p:spTgt>
+                                        </p:tgtEl>
+                                        <p:attrNameLst>
+                                          <p:attrName>ppt_x</p:attrName>
+                                        </p:attrNameLst>
+                                      </p:cBhvr>
+                                      <p:tavLst>
+                                        <p:tav tm="0">
+                                          <p:val>
+                                            <p:strVal val="#ppt_x"/>
+                                          </p:val>
+                                        </p:tav>
+                                        <p:tav tm="100000">
+                                          <p:val>
+                                            <p:strVal val="#ppt_x"/>
+                                          </p:val>
+                                        </p:tav>
+                                      </p:tavLst>
+                                    </p:anim>
+                                    <p:anim calcmode="lin" valueType="num">
+                                      <p:cBhvr additive="base">
+                                        <p:cTn id="20" dur="500" fill="hold"/>
+                                        <p:tgtEl>
+                                          <p:spTgt spid="3">
+                                            <p:txEl>
+                                              <p:pRg st="4" end="4"/>
+                                            </p:txEl>
+                                          </p:spTgt>
+                                        </p:tgtEl>
+                                        <p:attrNameLst>
+                                          <p:attrName>ppt_y</p:attrName>
+                                        </p:attrNameLst>
+                                      </p:cBhvr>
+                                      <p:tavLst>
+                                        <p:tav tm="0">
+                                          <p:val>
+                                            <p:strVal val="1+#ppt_h/2"/>
+                                          </p:val>
+                                        </p:tav>
+                                        <p:tav tm="100000">
+                                          <p:val>
+                                            <p:strVal val="#ppt_y"/>
+                                          </p:val>
+                                        </p:tav>
+                                      </p:tavLst>
+                                    </p:anim>
+                                  </p:childTnLst>
+                                </p:cTn>
+                              </p:par>
+                            </p:childTnLst>
+                          </p:cTn>
+                        </p:par>
+                      </p:childTnLst>
+                    </p:cTn>
+                  </p:par>
+                  <p:par>
+                    <p:cTn id="21" fill="hold">
+                      <p:stCondLst>
+                        <p:cond delay="indefinite"/>
+                      </p:stCondLst>
+                      <p:childTnLst>
+                        <p:par>
+                          <p:cTn id="22" fill="hold">
+                            <p:stCondLst>
+                              <p:cond delay="0"/>
+                            </p:stCondLst>
+                            <p:childTnLst>
+                              <p:par>
+                                <p:cTn id="23" presetID="2" presetClass="entr" presetSubtype="4" fill="hold" grpId="0" nodeType="clickEffect">
+                                  <p:stCondLst>
+                                    <p:cond delay="0"/>
+                                  </p:stCondLst>
+                                  <p:childTnLst>
+                                    <p:set>
+                                      <p:cBhvr>
+                                        <p:cTn id="24" dur="1" fill="hold">
+                                          <p:stCondLst>
+                                            <p:cond delay="0"/>
+                                          </p:stCondLst>
+                                        </p:cTn>
+                                        <p:tgtEl>
+                                          <p:spTgt spid="3">
+                                            <p:txEl>
+                                              <p:pRg st="5" end="5"/>
+                                            </p:txEl>
+                                          </p:spTgt>
+                                        </p:tgtEl>
+                                        <p:attrNameLst>
+                                          <p:attrName>style.visibility</p:attrName>
+                                        </p:attrNameLst>
+                                      </p:cBhvr>
+                                      <p:to>
+                                        <p:strVal val="visible"/>
+                                      </p:to>
+                                    </p:set>
+                                    <p:anim calcmode="lin" valueType="num">
+                                      <p:cBhvr additive="base">
+                                        <p:cTn id="25" dur="500" fill="hold"/>
+                                        <p:tgtEl>
+                                          <p:spTgt spid="3">
+                                            <p:txEl>
+                                              <p:pRg st="5" end="5"/>
+                                            </p:txEl>
+                                          </p:spTgt>
+                                        </p:tgtEl>
+                                        <p:attrNameLst>
+                                          <p:attrName>ppt_x</p:attrName>
+                                        </p:attrNameLst>
+                                      </p:cBhvr>
+                                      <p:tavLst>
+                                        <p:tav tm="0">
+                                          <p:val>
+                                            <p:strVal val="#ppt_x"/>
+                                          </p:val>
+                                        </p:tav>
+                                        <p:tav tm="100000">
+                                          <p:val>
+                                            <p:strVal val="#ppt_x"/>
+                                          </p:val>
+                                        </p:tav>
+                                      </p:tavLst>
+                                    </p:anim>
+                                    <p:anim calcmode="lin" valueType="num">
+                                      <p:cBhvr additive="base">
+                                        <p:cTn id="26" dur="500" fill="hold"/>
+                                        <p:tgtEl>
+                                          <p:spTgt spid="3">
+                                            <p:txEl>
+                                              <p:pRg st="5" end="5"/>
+                                            </p:txEl>
+                                          </p:spTgt>
+                                        </p:tgtEl>
+                                        <p:attrNameLst>
+                                          <p:attrName>ppt_y</p:attrName>
+                                        </p:attrNameLst>
+                                      </p:cBhvr>
+                                      <p:tavLst>
+                                        <p:tav tm="0">
+                                          <p:val>
+                                            <p:strVal val="1+#ppt_h/2"/>
+                                          </p:val>
+                                        </p:tav>
+                                        <p:tav tm="100000">
+                                          <p:val>
+                                            <p:strVal val="#ppt_y"/>
+                                          </p:val>
+                                        </p:tav>
+                                      </p:tavLst>
+                                    </p:anim>
+                                  </p:childTnLst>
+                                </p:cTn>
+                              </p:par>
+                            </p:childTnLst>
+                          </p:cTn>
+                        </p:par>
+                      </p:childTnLst>
+                    </p:cTn>
+                  </p:par>
+                  <p:par>
+                    <p:cTn id="27" fill="hold">
+                      <p:stCondLst>
+                        <p:cond delay="indefinite"/>
+                      </p:stCondLst>
+                      <p:childTnLst>
+                        <p:par>
+                          <p:cTn id="28" fill="hold">
+                            <p:stCondLst>
+                              <p:cond delay="0"/>
+                            </p:stCondLst>
+                            <p:childTnLst>
+                              <p:par>
+                                <p:cTn id="29" presetID="2" presetClass="entr" presetSubtype="4" fill="hold" grpId="0" nodeType="clickEffect">
+                                  <p:stCondLst>
+                                    <p:cond delay="0"/>
+                                  </p:stCondLst>
+                                  <p:childTnLst>
+                                    <p:set>
+                                      <p:cBhvr>
+                                        <p:cTn id="30" dur="1" fill="hold">
+                                          <p:stCondLst>
+                                            <p:cond delay="0"/>
+                                          </p:stCondLst>
+                                        </p:cTn>
+                                        <p:tgtEl>
+                                          <p:spTgt spid="3">
+                                            <p:txEl>
+                                              <p:pRg st="6" end="6"/>
+                                            </p:txEl>
+                                          </p:spTgt>
+                                        </p:tgtEl>
+                                        <p:attrNameLst>
+                                          <p:attrName>style.visibility</p:attrName>
+                                        </p:attrNameLst>
+                                      </p:cBhvr>
+                                      <p:to>
+                                        <p:strVal val="visible"/>
+                                      </p:to>
+                                    </p:set>
+                                    <p:anim calcmode="lin" valueType="num">
+                                      <p:cBhvr additive="base">
+                                        <p:cTn id="31" dur="500" fill="hold"/>
+                                        <p:tgtEl>
+                                          <p:spTgt spid="3">
+                                            <p:txEl>
+                                              <p:pRg st="6" end="6"/>
+                                            </p:txEl>
+                                          </p:spTgt>
+                                        </p:tgtEl>
+                                        <p:attrNameLst>
+                                          <p:attrName>ppt_x</p:attrName>
+                                        </p:attrNameLst>
+                                      </p:cBhvr>
+                                      <p:tavLst>
+                                        <p:tav tm="0">
+                                          <p:val>
+                                            <p:strVal val="#ppt_x"/>
+                                          </p:val>
+                                        </p:tav>
+                                        <p:tav tm="100000">
+                                          <p:val>
+                                            <p:strVal val="#ppt_x"/>
+                                          </p:val>
+                                        </p:tav>
+                                      </p:tavLst>
+                                    </p:anim>
+                                    <p:anim calcmode="lin" valueType="num">
+                                      <p:cBhvr additive="base">
+                                        <p:cTn id="32" dur="500" fill="hold"/>
+                                        <p:tgtEl>
+                                          <p:spTgt spid="3">
+                                            <p:txEl>
+                                              <p:pRg st="6" end="6"/>
+                                            </p:txEl>
+                                          </p:spTgt>
+                                        </p:tgtEl>
+                                        <p:attrNameLst>
+                                          <p:attrName>ppt_y</p:attrName>
+                                        </p:attrNameLst>
+                                      </p:cBhvr>
+                                      <p:tavLst>
+                                        <p:tav tm="0">
+                                          <p:val>
+                                            <p:strVal val="1+#ppt_h/2"/>
+                                          </p:val>
+                                        </p:tav>
+                                        <p:tav tm="100000">
+                                          <p:val>
+                                            <p:strVal val="#ppt_y"/>
+                                          </p:val>
+                                        </p:tav>
+                                      </p:tavLst>
+                                    </p:anim>
+                                  </p:childTnLst>
+                                </p:cTn>
+                              </p:par>
+                            </p:childTnLst>
+                          </p:cTn>
+                        </p:par>
+                      </p:childTnLst>
+                    </p:cTn>
+                  </p:par>
+                  <p:par>
+                    <p:cTn id="33" fill="hold">
+                      <p:stCondLst>
+                        <p:cond delay="indefinite"/>
+                      </p:stCondLst>
+                      <p:childTnLst>
+                        <p:par>
+                          <p:cTn id="34" fill="hold">
+                            <p:stCondLst>
+                              <p:cond delay="0"/>
+                            </p:stCondLst>
+                            <p:childTnLst>
+                              <p:par>
+                                <p:cTn id="35" presetID="2" presetClass="entr" presetSubtype="4" fill="hold" grpId="0" nodeType="clickEffect">
+                                  <p:stCondLst>
+                                    <p:cond delay="0"/>
+                                  </p:stCondLst>
+                                  <p:childTnLst>
+                                    <p:set>
+                                      <p:cBhvr>
+                                        <p:cTn id="36" dur="1" fill="hold">
+                                          <p:stCondLst>
+                                            <p:cond delay="0"/>
+                                          </p:stCondLst>
+                                        </p:cTn>
+                                        <p:tgtEl>
+                                          <p:spTgt spid="3">
+                                            <p:txEl>
+                                              <p:pRg st="8" end="8"/>
+                                            </p:txEl>
+                                          </p:spTgt>
+                                        </p:tgtEl>
+                                        <p:attrNameLst>
+                                          <p:attrName>style.visibility</p:attrName>
+                                        </p:attrNameLst>
+                                      </p:cBhvr>
+                                      <p:to>
+                                        <p:strVal val="visible"/>
+                                      </p:to>
+                                    </p:set>
+                                    <p:anim calcmode="lin" valueType="num">
+                                      <p:cBhvr additive="base">
+                                        <p:cTn id="37" dur="500" fill="hold"/>
+                                        <p:tgtEl>
+                                          <p:spTgt spid="3">
+                                            <p:txEl>
+                                              <p:pRg st="8" end="8"/>
+                                            </p:txEl>
+                                          </p:spTgt>
+                                        </p:tgtEl>
+                                        <p:attrNameLst>
+                                          <p:attrName>ppt_x</p:attrName>
+                                        </p:attrNameLst>
+                                      </p:cBhvr>
+                                      <p:tavLst>
+                                        <p:tav tm="0">
+                                          <p:val>
+                                            <p:strVal val="#ppt_x"/>
+                                          </p:val>
+                                        </p:tav>
+                                        <p:tav tm="100000">
+                                          <p:val>
+                                            <p:strVal val="#ppt_x"/>
+                                          </p:val>
+                                        </p:tav>
+                                      </p:tavLst>
+                                    </p:anim>
+                                    <p:anim calcmode="lin" valueType="num">
+                                      <p:cBhvr additive="base">
+                                        <p:cTn id="38" dur="500" fill="hold"/>
+                                        <p:tgtEl>
+                                          <p:spTgt spid="3">
+                                            <p:txEl>
+                                              <p:pRg st="8" end="8"/>
+                                            </p:txEl>
+                                          </p:spTgt>
+                                        </p:tgtEl>
+                                        <p:attrNameLst>
+                                          <p:attrName>ppt_y</p:attrName>
+                                        </p:attrNameLst>
+                                      </p:cBhvr>
+                                      <p:tavLst>
+                                        <p:tav tm="0">
+                                          <p:val>
+                                            <p:strVal val="1+#ppt_h/2"/>
+                                          </p:val>
+                                        </p:tav>
+                                        <p:tav tm="100000">
+                                          <p:val>
+                                            <p:strVal val="#ppt_y"/>
+                                          </p:val>
+                                        </p:tav>
+                                      </p:tavLst>
+                                    </p:anim>
+                                  </p:childTnLst>
+                                </p:cTn>
+                              </p:par>
+                            </p:childTnLst>
+                          </p:cTn>
+                        </p:par>
+                      </p:childTnLst>
+                    </p:cTn>
+                  </p:par>
+                </p:childTnLst>
+              </p:cTn>
+              <p:prevCondLst>
+                <p:cond evt="onPrev" delay="0">
+                  <p:tgtEl>
+                    <p:sldTgt/>
+                  </p:tgtEl>
+                </p:cond>
+              </p:prevCondLst>
+              <p:nextCondLst>
+                <p:cond evt="onNext" delay="0">
+                  <p:tgtEl>
+                    <p:sldTgt/>
+                  </p:tgtEl>
+                </p:cond>
+              </p:nextCondLst>
+            </p:seq>
+          </p:childTnLst>
+        </p:cTn>
+      </p:par>
+    </p:tnLst>
+    <p:bldLst>
+      <p:bldP spid="3" grpId="0" build="p"/>
+    </p:bldLst>
+  </p:timing>
+</p:sld>
+</file>
+
+<file path=ppt/slides/slide21.xml><?xml version="1.0" encoding="utf-8"?>
+<p:sld xmlns:a="http://schemas.openxmlformats.org/drawingml/2006/main" xmlns:r="http://schemas.openxmlformats.org/officeDocument/2006/relationships" xmlns:p="http://schemas.openxmlformats.org/presentationml/2006/main">
+  <p:cSld>
+    <p:spTree>
+      <p:nvGrpSpPr>
+        <p:cNvPr id="1" name=""/>
+        <p:cNvGrpSpPr/>
+        <p:nvPr/>
+      </p:nvGrpSpPr>
+      <p:grpSpPr>
+        <a:xfrm>
+          <a:off x="0" y="0"/>
+          <a:ext cx="0" cy="0"/>
+          <a:chOff x="0" y="0"/>
+          <a:chExt cx="0" cy="0"/>
+        </a:xfrm>
+      </p:grpSpPr>
+      <p:sp>
+        <p:nvSpPr>
+          <p:cNvPr id="2" name="Title 1"/>
+          <p:cNvSpPr>
+            <a:spLocks noGrp="1"/>
+          </p:cNvSpPr>
+          <p:nvPr>
+            <p:ph type="title"/>
+          </p:nvPr>
+        </p:nvSpPr>
+        <p:spPr/>
+        <p:txBody>
+          <a:bodyPr/>
+          <a:lstStyle/>
+          <a:p>
+            <a:endParaRPr lang="zh-CN" altLang="en-US"/>
+          </a:p>
+        </p:txBody>
+      </p:sp>
       <p:pic>
         <p:nvPicPr>
           <p:cNvPr id="1026" name="Picture 2"/>
@@ -8623,7 +8764,7 @@
 </p:sld>
 </file>
 
-<file path=ppt/slides/slide21.xml><?xml version="1.0" encoding="utf-8"?>
+<file path=ppt/slides/slide22.xml><?xml version="1.0" encoding="utf-8"?>
 <p:sld xmlns:a="http://schemas.openxmlformats.org/drawingml/2006/main" xmlns:r="http://schemas.openxmlformats.org/officeDocument/2006/relationships" xmlns:p="http://schemas.openxmlformats.org/presentationml/2006/main">
   <p:cSld>
     <p:spTree>
@@ -8964,7 +9105,7 @@
 </p:sld>
 </file>
 
-<file path=ppt/slides/slide22.xml><?xml version="1.0" encoding="utf-8"?>
+<file path=ppt/slides/slide23.xml><?xml version="1.0" encoding="utf-8"?>
 <p:sld xmlns:a="http://schemas.openxmlformats.org/drawingml/2006/main" xmlns:r="http://schemas.openxmlformats.org/officeDocument/2006/relationships" xmlns:p="http://schemas.openxmlformats.org/presentationml/2006/main">
   <p:cSld>
     <p:spTree>
@@ -9252,7 +9393,7 @@
 </p:sld>
 </file>
 
-<file path=ppt/slides/slide23.xml><?xml version="1.0" encoding="utf-8"?>
+<file path=ppt/slides/slide24.xml><?xml version="1.0" encoding="utf-8"?>
 <p:sld xmlns:a="http://schemas.openxmlformats.org/drawingml/2006/main" xmlns:r="http://schemas.openxmlformats.org/officeDocument/2006/relationships" xmlns:p="http://schemas.openxmlformats.org/presentationml/2006/main">
   <p:cSld>
     <p:spTree>
@@ -9629,7 +9770,7 @@
 </p:sld>
 </file>
 
-<file path=ppt/slides/slide24.xml><?xml version="1.0" encoding="utf-8"?>
+<file path=ppt/slides/slide25.xml><?xml version="1.0" encoding="utf-8"?>
 <p:sld xmlns:a="http://schemas.openxmlformats.org/drawingml/2006/main" xmlns:r="http://schemas.openxmlformats.org/officeDocument/2006/relationships" xmlns:p="http://schemas.openxmlformats.org/presentationml/2006/main">
   <p:cSld>
     <p:spTree>
@@ -9789,7 +9930,7 @@
 </p:sld>
 </file>
 
-<file path=ppt/slides/slide25.xml><?xml version="1.0" encoding="utf-8"?>
+<file path=ppt/slides/slide26.xml><?xml version="1.0" encoding="utf-8"?>
 <p:sld xmlns:a="http://schemas.openxmlformats.org/drawingml/2006/main" xmlns:r="http://schemas.openxmlformats.org/officeDocument/2006/relationships" xmlns:p="http://schemas.openxmlformats.org/presentationml/2006/main">
   <p:cSld>
     <p:spTree>
@@ -10118,7 +10259,7 @@
 </p:sld>
 </file>
 
-<file path=ppt/slides/slide26.xml><?xml version="1.0" encoding="utf-8"?>
+<file path=ppt/slides/slide27.xml><?xml version="1.0" encoding="utf-8"?>
 <p:sld xmlns:a="http://schemas.openxmlformats.org/drawingml/2006/main" xmlns:r="http://schemas.openxmlformats.org/officeDocument/2006/relationships" xmlns:p="http://schemas.openxmlformats.org/presentationml/2006/main">
   <p:cSld>
     <p:spTree>
@@ -10824,7 +10965,7 @@
 </p:sld>
 </file>
 
-<file path=ppt/slides/slide27.xml><?xml version="1.0" encoding="utf-8"?>
+<file path=ppt/slides/slide28.xml><?xml version="1.0" encoding="utf-8"?>
 <p:sld xmlns:a="http://schemas.openxmlformats.org/drawingml/2006/main" xmlns:r="http://schemas.openxmlformats.org/officeDocument/2006/relationships" xmlns:p="http://schemas.openxmlformats.org/presentationml/2006/main">
   <p:cSld>
     <p:spTree>
@@ -11286,7 +11427,7 @@
 </p:sld>
 </file>
 
-<file path=ppt/slides/slide28.xml><?xml version="1.0" encoding="utf-8"?>
+<file path=ppt/slides/slide29.xml><?xml version="1.0" encoding="utf-8"?>
 <p:sld xmlns:a="http://schemas.openxmlformats.org/drawingml/2006/main" xmlns:r="http://schemas.openxmlformats.org/officeDocument/2006/relationships" xmlns:p="http://schemas.openxmlformats.org/presentationml/2006/main">
   <p:cSld>
     <p:spTree>
@@ -11532,239 +11673,6 @@
         </p:cTn>
       </p:par>
     </p:tnLst>
-  </p:timing>
-</p:sld>
-</file>
-
-<file path=ppt/slides/slide29.xml><?xml version="1.0" encoding="utf-8"?>
-<p:sld xmlns:a="http://schemas.openxmlformats.org/drawingml/2006/main" xmlns:r="http://schemas.openxmlformats.org/officeDocument/2006/relationships" xmlns:p="http://schemas.openxmlformats.org/presentationml/2006/main">
-  <p:cSld>
-    <p:spTree>
-      <p:nvGrpSpPr>
-        <p:cNvPr id="1" name=""/>
-        <p:cNvGrpSpPr/>
-        <p:nvPr/>
-      </p:nvGrpSpPr>
-      <p:grpSpPr>
-        <a:xfrm>
-          <a:off x="0" y="0"/>
-          <a:ext cx="0" cy="0"/>
-          <a:chOff x="0" y="0"/>
-          <a:chExt cx="0" cy="0"/>
-        </a:xfrm>
-      </p:grpSpPr>
-      <p:sp>
-        <p:nvSpPr>
-          <p:cNvPr id="8193" name="Title 1"/>
-          <p:cNvSpPr>
-            <a:spLocks noGrp="1"/>
-          </p:cNvSpPr>
-          <p:nvPr>
-            <p:ph type="title"/>
-          </p:nvPr>
-        </p:nvSpPr>
-        <p:spPr bwMode="auto">
-          <a:xfrm>
-            <a:off x="1475656" y="2569468"/>
-            <a:ext cx="6429393" cy="439738"/>
-          </a:xfrm>
-          <a:prstGeom prst="rect">
-            <a:avLst/>
-          </a:prstGeom>
-          <a:noFill/>
-          <a:ln>
-            <a:miter lim="800000"/>
-            <a:headEnd/>
-            <a:tailEnd/>
-          </a:ln>
-        </p:spPr>
-        <p:txBody>
-          <a:bodyPr vert="horz" wrap="square" lIns="91440" tIns="45720" rIns="91440" bIns="45720" numCol="1" anchor="t" anchorCtr="0" compatLnSpc="1">
-            <a:prstTxWarp prst="textNoShape">
-              <a:avLst/>
-            </a:prstTxWarp>
-            <a:scene3d>
-              <a:camera prst="orthographicFront"/>
-              <a:lightRig rig="soft" dir="tl">
-                <a:rot lat="0" lon="0" rev="0"/>
-              </a:lightRig>
-            </a:scene3d>
-            <a:sp3d contourW="25400" prstMaterial="matte">
-              <a:bevelT w="25400" h="55880" prst="artDeco"/>
-              <a:contourClr>
-                <a:schemeClr val="accent2">
-                  <a:tint val="20000"/>
-                </a:schemeClr>
-              </a:contourClr>
-            </a:sp3d>
-          </a:bodyPr>
-          <a:lstStyle/>
-          <a:p>
-            <a:pPr algn="ctr" eaLnBrk="1" hangingPunct="1"/>
-            <a:r>
-              <a:rPr lang="en-US" altLang="zh-CN" sz="3200" b="1" spc="50" dirty="0" smtClean="0">
-                <a:ln w="11430"/>
-                <a:gradFill>
-                  <a:gsLst>
-                    <a:gs pos="25000">
-                      <a:schemeClr val="accent2">
-                        <a:satMod val="155000"/>
-                      </a:schemeClr>
-                    </a:gs>
-                    <a:gs pos="100000">
-                      <a:schemeClr val="accent2">
-                        <a:shade val="45000"/>
-                        <a:satMod val="165000"/>
-                      </a:schemeClr>
-                    </a:gs>
-                  </a:gsLst>
-                  <a:lin ang="5400000"/>
-                </a:gradFill>
-                <a:effectLst>
-                  <a:outerShdw blurRad="76200" dist="50800" dir="5400000" algn="tl" rotWithShape="0">
-                    <a:srgbClr val="000000">
-                      <a:alpha val="65000"/>
-                    </a:srgbClr>
-                  </a:outerShdw>
-                </a:effectLst>
-                <a:latin typeface="DIN 1451 Mittelschrift" pitchFamily="34" charset="0"/>
-                <a:ea typeface="Batang" pitchFamily="18" charset="-127"/>
-                <a:cs typeface="Aharoni" pitchFamily="2" charset="-79"/>
-              </a:rPr>
-              <a:t>THANK YOU!</a:t>
-            </a:r>
-          </a:p>
-        </p:txBody>
-      </p:sp>
-    </p:spTree>
-  </p:cSld>
-  <p:clrMapOvr>
-    <a:masterClrMapping/>
-  </p:clrMapOvr>
-  <p:transition/>
-  <p:timing>
-    <p:tnLst>
-      <p:par>
-        <p:cTn id="1" dur="indefinite" restart="never" nodeType="tmRoot">
-          <p:childTnLst>
-            <p:seq concurrent="1" nextAc="seek">
-              <p:cTn id="2" dur="indefinite" nodeType="mainSeq">
-                <p:childTnLst>
-                  <p:par>
-                    <p:cTn id="3" fill="hold">
-                      <p:stCondLst>
-                        <p:cond delay="indefinite"/>
-                      </p:stCondLst>
-                      <p:childTnLst>
-                        <p:par>
-                          <p:cTn id="4" fill="hold">
-                            <p:stCondLst>
-                              <p:cond delay="0"/>
-                            </p:stCondLst>
-                            <p:childTnLst>
-                              <p:par>
-                                <p:cTn id="5" presetID="2" presetClass="entr" presetSubtype="4" fill="hold" grpId="0" nodeType="clickEffect">
-                                  <p:stCondLst>
-                                    <p:cond delay="0"/>
-                                  </p:stCondLst>
-                                  <p:childTnLst>
-                                    <p:set>
-                                      <p:cBhvr>
-                                        <p:cTn id="6" dur="1" fill="hold">
-                                          <p:stCondLst>
-                                            <p:cond delay="0"/>
-                                          </p:stCondLst>
-                                        </p:cTn>
-                                        <p:tgtEl>
-                                          <p:spTgt spid="8193"/>
-                                        </p:tgtEl>
-                                        <p:attrNameLst>
-                                          <p:attrName>style.visibility</p:attrName>
-                                        </p:attrNameLst>
-                                      </p:cBhvr>
-                                      <p:to>
-                                        <p:strVal val="visible"/>
-                                      </p:to>
-                                    </p:set>
-                                    <p:anim calcmode="lin" valueType="num">
-                                      <p:cBhvr additive="base">
-                                        <p:cTn id="7" dur="500" fill="hold"/>
-                                        <p:tgtEl>
-                                          <p:spTgt spid="8193"/>
-                                        </p:tgtEl>
-                                        <p:attrNameLst>
-                                          <p:attrName>ppt_x</p:attrName>
-                                        </p:attrNameLst>
-                                      </p:cBhvr>
-                                      <p:tavLst>
-                                        <p:tav tm="0">
-                                          <p:val>
-                                            <p:strVal val="#ppt_x"/>
-                                          </p:val>
-                                        </p:tav>
-                                        <p:tav tm="100000">
-                                          <p:val>
-                                            <p:strVal val="#ppt_x"/>
-                                          </p:val>
-                                        </p:tav>
-                                      </p:tavLst>
-                                    </p:anim>
-                                    <p:anim calcmode="lin" valueType="num">
-                                      <p:cBhvr additive="base">
-                                        <p:cTn id="8" dur="500" fill="hold"/>
-                                        <p:tgtEl>
-                                          <p:spTgt spid="8193"/>
-                                        </p:tgtEl>
-                                        <p:attrNameLst>
-                                          <p:attrName>ppt_y</p:attrName>
-                                        </p:attrNameLst>
-                                      </p:cBhvr>
-                                      <p:tavLst>
-                                        <p:tav tm="0">
-                                          <p:val>
-                                            <p:strVal val="1+#ppt_h/2"/>
-                                          </p:val>
-                                        </p:tav>
-                                        <p:tav tm="100000">
-                                          <p:val>
-                                            <p:strVal val="#ppt_y"/>
-                                          </p:val>
-                                        </p:tav>
-                                      </p:tavLst>
-                                    </p:anim>
-                                  </p:childTnLst>
-                                </p:cTn>
-                              </p:par>
-                            </p:childTnLst>
-                          </p:cTn>
-                        </p:par>
-                      </p:childTnLst>
-                    </p:cTn>
-                  </p:par>
-                </p:childTnLst>
-              </p:cTn>
-              <p:prevCondLst>
-                <p:cond evt="onPrev" delay="0">
-                  <p:tgtEl>
-                    <p:sldTgt/>
-                  </p:tgtEl>
-                </p:cond>
-              </p:prevCondLst>
-              <p:nextCondLst>
-                <p:cond evt="onNext" delay="0">
-                  <p:tgtEl>
-                    <p:sldTgt/>
-                  </p:tgtEl>
-                </p:cond>
-              </p:nextCondLst>
-            </p:seq>
-          </p:childTnLst>
-        </p:cTn>
-      </p:par>
-    </p:tnLst>
-    <p:bldLst>
-      <p:bldP spid="8193" grpId="0" animBg="1"/>
-    </p:bldLst>
   </p:timing>
 </p:sld>
 </file>
@@ -12270,7 +12178,561 @@
 </p:sld>
 </file>
 
+<file path=ppt/slides/slide30.xml><?xml version="1.0" encoding="utf-8"?>
+<p:sld xmlns:a="http://schemas.openxmlformats.org/drawingml/2006/main" xmlns:r="http://schemas.openxmlformats.org/officeDocument/2006/relationships" xmlns:p="http://schemas.openxmlformats.org/presentationml/2006/main">
+  <p:cSld>
+    <p:spTree>
+      <p:nvGrpSpPr>
+        <p:cNvPr id="1" name=""/>
+        <p:cNvGrpSpPr/>
+        <p:nvPr/>
+      </p:nvGrpSpPr>
+      <p:grpSpPr>
+        <a:xfrm>
+          <a:off x="0" y="0"/>
+          <a:ext cx="0" cy="0"/>
+          <a:chOff x="0" y="0"/>
+          <a:chExt cx="0" cy="0"/>
+        </a:xfrm>
+      </p:grpSpPr>
+      <p:sp>
+        <p:nvSpPr>
+          <p:cNvPr id="8193" name="Title 1"/>
+          <p:cNvSpPr>
+            <a:spLocks noGrp="1"/>
+          </p:cNvSpPr>
+          <p:nvPr>
+            <p:ph type="title"/>
+          </p:nvPr>
+        </p:nvSpPr>
+        <p:spPr bwMode="auto">
+          <a:xfrm>
+            <a:off x="1475656" y="2569468"/>
+            <a:ext cx="6429393" cy="439738"/>
+          </a:xfrm>
+          <a:prstGeom prst="rect">
+            <a:avLst/>
+          </a:prstGeom>
+          <a:noFill/>
+          <a:ln>
+            <a:miter lim="800000"/>
+            <a:headEnd/>
+            <a:tailEnd/>
+          </a:ln>
+        </p:spPr>
+        <p:txBody>
+          <a:bodyPr vert="horz" wrap="square" lIns="91440" tIns="45720" rIns="91440" bIns="45720" numCol="1" anchor="t" anchorCtr="0" compatLnSpc="1">
+            <a:prstTxWarp prst="textNoShape">
+              <a:avLst/>
+            </a:prstTxWarp>
+            <a:scene3d>
+              <a:camera prst="orthographicFront"/>
+              <a:lightRig rig="soft" dir="tl">
+                <a:rot lat="0" lon="0" rev="0"/>
+              </a:lightRig>
+            </a:scene3d>
+            <a:sp3d contourW="25400" prstMaterial="matte">
+              <a:bevelT w="25400" h="55880" prst="artDeco"/>
+              <a:contourClr>
+                <a:schemeClr val="accent2">
+                  <a:tint val="20000"/>
+                </a:schemeClr>
+              </a:contourClr>
+            </a:sp3d>
+          </a:bodyPr>
+          <a:lstStyle/>
+          <a:p>
+            <a:pPr algn="ctr" eaLnBrk="1" hangingPunct="1"/>
+            <a:r>
+              <a:rPr lang="en-US" altLang="zh-CN" sz="3200" b="1" spc="50" dirty="0" smtClean="0">
+                <a:ln w="11430"/>
+                <a:gradFill>
+                  <a:gsLst>
+                    <a:gs pos="25000">
+                      <a:schemeClr val="accent2">
+                        <a:satMod val="155000"/>
+                      </a:schemeClr>
+                    </a:gs>
+                    <a:gs pos="100000">
+                      <a:schemeClr val="accent2">
+                        <a:shade val="45000"/>
+                        <a:satMod val="165000"/>
+                      </a:schemeClr>
+                    </a:gs>
+                  </a:gsLst>
+                  <a:lin ang="5400000"/>
+                </a:gradFill>
+                <a:effectLst>
+                  <a:outerShdw blurRad="76200" dist="50800" dir="5400000" algn="tl" rotWithShape="0">
+                    <a:srgbClr val="000000">
+                      <a:alpha val="65000"/>
+                    </a:srgbClr>
+                  </a:outerShdw>
+                </a:effectLst>
+                <a:latin typeface="DIN 1451 Mittelschrift" pitchFamily="34" charset="0"/>
+                <a:ea typeface="Batang" pitchFamily="18" charset="-127"/>
+                <a:cs typeface="Aharoni" pitchFamily="2" charset="-79"/>
+              </a:rPr>
+              <a:t>THANK YOU!</a:t>
+            </a:r>
+          </a:p>
+        </p:txBody>
+      </p:sp>
+    </p:spTree>
+  </p:cSld>
+  <p:clrMapOvr>
+    <a:masterClrMapping/>
+  </p:clrMapOvr>
+  <p:transition/>
+  <p:timing>
+    <p:tnLst>
+      <p:par>
+        <p:cTn id="1" dur="indefinite" restart="never" nodeType="tmRoot">
+          <p:childTnLst>
+            <p:seq concurrent="1" nextAc="seek">
+              <p:cTn id="2" dur="indefinite" nodeType="mainSeq">
+                <p:childTnLst>
+                  <p:par>
+                    <p:cTn id="3" fill="hold">
+                      <p:stCondLst>
+                        <p:cond delay="indefinite"/>
+                      </p:stCondLst>
+                      <p:childTnLst>
+                        <p:par>
+                          <p:cTn id="4" fill="hold">
+                            <p:stCondLst>
+                              <p:cond delay="0"/>
+                            </p:stCondLst>
+                            <p:childTnLst>
+                              <p:par>
+                                <p:cTn id="5" presetID="2" presetClass="entr" presetSubtype="4" fill="hold" grpId="0" nodeType="clickEffect">
+                                  <p:stCondLst>
+                                    <p:cond delay="0"/>
+                                  </p:stCondLst>
+                                  <p:childTnLst>
+                                    <p:set>
+                                      <p:cBhvr>
+                                        <p:cTn id="6" dur="1" fill="hold">
+                                          <p:stCondLst>
+                                            <p:cond delay="0"/>
+                                          </p:stCondLst>
+                                        </p:cTn>
+                                        <p:tgtEl>
+                                          <p:spTgt spid="8193"/>
+                                        </p:tgtEl>
+                                        <p:attrNameLst>
+                                          <p:attrName>style.visibility</p:attrName>
+                                        </p:attrNameLst>
+                                      </p:cBhvr>
+                                      <p:to>
+                                        <p:strVal val="visible"/>
+                                      </p:to>
+                                    </p:set>
+                                    <p:anim calcmode="lin" valueType="num">
+                                      <p:cBhvr additive="base">
+                                        <p:cTn id="7" dur="500" fill="hold"/>
+                                        <p:tgtEl>
+                                          <p:spTgt spid="8193"/>
+                                        </p:tgtEl>
+                                        <p:attrNameLst>
+                                          <p:attrName>ppt_x</p:attrName>
+                                        </p:attrNameLst>
+                                      </p:cBhvr>
+                                      <p:tavLst>
+                                        <p:tav tm="0">
+                                          <p:val>
+                                            <p:strVal val="#ppt_x"/>
+                                          </p:val>
+                                        </p:tav>
+                                        <p:tav tm="100000">
+                                          <p:val>
+                                            <p:strVal val="#ppt_x"/>
+                                          </p:val>
+                                        </p:tav>
+                                      </p:tavLst>
+                                    </p:anim>
+                                    <p:anim calcmode="lin" valueType="num">
+                                      <p:cBhvr additive="base">
+                                        <p:cTn id="8" dur="500" fill="hold"/>
+                                        <p:tgtEl>
+                                          <p:spTgt spid="8193"/>
+                                        </p:tgtEl>
+                                        <p:attrNameLst>
+                                          <p:attrName>ppt_y</p:attrName>
+                                        </p:attrNameLst>
+                                      </p:cBhvr>
+                                      <p:tavLst>
+                                        <p:tav tm="0">
+                                          <p:val>
+                                            <p:strVal val="1+#ppt_h/2"/>
+                                          </p:val>
+                                        </p:tav>
+                                        <p:tav tm="100000">
+                                          <p:val>
+                                            <p:strVal val="#ppt_y"/>
+                                          </p:val>
+                                        </p:tav>
+                                      </p:tavLst>
+                                    </p:anim>
+                                  </p:childTnLst>
+                                </p:cTn>
+                              </p:par>
+                            </p:childTnLst>
+                          </p:cTn>
+                        </p:par>
+                      </p:childTnLst>
+                    </p:cTn>
+                  </p:par>
+                </p:childTnLst>
+              </p:cTn>
+              <p:prevCondLst>
+                <p:cond evt="onPrev" delay="0">
+                  <p:tgtEl>
+                    <p:sldTgt/>
+                  </p:tgtEl>
+                </p:cond>
+              </p:prevCondLst>
+              <p:nextCondLst>
+                <p:cond evt="onNext" delay="0">
+                  <p:tgtEl>
+                    <p:sldTgt/>
+                  </p:tgtEl>
+                </p:cond>
+              </p:nextCondLst>
+            </p:seq>
+          </p:childTnLst>
+        </p:cTn>
+      </p:par>
+    </p:tnLst>
+    <p:bldLst>
+      <p:bldP spid="8193" grpId="0" animBg="1"/>
+    </p:bldLst>
+  </p:timing>
+</p:sld>
+</file>
+
 <file path=ppt/slides/slide4.xml><?xml version="1.0" encoding="utf-8"?>
+<p:sld xmlns:a="http://schemas.openxmlformats.org/drawingml/2006/main" xmlns:r="http://schemas.openxmlformats.org/officeDocument/2006/relationships" xmlns:p="http://schemas.openxmlformats.org/presentationml/2006/main">
+  <p:cSld>
+    <p:spTree>
+      <p:nvGrpSpPr>
+        <p:cNvPr id="1" name=""/>
+        <p:cNvGrpSpPr/>
+        <p:nvPr/>
+      </p:nvGrpSpPr>
+      <p:grpSpPr>
+        <a:xfrm>
+          <a:off x="0" y="0"/>
+          <a:ext cx="0" cy="0"/>
+          <a:chOff x="0" y="0"/>
+          <a:chExt cx="0" cy="0"/>
+        </a:xfrm>
+      </p:grpSpPr>
+      <p:sp>
+        <p:nvSpPr>
+          <p:cNvPr id="2" name="Title 1"/>
+          <p:cNvSpPr>
+            <a:spLocks noGrp="1"/>
+          </p:cNvSpPr>
+          <p:nvPr>
+            <p:ph type="title"/>
+          </p:nvPr>
+        </p:nvSpPr>
+        <p:spPr/>
+        <p:txBody>
+          <a:bodyPr/>
+          <a:lstStyle/>
+          <a:p>
+            <a:endParaRPr lang="zh-CN" altLang="en-US"/>
+          </a:p>
+        </p:txBody>
+      </p:sp>
+      <p:pic>
+        <p:nvPicPr>
+          <p:cNvPr id="1027" name="Picture 3"/>
+          <p:cNvPicPr>
+            <a:picLocks noChangeAspect="1" noChangeArrowheads="1"/>
+          </p:cNvPicPr>
+          <p:nvPr/>
+        </p:nvPicPr>
+        <p:blipFill>
+          <a:blip r:embed="rId2" cstate="print"/>
+          <a:srcRect/>
+          <a:stretch>
+            <a:fillRect/>
+          </a:stretch>
+        </p:blipFill>
+        <p:spPr bwMode="auto">
+          <a:xfrm>
+            <a:off x="200025" y="3073524"/>
+            <a:ext cx="8943975" cy="1019175"/>
+          </a:xfrm>
+          <a:prstGeom prst="rect">
+            <a:avLst/>
+          </a:prstGeom>
+          <a:noFill/>
+          <a:ln w="9525">
+            <a:noFill/>
+            <a:miter lim="800000"/>
+            <a:headEnd/>
+            <a:tailEnd/>
+          </a:ln>
+        </p:spPr>
+      </p:pic>
+      <p:pic>
+        <p:nvPicPr>
+          <p:cNvPr id="1028" name="Picture 4"/>
+          <p:cNvPicPr>
+            <a:picLocks noChangeAspect="1" noChangeArrowheads="1"/>
+          </p:cNvPicPr>
+          <p:nvPr/>
+        </p:nvPicPr>
+        <p:blipFill>
+          <a:blip r:embed="rId3" cstate="print"/>
+          <a:srcRect/>
+          <a:stretch>
+            <a:fillRect/>
+          </a:stretch>
+        </p:blipFill>
+        <p:spPr bwMode="auto">
+          <a:xfrm>
+            <a:off x="228600" y="1633364"/>
+            <a:ext cx="8915400" cy="876300"/>
+          </a:xfrm>
+          <a:prstGeom prst="rect">
+            <a:avLst/>
+          </a:prstGeom>
+          <a:noFill/>
+          <a:ln w="9525">
+            <a:noFill/>
+            <a:miter lim="800000"/>
+            <a:headEnd/>
+            <a:tailEnd/>
+          </a:ln>
+        </p:spPr>
+      </p:pic>
+    </p:spTree>
+  </p:cSld>
+  <p:clrMapOvr>
+    <a:masterClrMapping/>
+  </p:clrMapOvr>
+  <p:transition/>
+  <p:timing>
+    <p:tnLst>
+      <p:par>
+        <p:cTn id="1" dur="indefinite" restart="never" nodeType="tmRoot">
+          <p:childTnLst>
+            <p:seq concurrent="1" nextAc="seek">
+              <p:cTn id="2" dur="indefinite" nodeType="mainSeq">
+                <p:childTnLst>
+                  <p:par>
+                    <p:cTn id="3" fill="hold">
+                      <p:stCondLst>
+                        <p:cond delay="indefinite"/>
+                      </p:stCondLst>
+                      <p:childTnLst>
+                        <p:par>
+                          <p:cTn id="4" fill="hold">
+                            <p:stCondLst>
+                              <p:cond delay="0"/>
+                            </p:stCondLst>
+                            <p:childTnLst>
+                              <p:par>
+                                <p:cTn id="5" presetID="2" presetClass="entr" presetSubtype="4" fill="hold" nodeType="clickEffect">
+                                  <p:stCondLst>
+                                    <p:cond delay="0"/>
+                                  </p:stCondLst>
+                                  <p:childTnLst>
+                                    <p:set>
+                                      <p:cBhvr>
+                                        <p:cTn id="6" dur="1" fill="hold">
+                                          <p:stCondLst>
+                                            <p:cond delay="0"/>
+                                          </p:stCondLst>
+                                        </p:cTn>
+                                        <p:tgtEl>
+                                          <p:spTgt spid="1028"/>
+                                        </p:tgtEl>
+                                        <p:attrNameLst>
+                                          <p:attrName>style.visibility</p:attrName>
+                                        </p:attrNameLst>
+                                      </p:cBhvr>
+                                      <p:to>
+                                        <p:strVal val="visible"/>
+                                      </p:to>
+                                    </p:set>
+                                    <p:anim calcmode="lin" valueType="num">
+                                      <p:cBhvr additive="base">
+                                        <p:cTn id="7" dur="500" fill="hold"/>
+                                        <p:tgtEl>
+                                          <p:spTgt spid="1028"/>
+                                        </p:tgtEl>
+                                        <p:attrNameLst>
+                                          <p:attrName>ppt_x</p:attrName>
+                                        </p:attrNameLst>
+                                      </p:cBhvr>
+                                      <p:tavLst>
+                                        <p:tav tm="0">
+                                          <p:val>
+                                            <p:strVal val="#ppt_x"/>
+                                          </p:val>
+                                        </p:tav>
+                                        <p:tav tm="100000">
+                                          <p:val>
+                                            <p:strVal val="#ppt_x"/>
+                                          </p:val>
+                                        </p:tav>
+                                      </p:tavLst>
+                                    </p:anim>
+                                    <p:anim calcmode="lin" valueType="num">
+                                      <p:cBhvr additive="base">
+                                        <p:cTn id="8" dur="500" fill="hold"/>
+                                        <p:tgtEl>
+                                          <p:spTgt spid="1028"/>
+                                        </p:tgtEl>
+                                        <p:attrNameLst>
+                                          <p:attrName>ppt_y</p:attrName>
+                                        </p:attrNameLst>
+                                      </p:cBhvr>
+                                      <p:tavLst>
+                                        <p:tav tm="0">
+                                          <p:val>
+                                            <p:strVal val="1+#ppt_h/2"/>
+                                          </p:val>
+                                        </p:tav>
+                                        <p:tav tm="100000">
+                                          <p:val>
+                                            <p:strVal val="#ppt_y"/>
+                                          </p:val>
+                                        </p:tav>
+                                      </p:tavLst>
+                                    </p:anim>
+                                  </p:childTnLst>
+                                </p:cTn>
+                              </p:par>
+                            </p:childTnLst>
+                          </p:cTn>
+                        </p:par>
+                      </p:childTnLst>
+                    </p:cTn>
+                  </p:par>
+                  <p:par>
+                    <p:cTn id="9" fill="hold">
+                      <p:stCondLst>
+                        <p:cond delay="indefinite"/>
+                      </p:stCondLst>
+                      <p:childTnLst>
+                        <p:par>
+                          <p:cTn id="10" fill="hold">
+                            <p:stCondLst>
+                              <p:cond delay="0"/>
+                            </p:stCondLst>
+                            <p:childTnLst>
+                              <p:par>
+                                <p:cTn id="11" presetID="2" presetClass="entr" presetSubtype="4" fill="hold" nodeType="clickEffect">
+                                  <p:stCondLst>
+                                    <p:cond delay="0"/>
+                                  </p:stCondLst>
+                                  <p:childTnLst>
+                                    <p:set>
+                                      <p:cBhvr>
+                                        <p:cTn id="12" dur="1" fill="hold">
+                                          <p:stCondLst>
+                                            <p:cond delay="0"/>
+                                          </p:stCondLst>
+                                        </p:cTn>
+                                        <p:tgtEl>
+                                          <p:spTgt spid="1027"/>
+                                        </p:tgtEl>
+                                        <p:attrNameLst>
+                                          <p:attrName>style.visibility</p:attrName>
+                                        </p:attrNameLst>
+                                      </p:cBhvr>
+                                      <p:to>
+                                        <p:strVal val="visible"/>
+                                      </p:to>
+                                    </p:set>
+                                    <p:anim calcmode="lin" valueType="num">
+                                      <p:cBhvr additive="base">
+                                        <p:cTn id="13" dur="500" fill="hold"/>
+                                        <p:tgtEl>
+                                          <p:spTgt spid="1027"/>
+                                        </p:tgtEl>
+                                        <p:attrNameLst>
+                                          <p:attrName>ppt_x</p:attrName>
+                                        </p:attrNameLst>
+                                      </p:cBhvr>
+                                      <p:tavLst>
+                                        <p:tav tm="0">
+                                          <p:val>
+                                            <p:strVal val="#ppt_x"/>
+                                          </p:val>
+                                        </p:tav>
+                                        <p:tav tm="100000">
+                                          <p:val>
+                                            <p:strVal val="#ppt_x"/>
+                                          </p:val>
+                                        </p:tav>
+                                      </p:tavLst>
+                                    </p:anim>
+                                    <p:anim calcmode="lin" valueType="num">
+                                      <p:cBhvr additive="base">
+                                        <p:cTn id="14" dur="500" fill="hold"/>
+                                        <p:tgtEl>
+                                          <p:spTgt spid="1027"/>
+                                        </p:tgtEl>
+                                        <p:attrNameLst>
+                                          <p:attrName>ppt_y</p:attrName>
+                                        </p:attrNameLst>
+                                      </p:cBhvr>
+                                      <p:tavLst>
+                                        <p:tav tm="0">
+                                          <p:val>
+                                            <p:strVal val="1+#ppt_h/2"/>
+                                          </p:val>
+                                        </p:tav>
+                                        <p:tav tm="100000">
+                                          <p:val>
+                                            <p:strVal val="#ppt_y"/>
+                                          </p:val>
+                                        </p:tav>
+                                      </p:tavLst>
+                                    </p:anim>
+                                  </p:childTnLst>
+                                </p:cTn>
+                              </p:par>
+                            </p:childTnLst>
+                          </p:cTn>
+                        </p:par>
+                      </p:childTnLst>
+                    </p:cTn>
+                  </p:par>
+                </p:childTnLst>
+              </p:cTn>
+              <p:prevCondLst>
+                <p:cond evt="onPrev" delay="0">
+                  <p:tgtEl>
+                    <p:sldTgt/>
+                  </p:tgtEl>
+                </p:cond>
+              </p:prevCondLst>
+              <p:nextCondLst>
+                <p:cond evt="onNext" delay="0">
+                  <p:tgtEl>
+                    <p:sldTgt/>
+                  </p:tgtEl>
+                </p:cond>
+              </p:nextCondLst>
+            </p:seq>
+          </p:childTnLst>
+        </p:cTn>
+      </p:par>
+    </p:tnLst>
+  </p:timing>
+</p:sld>
+</file>
+
+<file path=ppt/slides/slide5.xml><?xml version="1.0" encoding="utf-8"?>
 <p:sld xmlns:a="http://schemas.openxmlformats.org/drawingml/2006/main" xmlns:r="http://schemas.openxmlformats.org/officeDocument/2006/relationships" xmlns:p="http://schemas.openxmlformats.org/presentationml/2006/main">
   <p:cSld>
     <p:spTree>
@@ -12504,7 +12966,7 @@
 </p:sld>
 </file>
 
-<file path=ppt/slides/slide5.xml><?xml version="1.0" encoding="utf-8"?>
+<file path=ppt/slides/slide6.xml><?xml version="1.0" encoding="utf-8"?>
 <p:sld xmlns:a="http://schemas.openxmlformats.org/drawingml/2006/main" xmlns:r="http://schemas.openxmlformats.org/officeDocument/2006/relationships" xmlns:p="http://schemas.openxmlformats.org/presentationml/2006/main">
   <p:cSld>
     <p:spTree>
@@ -12991,7 +13453,7 @@
 </p:sld>
 </file>
 
-<file path=ppt/slides/slide6.xml><?xml version="1.0" encoding="utf-8"?>
+<file path=ppt/slides/slide7.xml><?xml version="1.0" encoding="utf-8"?>
 <p:sld xmlns:a="http://schemas.openxmlformats.org/drawingml/2006/main" xmlns:r="http://schemas.openxmlformats.org/officeDocument/2006/relationships" xmlns:p="http://schemas.openxmlformats.org/presentationml/2006/main">
   <p:cSld>
     <p:spTree>
@@ -13636,7 +14098,7 @@
 </p:sld>
 </file>
 
-<file path=ppt/slides/slide7.xml><?xml version="1.0" encoding="utf-8"?>
+<file path=ppt/slides/slide8.xml><?xml version="1.0" encoding="utf-8"?>
 <p:sld xmlns:a="http://schemas.openxmlformats.org/drawingml/2006/main" xmlns:r="http://schemas.openxmlformats.org/officeDocument/2006/relationships" xmlns:p="http://schemas.openxmlformats.org/presentationml/2006/main">
   <p:cSld>
     <p:spTree>
@@ -13745,11 +14207,7 @@
             </a:r>
             <a:r>
               <a:rPr lang="en-US" altLang="zh-CN" sz="2800" dirty="0" smtClean="0"/>
-              <a:t>set up the NDK,SDK,ANT and </a:t>
-            </a:r>
-            <a:r>
-              <a:rPr lang="en-US" altLang="zh-CN" sz="2800" dirty="0" smtClean="0"/>
-              <a:t>Python2.7.3.</a:t>
+              <a:t>set up the NDK,SDK,ANT and Python2.7.3.</a:t>
             </a:r>
             <a:endParaRPr lang="zh-CN" altLang="en-US" sz="2800" dirty="0"/>
           </a:p>
@@ -14054,7 +14512,7 @@
 </p:sld>
 </file>
 
-<file path=ppt/slides/slide8.xml><?xml version="1.0" encoding="utf-8"?>
+<file path=ppt/slides/slide9.xml><?xml version="1.0" encoding="utf-8"?>
 <p:sld xmlns:a="http://schemas.openxmlformats.org/drawingml/2006/main" xmlns:r="http://schemas.openxmlformats.org/officeDocument/2006/relationships" xmlns:p="http://schemas.openxmlformats.org/presentationml/2006/main">
   <p:cSld>
     <p:spTree>
@@ -14262,166 +14720,6 @@
                                         <p:cTn id="12" dur="500"/>
                                         <p:tgtEl>
                                           <p:spTgt spid="4"/>
-                                        </p:tgtEl>
-                                      </p:cBhvr>
-                                    </p:animEffect>
-                                  </p:childTnLst>
-                                </p:cTn>
-                              </p:par>
-                            </p:childTnLst>
-                          </p:cTn>
-                        </p:par>
-                      </p:childTnLst>
-                    </p:cTn>
-                  </p:par>
-                </p:childTnLst>
-              </p:cTn>
-              <p:prevCondLst>
-                <p:cond evt="onPrev" delay="0">
-                  <p:tgtEl>
-                    <p:sldTgt/>
-                  </p:tgtEl>
-                </p:cond>
-              </p:prevCondLst>
-              <p:nextCondLst>
-                <p:cond evt="onNext" delay="0">
-                  <p:tgtEl>
-                    <p:sldTgt/>
-                  </p:tgtEl>
-                </p:cond>
-              </p:nextCondLst>
-            </p:seq>
-          </p:childTnLst>
-        </p:cTn>
-      </p:par>
-    </p:tnLst>
-  </p:timing>
-</p:sld>
-</file>
-
-<file path=ppt/slides/slide9.xml><?xml version="1.0" encoding="utf-8"?>
-<p:sld xmlns:a="http://schemas.openxmlformats.org/drawingml/2006/main" xmlns:r="http://schemas.openxmlformats.org/officeDocument/2006/relationships" xmlns:p="http://schemas.openxmlformats.org/presentationml/2006/main">
-  <p:cSld>
-    <p:spTree>
-      <p:nvGrpSpPr>
-        <p:cNvPr id="1" name=""/>
-        <p:cNvGrpSpPr/>
-        <p:nvPr/>
-      </p:nvGrpSpPr>
-      <p:grpSpPr>
-        <a:xfrm>
-          <a:off x="0" y="0"/>
-          <a:ext cx="0" cy="0"/>
-          <a:chOff x="0" y="0"/>
-          <a:chExt cx="0" cy="0"/>
-        </a:xfrm>
-      </p:grpSpPr>
-      <p:sp>
-        <p:nvSpPr>
-          <p:cNvPr id="2" name="Title 1"/>
-          <p:cNvSpPr>
-            <a:spLocks noGrp="1"/>
-          </p:cNvSpPr>
-          <p:nvPr>
-            <p:ph type="title"/>
-          </p:nvPr>
-        </p:nvSpPr>
-        <p:spPr/>
-        <p:txBody>
-          <a:bodyPr/>
-          <a:lstStyle/>
-          <a:p>
-            <a:endParaRPr lang="zh-CN" altLang="en-US"/>
-          </a:p>
-        </p:txBody>
-      </p:sp>
-      <p:pic>
-        <p:nvPicPr>
-          <p:cNvPr id="1026" name="Picture 2"/>
-          <p:cNvPicPr>
-            <a:picLocks noChangeAspect="1" noChangeArrowheads="1"/>
-          </p:cNvPicPr>
-          <p:nvPr/>
-        </p:nvPicPr>
-        <p:blipFill>
-          <a:blip r:embed="rId2" cstate="print"/>
-          <a:srcRect/>
-          <a:stretch>
-            <a:fillRect/>
-          </a:stretch>
-        </p:blipFill>
-        <p:spPr bwMode="auto">
-          <a:xfrm>
-            <a:off x="2073275" y="549275"/>
-            <a:ext cx="4997450" cy="4616450"/>
-          </a:xfrm>
-          <a:prstGeom prst="rect">
-            <a:avLst/>
-          </a:prstGeom>
-          <a:noFill/>
-          <a:ln w="9525">
-            <a:noFill/>
-            <a:miter lim="800000"/>
-            <a:headEnd/>
-            <a:tailEnd/>
-          </a:ln>
-        </p:spPr>
-      </p:pic>
-    </p:spTree>
-  </p:cSld>
-  <p:clrMapOvr>
-    <a:masterClrMapping/>
-  </p:clrMapOvr>
-  <p:transition/>
-  <p:timing>
-    <p:tnLst>
-      <p:par>
-        <p:cTn id="1" dur="indefinite" restart="never" nodeType="tmRoot">
-          <p:childTnLst>
-            <p:seq concurrent="1" nextAc="seek">
-              <p:cTn id="2" dur="indefinite" nodeType="mainSeq">
-                <p:childTnLst>
-                  <p:par>
-                    <p:cTn id="3" fill="hold">
-                      <p:stCondLst>
-                        <p:cond delay="indefinite"/>
-                      </p:stCondLst>
-                      <p:childTnLst>
-                        <p:par>
-                          <p:cTn id="4" fill="hold">
-                            <p:stCondLst>
-                              <p:cond delay="0"/>
-                            </p:stCondLst>
-                            <p:childTnLst>
-                              <p:par>
-                                <p:cTn id="5" presetID="22" presetClass="entr" presetSubtype="4" fill="hold" nodeType="clickEffect">
-                                  <p:stCondLst>
-                                    <p:cond delay="0"/>
-                                  </p:stCondLst>
-                                  <p:childTnLst>
-                                    <p:set>
-                                      <p:cBhvr>
-                                        <p:cTn id="6" dur="1" fill="hold">
-                                          <p:stCondLst>
-                                            <p:cond delay="0"/>
-                                          </p:stCondLst>
-                                        </p:cTn>
-                                        <p:tgtEl>
-                                          <p:spTgt spid="1026"/>
-                                        </p:tgtEl>
-                                        <p:attrNameLst>
-                                          <p:attrName>style.visibility</p:attrName>
-                                        </p:attrNameLst>
-                                      </p:cBhvr>
-                                      <p:to>
-                                        <p:strVal val="visible"/>
-                                      </p:to>
-                                    </p:set>
-                                    <p:animEffect transition="in" filter="wipe(down)">
-                                      <p:cBhvr>
-                                        <p:cTn id="7" dur="500"/>
-                                        <p:tgtEl>
-                                          <p:spTgt spid="1026"/>
                                         </p:tgtEl>
                                       </p:cBhvr>
                                     </p:animEffect>
